--- a/framework/src/site/resources/presentations/IntroducingApacheIsis.pptx
+++ b/framework/src/site/resources/presentations/IntroducingApacheIsis.pptx
@@ -5,24 +5,27 @@
     <p:sldMasterId id="2147483648" r:id="rId1"/>
   </p:sldMasterIdLst>
   <p:notesMasterIdLst>
-    <p:notesMasterId r:id="rId14"/>
+    <p:notesMasterId r:id="rId17"/>
   </p:notesMasterIdLst>
   <p:handoutMasterIdLst>
-    <p:handoutMasterId r:id="rId15"/>
+    <p:handoutMasterId r:id="rId18"/>
   </p:handoutMasterIdLst>
   <p:sldIdLst>
     <p:sldId id="256" r:id="rId2"/>
     <p:sldId id="257" r:id="rId3"/>
-    <p:sldId id="261" r:id="rId4"/>
-    <p:sldId id="262" r:id="rId5"/>
-    <p:sldId id="260" r:id="rId6"/>
-    <p:sldId id="263" r:id="rId7"/>
-    <p:sldId id="266" r:id="rId8"/>
-    <p:sldId id="265" r:id="rId9"/>
+    <p:sldId id="272" r:id="rId4"/>
+    <p:sldId id="271" r:id="rId5"/>
+    <p:sldId id="263" r:id="rId6"/>
+    <p:sldId id="266" r:id="rId7"/>
+    <p:sldId id="265" r:id="rId8"/>
+    <p:sldId id="260" r:id="rId9"/>
     <p:sldId id="270" r:id="rId10"/>
-    <p:sldId id="267" r:id="rId11"/>
-    <p:sldId id="268" r:id="rId12"/>
-    <p:sldId id="269" r:id="rId13"/>
+    <p:sldId id="261" r:id="rId11"/>
+    <p:sldId id="262" r:id="rId12"/>
+    <p:sldId id="267" r:id="rId13"/>
+    <p:sldId id="268" r:id="rId14"/>
+    <p:sldId id="269" r:id="rId15"/>
+    <p:sldId id="273" r:id="rId16"/>
   </p:sldIdLst>
   <p:sldSz cx="9144000" cy="6858000" type="screen4x3"/>
   <p:notesSz cx="7099300" cy="10234613"/>
@@ -14225,7 +14228,7 @@
           <a:p>
             <a:fld id="{D57AE76F-E67D-4E52-B4AA-F889744E4B89}" type="datetimeFigureOut">
               <a:rPr lang="en-GB" smtClean="0"/>
-              <a:t>26/06/2011</a:t>
+              <a:t>13/12/2011</a:t>
             </a:fld>
             <a:endParaRPr lang="en-GB"/>
           </a:p>
@@ -14395,7 +14398,7 @@
           <a:p>
             <a:fld id="{FC993C7B-7F8B-4B8A-9D83-E8C0718AE1FC}" type="datetimeFigureOut">
               <a:rPr lang="en-GB" smtClean="0"/>
-              <a:t>26/06/2011</a:t>
+              <a:t>13/12/2011</a:t>
             </a:fld>
             <a:endParaRPr lang="en-GB"/>
           </a:p>
@@ -14723,11 +14726,23 @@
           <a:p>
             <a:r>
               <a:rPr lang="en-GB" dirty="0" smtClean="0"/>
-              <a:t>It consists of 9</a:t>
+              <a:t>It consists of </a:t>
+            </a:r>
+            <a:r>
+              <a:rPr lang="en-GB" dirty="0"/>
+              <a:t>9</a:t>
             </a:r>
             <a:r>
               <a:rPr lang="en-GB" baseline="0" dirty="0" smtClean="0"/>
-              <a:t> slides outlining some of the main themes of Apache Isis, domain-driven design and the naked objects pattern.  There are plenty of notes for each slide, so you shouldn’t run out of things to say.   In addition, one of the slides is a placeholder for a demo, so you have the opportunity to show Isis “in the flesh”. </a:t>
+              <a:t> slides outlining some of the main themes of Apache Isis, its</a:t>
+            </a:r>
+            <a:r>
+              <a:rPr lang="en-GB" dirty="0" smtClean="0"/>
+              <a:t> use cases, </a:t>
+            </a:r>
+            <a:r>
+              <a:rPr lang="en-GB" baseline="0" dirty="0" smtClean="0"/>
+              <a:t>domain-driven design and also the naked objects pattern.  There are plenty of notes for each slide, so you shouldn’t run out of things to say.   In addition, one of the slides is a placeholder for a demo, so you have the opportunity to show Isis “in the flesh”. </a:t>
             </a:r>
           </a:p>
           <a:p>
@@ -14736,7 +14751,53 @@
           <a:p>
             <a:r>
               <a:rPr lang="en-GB" baseline="0" dirty="0" smtClean="0"/>
-              <a:t>After the final slide (“Resources”), there are 3 additional slides relating to the Irish DSP project.  This was the “flagship” project that was the first to put naked objects to real-life use, and is a substantive and highly successful “existence proof” of the validity of the naked objects pattern.  You’re free to interweave these additional slides into the main material if you wish, or just read them for a little additional context.</a:t>
+              <a:t>After the final slide (“Resources”), there are</a:t>
+            </a:r>
+            <a:r>
+              <a:rPr lang="en-GB" dirty="0" smtClean="0"/>
+              <a:t> </a:t>
+            </a:r>
+            <a:r>
+              <a:rPr lang="en-GB" dirty="0" smtClean="0"/>
+              <a:t>6 </a:t>
+            </a:r>
+            <a:r>
+              <a:rPr lang="en-GB" dirty="0" smtClean="0"/>
+              <a:t>additional slides relating to naked objects pattern.  The first two discuss naked object pattern, the </a:t>
+            </a:r>
+            <a:r>
+              <a:rPr lang="en-GB" dirty="0" smtClean="0"/>
+              <a:t>next 3</a:t>
+            </a:r>
+            <a:r>
+              <a:rPr lang="en-GB" baseline="0" dirty="0" smtClean="0"/>
+              <a:t> </a:t>
+            </a:r>
+            <a:r>
+              <a:rPr lang="en-GB" baseline="0" dirty="0" smtClean="0"/>
+              <a:t>discuss the Irish DSP project.  The</a:t>
+            </a:r>
+            <a:r>
+              <a:rPr lang="en-GB" dirty="0" smtClean="0"/>
+              <a:t> DSP project </a:t>
+            </a:r>
+            <a:r>
+              <a:rPr lang="en-GB" baseline="0" dirty="0" smtClean="0"/>
+              <a:t>was the “flagship” that was the first to put naked objects to real-life use, and is a substantive and highly successful “existence proof” of the validity of the naked objects pattern</a:t>
+            </a:r>
+            <a:r>
+              <a:rPr lang="en-GB" baseline="0" dirty="0" smtClean="0"/>
+              <a:t>.  The final slide is additional resources relating to naked objects.</a:t>
+            </a:r>
+            <a:endParaRPr lang="en-GB" baseline="0" dirty="0" smtClean="0"/>
+          </a:p>
+          <a:p>
+            <a:endParaRPr lang="en-GB" dirty="0"/>
+          </a:p>
+          <a:p>
+            <a:r>
+              <a:rPr lang="en-GB" baseline="0" dirty="0" smtClean="0"/>
+              <a:t>You’re free to interweave these additional slides into the main material if you wish, or just read them for a little additional context.</a:t>
             </a:r>
             <a:endParaRPr lang="en-GB" dirty="0"/>
           </a:p>
@@ -14774,6 +14835,353 @@
       </p:grpSpPr>
       <p:sp>
         <p:nvSpPr>
+          <p:cNvPr id="38917" name="Rectangle 2"/>
+          <p:cNvSpPr>
+            <a:spLocks noGrp="1" noRot="1" noChangeAspect="1" noChangeArrowheads="1" noTextEdit="1"/>
+          </p:cNvSpPr>
+          <p:nvPr>
+            <p:ph type="sldImg"/>
+          </p:nvPr>
+        </p:nvSpPr>
+        <p:spPr>
+          <a:ln/>
+        </p:spPr>
+      </p:sp>
+      <p:sp>
+        <p:nvSpPr>
+          <p:cNvPr id="38918" name="Rectangle 3"/>
+          <p:cNvSpPr>
+            <a:spLocks noGrp="1" noChangeArrowheads="1"/>
+          </p:cNvSpPr>
+          <p:nvPr>
+            <p:ph type="body" idx="1"/>
+          </p:nvPr>
+        </p:nvSpPr>
+        <p:spPr>
+          <a:noFill/>
+          <a:ln/>
+        </p:spPr>
+        <p:txBody>
+          <a:bodyPr/>
+          <a:lstStyle/>
+          <a:p>
+            <a:pPr eaLnBrk="1" hangingPunct="1"/>
+            <a:r>
+              <a:rPr lang="en-US" dirty="0" smtClean="0"/>
+              <a:t>Apache Isis supports domain-driven design by implementing the naked objects pattern.</a:t>
+            </a:r>
+          </a:p>
+          <a:p>
+            <a:pPr eaLnBrk="1" hangingPunct="1"/>
+            <a:endParaRPr lang="en-US" dirty="0" smtClean="0"/>
+          </a:p>
+          <a:p>
+            <a:pPr eaLnBrk="1" hangingPunct="1"/>
+            <a:r>
+              <a:rPr lang="en-US" dirty="0" smtClean="0"/>
+              <a:t>“Naked Objects” as a term has several definitions.  First, it is an architectural pattern for a system whereby the presentation layer is an automatically generated object-oriented UI, constructed at runtime from the domain model.  This isn’t compile-time code generation scaffolding, it’s building a </a:t>
+            </a:r>
+            <a:r>
+              <a:rPr lang="en-US" dirty="0" err="1" smtClean="0"/>
+              <a:t>metamodel</a:t>
+            </a:r>
+            <a:r>
+              <a:rPr lang="en-US" dirty="0" smtClean="0"/>
+              <a:t> on-the-fly at runtime.  As an pattern, it also fits in well with the hexagonal architecture.</a:t>
+            </a:r>
+          </a:p>
+          <a:p>
+            <a:pPr eaLnBrk="1" hangingPunct="1"/>
+            <a:endParaRPr lang="en-US" dirty="0"/>
+          </a:p>
+          <a:p>
+            <a:pPr eaLnBrk="1" hangingPunct="1"/>
+            <a:r>
+              <a:rPr lang="en-US" dirty="0" smtClean="0"/>
+              <a:t>Perhaps more fundamentally, the principle of naked objects is object-orientation as “your mother taught you”, applied to enterprise business applications.  So we’re not talking about objects as </a:t>
+            </a:r>
+            <a:r>
+              <a:rPr lang="en-US" dirty="0" err="1" smtClean="0"/>
+              <a:t>anaemic</a:t>
+            </a:r>
+            <a:r>
+              <a:rPr lang="en-US" dirty="0" smtClean="0"/>
+              <a:t> data holders that are manipulated by service layers; these are proper objects with “know-</a:t>
+            </a:r>
+            <a:r>
+              <a:rPr lang="en-US" dirty="0" err="1" smtClean="0"/>
+              <a:t>whats</a:t>
+            </a:r>
+            <a:r>
+              <a:rPr lang="en-US" dirty="0" smtClean="0"/>
+              <a:t>” (encapsulated state) and “know-how-</a:t>
+            </a:r>
+            <a:r>
+              <a:rPr lang="en-US" dirty="0" err="1" smtClean="0"/>
+              <a:t>tos</a:t>
+            </a:r>
+            <a:r>
+              <a:rPr lang="en-US" dirty="0" smtClean="0"/>
+              <a:t>” (encapsulated </a:t>
+            </a:r>
+            <a:r>
+              <a:rPr lang="en-US" dirty="0" err="1" smtClean="0"/>
+              <a:t>behaviour</a:t>
+            </a:r>
+            <a:r>
+              <a:rPr lang="en-US" dirty="0" smtClean="0"/>
+              <a:t>).</a:t>
+            </a:r>
+          </a:p>
+          <a:p>
+            <a:pPr eaLnBrk="1" hangingPunct="1"/>
+            <a:endParaRPr lang="en-US" dirty="0"/>
+          </a:p>
+          <a:p>
+            <a:pPr eaLnBrk="1" hangingPunct="1"/>
+            <a:r>
+              <a:rPr lang="en-US" dirty="0" smtClean="0"/>
+              <a:t>Another theme to naked objects is that the UI should allow the user to perform their job in the way that they want, without forcing them to follow narrowly defined paths.  This is especially useful for expert users who have a deep knowledge of the domain (something often true for end-users within an enterprise).  The domain objects take responsibility for ensuring they are never placed into an invalid state, and provide </a:t>
+            </a:r>
+            <a:r>
+              <a:rPr lang="en-US" dirty="0" err="1" smtClean="0"/>
+              <a:t>behaviours</a:t>
+            </a:r>
+            <a:r>
+              <a:rPr lang="en-US" dirty="0" smtClean="0"/>
+              <a:t> for the user to manipulate them, but say nothing about the order in which they are manipulated.  We usually describe this as naked objects systems being written for the “problem solver, not process follower”.</a:t>
+            </a:r>
+          </a:p>
+          <a:p>
+            <a:pPr eaLnBrk="1" hangingPunct="1"/>
+            <a:endParaRPr lang="en-US" dirty="0" smtClean="0"/>
+          </a:p>
+          <a:p>
+            <a:pPr marL="0" marR="0" indent="0" algn="l" defTabSz="914400" rtl="0" eaLnBrk="1" fontAlgn="auto" latinLnBrk="0" hangingPunct="1">
+              <a:lnSpc>
+                <a:spcPct val="100000"/>
+              </a:lnSpc>
+              <a:spcBef>
+                <a:spcPts val="0"/>
+              </a:spcBef>
+              <a:spcAft>
+                <a:spcPts val="0"/>
+              </a:spcAft>
+              <a:buClrTx/>
+              <a:buSzTx/>
+              <a:buFontTx/>
+              <a:buNone/>
+              <a:tabLst/>
+              <a:defRPr/>
+            </a:pPr>
+            <a:r>
+              <a:rPr lang="en-US" dirty="0" smtClean="0"/>
+              <a:t>Isis’ customizable</a:t>
+            </a:r>
+            <a:r>
+              <a:rPr lang="en-US" baseline="0" dirty="0" smtClean="0"/>
+              <a:t> viewers are intended to extend the scope of Isis to applications where the users are not experts.  The most extreme example of this is the json viewer, which provides the </a:t>
+            </a:r>
+            <a:r>
+              <a:rPr lang="en-US" baseline="0" dirty="0" err="1" smtClean="0"/>
+              <a:t>RESTful</a:t>
+            </a:r>
+            <a:r>
+              <a:rPr lang="en-US" baseline="0" dirty="0" smtClean="0"/>
+              <a:t> API.  This is intended to be consumed by a custom app, </a:t>
+            </a:r>
+            <a:r>
+              <a:rPr lang="en-US" baseline="0" dirty="0" err="1" smtClean="0"/>
+              <a:t>eg</a:t>
+            </a:r>
+            <a:r>
+              <a:rPr lang="en-US" baseline="0" dirty="0" smtClean="0"/>
+              <a:t> a </a:t>
+            </a:r>
+            <a:r>
+              <a:rPr lang="en-US" baseline="0" dirty="0" err="1" smtClean="0"/>
+              <a:t>Javascript</a:t>
+            </a:r>
+            <a:r>
+              <a:rPr lang="en-US" baseline="0" dirty="0" smtClean="0"/>
+              <a:t> application.</a:t>
+            </a:r>
+          </a:p>
+          <a:p>
+            <a:pPr eaLnBrk="1" hangingPunct="1"/>
+            <a:endParaRPr lang="en-US" dirty="0" smtClean="0"/>
+          </a:p>
+        </p:txBody>
+      </p:sp>
+    </p:spTree>
+  </p:cSld>
+  <p:clrMapOvr>
+    <a:masterClrMapping/>
+  </p:clrMapOvr>
+</p:notes>
+</file>
+
+<file path=ppt/notesSlides/notesSlide11.xml><?xml version="1.0" encoding="utf-8"?>
+<p:notes xmlns:a="http://schemas.openxmlformats.org/drawingml/2006/main" xmlns:r="http://schemas.openxmlformats.org/officeDocument/2006/relationships" xmlns:p="http://schemas.openxmlformats.org/presentationml/2006/main">
+  <p:cSld>
+    <p:spTree>
+      <p:nvGrpSpPr>
+        <p:cNvPr id="1" name=""/>
+        <p:cNvGrpSpPr/>
+        <p:nvPr/>
+      </p:nvGrpSpPr>
+      <p:grpSpPr>
+        <a:xfrm>
+          <a:off x="0" y="0"/>
+          <a:ext cx="0" cy="0"/>
+          <a:chOff x="0" y="0"/>
+          <a:chExt cx="0" cy="0"/>
+        </a:xfrm>
+      </p:grpSpPr>
+      <p:sp>
+        <p:nvSpPr>
+          <p:cNvPr id="48133" name="Rectangle 2"/>
+          <p:cNvSpPr>
+            <a:spLocks noGrp="1" noRot="1" noChangeAspect="1" noChangeArrowheads="1" noTextEdit="1"/>
+          </p:cNvSpPr>
+          <p:nvPr>
+            <p:ph type="sldImg"/>
+          </p:nvPr>
+        </p:nvSpPr>
+        <p:spPr>
+          <a:ln/>
+        </p:spPr>
+      </p:sp>
+      <p:sp>
+        <p:nvSpPr>
+          <p:cNvPr id="48134" name="Rectangle 3"/>
+          <p:cNvSpPr>
+            <a:spLocks noGrp="1" noChangeArrowheads="1"/>
+          </p:cNvSpPr>
+          <p:nvPr>
+            <p:ph type="body" idx="1"/>
+          </p:nvPr>
+        </p:nvSpPr>
+        <p:spPr>
+          <a:noFill/>
+          <a:ln/>
+        </p:spPr>
+        <p:txBody>
+          <a:bodyPr/>
+          <a:lstStyle/>
+          <a:p>
+            <a:pPr eaLnBrk="1" hangingPunct="1"/>
+            <a:r>
+              <a:rPr lang="en-GB" dirty="0" smtClean="0"/>
+              <a:t>The “don’t repeat yourself” (DRY) principle is the idea that every concept, business rule and validation should be expressed in one place and one place only.  The term was originally coined by Dave Thomas and Andy Hunt in their book, the Pragmatic Programmer (2001), and has been widely quoted since then as sound advice.</a:t>
+            </a:r>
+          </a:p>
+          <a:p>
+            <a:pPr eaLnBrk="1" hangingPunct="1"/>
+            <a:endParaRPr lang="en-US" dirty="0" smtClean="0"/>
+          </a:p>
+          <a:p>
+            <a:pPr eaLnBrk="1" hangingPunct="1"/>
+            <a:r>
+              <a:rPr lang="en-US" dirty="0" smtClean="0"/>
+              <a:t>Object/relational mappers such as Hibernate are a good example of the DRY principle; rather than writing lots of boilerplate JDBC to insert, update and delete objects into the database, we instead defining a mapping and let the ORM do the heavy lifting for you.</a:t>
+            </a:r>
+          </a:p>
+          <a:p>
+            <a:pPr eaLnBrk="1" hangingPunct="1"/>
+            <a:endParaRPr lang="en-US" dirty="0"/>
+          </a:p>
+          <a:p>
+            <a:pPr eaLnBrk="1" hangingPunct="1"/>
+            <a:r>
+              <a:rPr lang="en-US" dirty="0" smtClean="0"/>
+              <a:t>The naked objects pattern is another example of DRY, but this time applied to the presentation layer rather than the persistence layer.  So, object instances are automatically exposed as icons, while the object can be opened up into forms showing the object’s state (properties and collections).  Furthermore all other public the object’s methods (we call them actions) are rendered as menu items or links. </a:t>
+            </a:r>
+          </a:p>
+          <a:p>
+            <a:pPr eaLnBrk="1" hangingPunct="1"/>
+            <a:endParaRPr lang="en-US" dirty="0" smtClean="0"/>
+          </a:p>
+          <a:p>
+            <a:pPr eaLnBrk="1" hangingPunct="1"/>
+            <a:r>
+              <a:rPr lang="en-US" dirty="0" smtClean="0"/>
+              <a:t>It’s worth contrasting this with other tools that can generate CRUD applications.  First, the UI is generated at runtime, not compile-time (there’s no “generate scaffolding” command to run).  Second, exposing object actions means this is more than just simple CRUD style applications.  Third, with Apache Isis we always starts with the domain layer.  Some other tools start with either a database schema (</a:t>
+            </a:r>
+            <a:r>
+              <a:rPr lang="en-US" dirty="0" err="1" smtClean="0"/>
+              <a:t>ie</a:t>
+            </a:r>
+            <a:r>
+              <a:rPr lang="en-US" dirty="0" smtClean="0"/>
+              <a:t> reverse engineering a data model), or start with the presentation layer (where the domain model can end up as a 2</a:t>
+            </a:r>
+            <a:r>
+              <a:rPr lang="en-US" baseline="30000" dirty="0" smtClean="0"/>
+              <a:t>nd</a:t>
+            </a:r>
+            <a:r>
+              <a:rPr lang="en-US" dirty="0" smtClean="0"/>
+              <a:t> class citizen as the domain expert gets distracted by UI concerns).</a:t>
+            </a:r>
+          </a:p>
+          <a:p>
+            <a:pPr eaLnBrk="1" hangingPunct="1"/>
+            <a:endParaRPr lang="en-US" dirty="0"/>
+          </a:p>
+          <a:p>
+            <a:pPr defTabSz="990478">
+              <a:defRPr/>
+            </a:pPr>
+            <a:endParaRPr lang="en-US" dirty="0"/>
+          </a:p>
+          <a:p>
+            <a:pPr defTabSz="990478">
+              <a:defRPr/>
+            </a:pPr>
+            <a:endParaRPr lang="en-US" dirty="0" smtClean="0"/>
+          </a:p>
+          <a:p>
+            <a:pPr eaLnBrk="1" hangingPunct="1"/>
+            <a:endParaRPr lang="en-US" dirty="0" smtClean="0"/>
+          </a:p>
+          <a:p>
+            <a:pPr eaLnBrk="1" hangingPunct="1"/>
+            <a:endParaRPr lang="en-US" dirty="0" smtClean="0"/>
+          </a:p>
+          <a:p>
+            <a:pPr lvl="2" eaLnBrk="1" hangingPunct="1"/>
+            <a:endParaRPr lang="en-GB" dirty="0" smtClean="0"/>
+          </a:p>
+        </p:txBody>
+      </p:sp>
+    </p:spTree>
+  </p:cSld>
+  <p:clrMapOvr>
+    <a:masterClrMapping/>
+  </p:clrMapOvr>
+</p:notes>
+</file>
+
+<file path=ppt/notesSlides/notesSlide12.xml><?xml version="1.0" encoding="utf-8"?>
+<p:notes xmlns:a="http://schemas.openxmlformats.org/drawingml/2006/main" xmlns:r="http://schemas.openxmlformats.org/officeDocument/2006/relationships" xmlns:p="http://schemas.openxmlformats.org/presentationml/2006/main">
+  <p:cSld>
+    <p:spTree>
+      <p:nvGrpSpPr>
+        <p:cNvPr id="1" name=""/>
+        <p:cNvGrpSpPr/>
+        <p:nvPr/>
+      </p:nvGrpSpPr>
+      <p:grpSpPr>
+        <a:xfrm>
+          <a:off x="0" y="0"/>
+          <a:ext cx="0" cy="0"/>
+          <a:chOff x="0" y="0"/>
+          <a:chExt cx="0" cy="0"/>
+        </a:xfrm>
+      </p:grpSpPr>
+      <p:sp>
+        <p:nvSpPr>
           <p:cNvPr id="7" name="Rectangle 7"/>
           <p:cNvSpPr>
             <a:spLocks noGrp="1" noChangeArrowheads="1"/>
@@ -14792,7 +15200,7 @@
             <a:fld id="{29A8212D-A7D5-4281-BB2F-22D986DF3916}" type="slidenum">
               <a:rPr lang="en-GB"/>
               <a:pPr/>
-              <a:t>10</a:t>
+              <a:t>12</a:t>
             </a:fld>
             <a:endParaRPr lang="en-GB"/>
           </a:p>
@@ -14961,7 +15369,7 @@
 </p:notes>
 </file>
 
-<file path=ppt/notesSlides/notesSlide11.xml><?xml version="1.0" encoding="utf-8"?>
+<file path=ppt/notesSlides/notesSlide13.xml><?xml version="1.0" encoding="utf-8"?>
 <p:notes xmlns:a="http://schemas.openxmlformats.org/drawingml/2006/main" xmlns:r="http://schemas.openxmlformats.org/officeDocument/2006/relationships" xmlns:p="http://schemas.openxmlformats.org/presentationml/2006/main">
   <p:cSld>
     <p:spTree>
@@ -14998,7 +15406,7 @@
             <a:fld id="{DEC8B8EB-3C55-44EE-BE20-557C9CDD803F}" type="slidenum">
               <a:rPr lang="en-GB"/>
               <a:pPr/>
-              <a:t>11</a:t>
+              <a:t>13</a:t>
             </a:fld>
             <a:endParaRPr lang="en-GB"/>
           </a:p>
@@ -15174,7 +15582,7 @@
 </p:notes>
 </file>
 
-<file path=ppt/notesSlides/notesSlide12.xml><?xml version="1.0" encoding="utf-8"?>
+<file path=ppt/notesSlides/notesSlide14.xml><?xml version="1.0" encoding="utf-8"?>
 <p:notes xmlns:a="http://schemas.openxmlformats.org/drawingml/2006/main" xmlns:r="http://schemas.openxmlformats.org/officeDocument/2006/relationships" xmlns:p="http://schemas.openxmlformats.org/presentationml/2006/main">
   <p:cSld>
     <p:spTree>
@@ -15447,13 +15855,150 @@
               <a:pPr>
                 <a:defRPr/>
               </a:pPr>
-              <a:t>12</a:t>
+              <a:t>14</a:t>
             </a:fld>
             <a:endParaRPr lang="en-GB"/>
           </a:p>
         </p:txBody>
       </p:sp>
     </p:spTree>
+  </p:cSld>
+  <p:clrMapOvr>
+    <a:masterClrMapping/>
+  </p:clrMapOvr>
+</p:notes>
+</file>
+
+<file path=ppt/notesSlides/notesSlide15.xml><?xml version="1.0" encoding="utf-8"?>
+<p:notes xmlns:a="http://schemas.openxmlformats.org/drawingml/2006/main" xmlns:r="http://schemas.openxmlformats.org/officeDocument/2006/relationships" xmlns:p="http://schemas.openxmlformats.org/presentationml/2006/main">
+  <p:cSld>
+    <p:spTree>
+      <p:nvGrpSpPr>
+        <p:cNvPr id="1" name=""/>
+        <p:cNvGrpSpPr/>
+        <p:nvPr/>
+      </p:nvGrpSpPr>
+      <p:grpSpPr>
+        <a:xfrm>
+          <a:off x="0" y="0"/>
+          <a:ext cx="0" cy="0"/>
+          <a:chOff x="0" y="0"/>
+          <a:chExt cx="0" cy="0"/>
+        </a:xfrm>
+      </p:grpSpPr>
+      <p:sp>
+        <p:nvSpPr>
+          <p:cNvPr id="2" name="Slide Image Placeholder 1"/>
+          <p:cNvSpPr>
+            <a:spLocks noGrp="1" noRot="1" noChangeAspect="1"/>
+          </p:cNvSpPr>
+          <p:nvPr>
+            <p:ph type="sldImg"/>
+          </p:nvPr>
+        </p:nvSpPr>
+        <p:spPr>
+          <a:xfrm>
+            <a:off x="992188" y="604838"/>
+            <a:ext cx="5114925" cy="3836987"/>
+          </a:xfrm>
+        </p:spPr>
+      </p:sp>
+      <p:sp>
+        <p:nvSpPr>
+          <p:cNvPr id="3" name="Notes Placeholder 2"/>
+          <p:cNvSpPr>
+            <a:spLocks noGrp="1"/>
+          </p:cNvSpPr>
+          <p:nvPr>
+            <p:ph type="body" idx="1"/>
+          </p:nvPr>
+        </p:nvSpPr>
+        <p:spPr/>
+        <p:txBody>
+          <a:bodyPr/>
+          <a:lstStyle/>
+          <a:p>
+            <a:r>
+              <a:rPr lang="en-GB" dirty="0" smtClean="0"/>
+              <a:t>Closing slide, with some </a:t>
+            </a:r>
+            <a:r>
+              <a:rPr lang="en-GB" dirty="0" smtClean="0"/>
+              <a:t>additional resources on Naked Objects for </a:t>
+            </a:r>
+            <a:r>
+              <a:rPr lang="en-GB" dirty="0" smtClean="0"/>
+              <a:t>those interested.</a:t>
+            </a:r>
+          </a:p>
+          <a:p>
+            <a:endParaRPr lang="en-GB" dirty="0"/>
+          </a:p>
+          <a:p>
+            <a:r>
+              <a:rPr lang="en-GB" baseline="0" dirty="0" smtClean="0"/>
+              <a:t>Useful </a:t>
+            </a:r>
+            <a:r>
+              <a:rPr lang="en-GB" baseline="0" dirty="0" smtClean="0"/>
+              <a:t>background reading is Richard </a:t>
+            </a:r>
+            <a:r>
+              <a:rPr lang="en-GB" baseline="0" dirty="0" err="1" smtClean="0"/>
+              <a:t>Pawson’s</a:t>
+            </a:r>
+            <a:r>
+              <a:rPr lang="en-GB" baseline="0" dirty="0" smtClean="0"/>
+              <a:t> original thesis on Naked Objects.  There’s also Dan Haywood’s book, Domain Driven Design using Naked Objects.  This relates to the Naked Objects framework circa 2009, but applies more-or-less unchanged to Apache Isis (the main difference is that the </a:t>
+            </a:r>
+            <a:r>
+              <a:rPr lang="en-GB" baseline="0" dirty="0" err="1" smtClean="0"/>
+              <a:t>applib</a:t>
+            </a:r>
+            <a:r>
+              <a:rPr lang="en-GB" baseline="0" dirty="0" smtClean="0"/>
+              <a:t> package names have changed).</a:t>
+            </a:r>
+          </a:p>
+          <a:p>
+            <a:endParaRPr lang="en-GB" baseline="0" dirty="0" smtClean="0"/>
+          </a:p>
+          <a:p>
+            <a:r>
+              <a:rPr lang="en-GB" baseline="0" dirty="0" smtClean="0"/>
+              <a:t>For those who work on the .NET platform, the Naked Objects for </a:t>
+            </a:r>
+            <a:r>
+              <a:rPr lang="en-GB" baseline="0" dirty="0" smtClean="0"/>
+              <a:t>MVC platform </a:t>
+            </a:r>
+            <a:r>
+              <a:rPr lang="en-GB" baseline="0" dirty="0" smtClean="0"/>
+              <a:t>may be of interest.  </a:t>
+            </a:r>
+            <a:r>
+              <a:rPr lang="en-GB" baseline="0" dirty="0" smtClean="0"/>
+              <a:t>This also implements the Restful Objects spec.</a:t>
+            </a:r>
+            <a:endParaRPr lang="en-GB" dirty="0" smtClean="0"/>
+          </a:p>
+          <a:p>
+            <a:endParaRPr lang="en-GB" dirty="0" smtClean="0"/>
+          </a:p>
+          <a:p>
+            <a:endParaRPr lang="en-GB" dirty="0"/>
+          </a:p>
+          <a:p>
+            <a:endParaRPr lang="en-GB" dirty="0"/>
+          </a:p>
+        </p:txBody>
+      </p:sp>
+    </p:spTree>
+    <p:extLst>
+      <p:ext uri="{BB962C8B-B14F-4D97-AF65-F5344CB8AC3E}">
+        <p14:creationId xmlns:p14="http://schemas.microsoft.com/office/powerpoint/2010/main" val="2854890851"/>
+      </p:ext>
+    </p:extLst>
   </p:cSld>
   <p:clrMapOvr>
     <a:masterClrMapping/>
@@ -15511,12 +16056,8 @@
           <a:lstStyle/>
           <a:p>
             <a:r>
-              <a:rPr lang="en-US" dirty="0" smtClean="0"/>
-              <a:t>Apache Isis is</a:t>
-            </a:r>
-            <a:r>
               <a:rPr lang="en-US" baseline="0" dirty="0" smtClean="0"/>
-              <a:t> a framework to support domain-driven design.  Eric Evans, the author of the DDD book, introduces the idea of “ubiquitous language” as one of the two core patterns of domain-driven design.  The idea of a ubiquitous language is for the team (and by this we mean both the business-oriented domain experts as well as the techies) to communicate ideas only in terms of the core domain objects. They should be talking about customers, orders, products; they shouldn’t be talking about screens, persistence, </a:t>
+              <a:t>Eric Evans, the author of the DDD book, introduces the idea of “ubiquitous language” as one of the two core patterns of domain-driven design.  The idea of a ubiquitous language is for the team (and by this we mean both the business-oriented domain experts as well as the techies) to communicate ideas only in terms of the core domain objects. They should be talking about customers, orders, products; they shouldn’t be talking about screens, persistence, </a:t>
             </a:r>
             <a:r>
               <a:rPr lang="en-US" baseline="0" dirty="0" err="1" smtClean="0"/>
@@ -15577,16 +16118,6 @@
               <a:rPr lang="en-US" dirty="0" smtClean="0"/>
               <a:t> are articulated.</a:t>
             </a:r>
-          </a:p>
-          <a:p>
-            <a:endParaRPr lang="en-US" baseline="0" dirty="0" smtClean="0"/>
-          </a:p>
-          <a:p>
-            <a:r>
-              <a:rPr lang="en-US" dirty="0" smtClean="0"/>
-              <a:t>The other core pattern of DDD is “model-driven design”; if anyone asks we pick up on this topic later on in the presentation.</a:t>
-            </a:r>
-            <a:endParaRPr lang="en-US" baseline="0" dirty="0" smtClean="0"/>
           </a:p>
           <a:p>
             <a:endParaRPr lang="en-US" baseline="0" dirty="0" smtClean="0"/>
@@ -15620,153 +16151,134 @@
       </p:grpSpPr>
       <p:sp>
         <p:nvSpPr>
-          <p:cNvPr id="38917" name="Rectangle 2"/>
+          <p:cNvPr id="2" name="Slide Image Placeholder 1"/>
           <p:cNvSpPr>
-            <a:spLocks noGrp="1" noRot="1" noChangeAspect="1" noChangeArrowheads="1" noTextEdit="1"/>
+            <a:spLocks noGrp="1" noRot="1" noChangeAspect="1"/>
           </p:cNvSpPr>
           <p:nvPr>
             <p:ph type="sldImg"/>
           </p:nvPr>
         </p:nvSpPr>
-        <p:spPr>
-          <a:ln/>
-        </p:spPr>
+        <p:spPr/>
       </p:sp>
       <p:sp>
         <p:nvSpPr>
-          <p:cNvPr id="38918" name="Rectangle 3"/>
+          <p:cNvPr id="3" name="Notes Placeholder 2"/>
           <p:cNvSpPr>
-            <a:spLocks noGrp="1" noChangeArrowheads="1"/>
+            <a:spLocks noGrp="1"/>
           </p:cNvSpPr>
           <p:nvPr>
             <p:ph type="body" idx="1"/>
           </p:nvPr>
         </p:nvSpPr>
-        <p:spPr>
-          <a:noFill/>
-          <a:ln/>
-        </p:spPr>
+        <p:spPr/>
         <p:txBody>
           <a:bodyPr/>
           <a:lstStyle/>
           <a:p>
-            <a:pPr eaLnBrk="1" hangingPunct="1"/>
-            <a:r>
-              <a:rPr lang="en-US" dirty="0" smtClean="0"/>
-              <a:t>Apache Isis supports domain-driven design by implementing the naked objects pattern.</a:t>
-            </a:r>
-          </a:p>
-          <a:p>
-            <a:pPr eaLnBrk="1" hangingPunct="1"/>
-            <a:endParaRPr lang="en-US" dirty="0" smtClean="0"/>
-          </a:p>
-          <a:p>
-            <a:pPr eaLnBrk="1" hangingPunct="1"/>
-            <a:r>
-              <a:rPr lang="en-US" dirty="0" smtClean="0"/>
-              <a:t>“Naked Objects” as a term has several definitions.  First, it is an architectural pattern for a system whereby the presentation layer is an automatically generated object-oriented UI, constructed at runtime from the domain model.  This isn’t compile-time code generation scaffolding, it’s building a </a:t>
-            </a:r>
-            <a:r>
-              <a:rPr lang="en-US" dirty="0" err="1" smtClean="0"/>
-              <a:t>metamodel</a:t>
-            </a:r>
-            <a:r>
-              <a:rPr lang="en-US" dirty="0" smtClean="0"/>
-              <a:t> on-the-fly at runtime.  As an pattern, it also fits in well with the hexagonal architecture (discussed shortly).</a:t>
-            </a:r>
-          </a:p>
-          <a:p>
-            <a:pPr eaLnBrk="1" hangingPunct="1"/>
-            <a:endParaRPr lang="en-US" dirty="0"/>
-          </a:p>
-          <a:p>
-            <a:pPr eaLnBrk="1" hangingPunct="1"/>
-            <a:r>
-              <a:rPr lang="en-US" dirty="0" smtClean="0"/>
-              <a:t>Perhaps more fundamentally, the principle of naked objects is object-orientation as “your mother taught you”, applied to enterprise business applications.  So we’re not talking about objects as </a:t>
-            </a:r>
-            <a:r>
-              <a:rPr lang="en-US" dirty="0" err="1" smtClean="0"/>
-              <a:t>anaemic</a:t>
-            </a:r>
-            <a:r>
-              <a:rPr lang="en-US" dirty="0" smtClean="0"/>
-              <a:t> data holders that are manipulated by service layers; these are proper objects with “know-</a:t>
-            </a:r>
-            <a:r>
-              <a:rPr lang="en-US" dirty="0" err="1" smtClean="0"/>
-              <a:t>whats</a:t>
-            </a:r>
-            <a:r>
-              <a:rPr lang="en-US" dirty="0" smtClean="0"/>
-              <a:t>” (encapsulated state) and “know-how-</a:t>
-            </a:r>
-            <a:r>
-              <a:rPr lang="en-US" dirty="0" err="1" smtClean="0"/>
-              <a:t>tos</a:t>
-            </a:r>
-            <a:r>
-              <a:rPr lang="en-US" dirty="0" smtClean="0"/>
-              <a:t>” (encapsulated </a:t>
-            </a:r>
-            <a:r>
-              <a:rPr lang="en-US" dirty="0" err="1" smtClean="0"/>
-              <a:t>behaviour</a:t>
-            </a:r>
-            <a:r>
-              <a:rPr lang="en-US" dirty="0" smtClean="0"/>
-              <a:t>).</a:t>
-            </a:r>
-          </a:p>
-          <a:p>
-            <a:pPr eaLnBrk="1" hangingPunct="1"/>
-            <a:endParaRPr lang="en-US" dirty="0"/>
-          </a:p>
-          <a:p>
-            <a:pPr eaLnBrk="1" hangingPunct="1"/>
-            <a:r>
-              <a:rPr lang="en-US" dirty="0" smtClean="0"/>
-              <a:t>Another theme to naked objects is that the UI should allow the user to perform their job in the way that they want, without forcing them to follow narrowly defined paths.  This is especially useful for expert users who have a deep knowledge of the domain (something often true for end-users within an enterprise).  The domain objects take responsibility for ensuring they are never placed into an invalid state, and provide </a:t>
-            </a:r>
-            <a:r>
-              <a:rPr lang="en-US" dirty="0" err="1" smtClean="0"/>
-              <a:t>behaviours</a:t>
-            </a:r>
-            <a:r>
-              <a:rPr lang="en-US" dirty="0" smtClean="0"/>
-              <a:t> for the user to manipulate them, but say nothing about the order in which they are manipulated.  We usually describe this as naked objects systems being written for the “problem solver, not process follower”.  (Note that the above doesn’t preclude the UI being customized to provide additional support for non-expert users).</a:t>
-            </a:r>
-          </a:p>
-          <a:p>
-            <a:pPr eaLnBrk="1" hangingPunct="1"/>
-            <a:endParaRPr lang="en-US" dirty="0" smtClean="0"/>
-          </a:p>
-          <a:p>
-            <a:r>
-              <a:rPr lang="en-US" dirty="0" smtClean="0"/>
-              <a:t>As we’ll learn about in the following slides, it’s the rapid application development of naked </a:t>
-            </a:r>
-            <a:r>
-              <a:rPr lang="en-US" dirty="0"/>
-              <a:t>objects applications </a:t>
-            </a:r>
-            <a:r>
-              <a:rPr lang="en-US" dirty="0" smtClean="0"/>
-              <a:t>that </a:t>
-            </a:r>
-            <a:r>
-              <a:rPr lang="en-US" dirty="0"/>
-              <a:t>makes it a natural bedfellow for DDD: the team can quickly build up their ubiquitous language with the minimum of distractions</a:t>
-            </a:r>
-            <a:r>
-              <a:rPr lang="en-US" dirty="0" smtClean="0"/>
-              <a:t>.</a:t>
-            </a:r>
-            <a:endParaRPr lang="en-US" dirty="0"/>
+            <a:r>
+              <a:rPr lang="en-GB" dirty="0" smtClean="0"/>
+              <a:t>Apache Isis is a Java framework</a:t>
+            </a:r>
+            <a:r>
+              <a:rPr lang="en-GB" baseline="0" dirty="0" smtClean="0"/>
+              <a:t> that allows you to focus on building your domain.</a:t>
+            </a:r>
+          </a:p>
+          <a:p>
+            <a:endParaRPr lang="en-GB" dirty="0"/>
+          </a:p>
+          <a:p>
+            <a:r>
+              <a:rPr lang="en-GB" baseline="0" dirty="0" smtClean="0"/>
+              <a:t>It works by defining a set of </a:t>
+            </a:r>
+            <a:r>
+              <a:rPr lang="en-GB" baseline="0" dirty="0" err="1" smtClean="0"/>
+              <a:t>pojo</a:t>
+            </a:r>
+            <a:r>
+              <a:rPr lang="en-GB" baseline="0" dirty="0" smtClean="0"/>
+              <a:t>-based programming conventions from which it infers both the structure and the behaviour of your domain objects.  From this, Isis takes care of the other architectural concerns: persistence, security and also the user interface.</a:t>
+            </a:r>
+          </a:p>
+          <a:p>
+            <a:endParaRPr lang="en-GB" baseline="0" dirty="0" smtClean="0"/>
+          </a:p>
+          <a:p>
+            <a:r>
+              <a:rPr lang="en-GB" baseline="0" dirty="0" smtClean="0"/>
+              <a:t>Because you don’t have to write presentation or persistence layers, you spend most of your time focussing on the domain.  And b</a:t>
+            </a:r>
+            <a:r>
+              <a:rPr lang="en-GB" dirty="0" smtClean="0"/>
+              <a:t>y </a:t>
+            </a:r>
+            <a:r>
+              <a:rPr lang="en-GB" dirty="0"/>
+              <a:t>focussing just on the domain, you'll find that you start to develop your ubiquitous language, giving the entire team (business and technologists alike) a deep, shared understanding of the domain.</a:t>
+            </a:r>
+          </a:p>
+          <a:p>
+            <a:endParaRPr lang="en-GB" dirty="0"/>
+          </a:p>
+          <a:p>
+            <a:r>
+              <a:rPr lang="en-GB" baseline="0" dirty="0" smtClean="0"/>
+              <a:t>Since you are writing less code, that extra time spent on the domain is likely to</a:t>
+            </a:r>
+            <a:r>
+              <a:rPr lang="en-GB" dirty="0" smtClean="0"/>
+              <a:t> </a:t>
+            </a:r>
+            <a:r>
+              <a:rPr lang="en-GB" baseline="0" dirty="0" smtClean="0"/>
+              <a:t>lead to deeper insights into your domain.</a:t>
+            </a:r>
+          </a:p>
+          <a:p>
+            <a:endParaRPr lang="en-GB" dirty="0"/>
+          </a:p>
+          <a:p>
+            <a:r>
+              <a:rPr lang="en-GB" baseline="0" dirty="0" smtClean="0"/>
+              <a:t>More subtly, because you aren’t writing code for the other layers, you are forced to think things through (and not “bodge” or</a:t>
+            </a:r>
+            <a:r>
+              <a:rPr lang="en-GB" dirty="0" smtClean="0"/>
+              <a:t> “fudge” concepts</a:t>
+            </a:r>
+            <a:r>
+              <a:rPr lang="en-GB" baseline="0" dirty="0" smtClean="0"/>
+              <a:t> in other layers).</a:t>
+            </a:r>
+          </a:p>
+          <a:p>
+            <a:endParaRPr lang="en-GB" baseline="0" dirty="0" smtClean="0"/>
+          </a:p>
+          <a:p>
+            <a:r>
+              <a:rPr lang="en-GB" baseline="0" dirty="0" smtClean="0"/>
+              <a:t>While Isis has a set of programming conventions, these can be customized if need be.  You can also customize the other layers.</a:t>
+            </a:r>
+            <a:r>
+              <a:rPr lang="en-GB" dirty="0" smtClean="0"/>
+              <a:t>  In</a:t>
+            </a:r>
+            <a:r>
+              <a:rPr lang="en-GB" baseline="0" dirty="0" smtClean="0"/>
+              <a:t>deed, you can even choose to deploy your domain model on some other framework if you wish.</a:t>
+            </a:r>
+            <a:endParaRPr lang="en-GB" dirty="0"/>
           </a:p>
         </p:txBody>
       </p:sp>
     </p:spTree>
+    <p:extLst>
+      <p:ext uri="{BB962C8B-B14F-4D97-AF65-F5344CB8AC3E}">
+        <p14:creationId xmlns:p14="http://schemas.microsoft.com/office/powerpoint/2010/main" val="1376449805"/>
+      </p:ext>
+    </p:extLst>
   </p:cSld>
   <p:clrMapOvr>
     <a:masterClrMapping/>
@@ -15793,122 +16305,460 @@
       </p:grpSpPr>
       <p:sp>
         <p:nvSpPr>
-          <p:cNvPr id="48133" name="Rectangle 2"/>
+          <p:cNvPr id="2" name="Slide Image Placeholder 1"/>
           <p:cNvSpPr>
-            <a:spLocks noGrp="1" noRot="1" noChangeAspect="1" noChangeArrowheads="1" noTextEdit="1"/>
+            <a:spLocks noGrp="1" noRot="1" noChangeAspect="1"/>
           </p:cNvSpPr>
           <p:nvPr>
             <p:ph type="sldImg"/>
           </p:nvPr>
         </p:nvSpPr>
-        <p:spPr>
-          <a:ln/>
-        </p:spPr>
+        <p:spPr/>
       </p:sp>
       <p:sp>
         <p:nvSpPr>
-          <p:cNvPr id="48134" name="Rectangle 3"/>
+          <p:cNvPr id="3" name="Notes Placeholder 2"/>
           <p:cNvSpPr>
-            <a:spLocks noGrp="1" noChangeArrowheads="1"/>
+            <a:spLocks noGrp="1"/>
           </p:cNvSpPr>
           <p:nvPr>
             <p:ph type="body" idx="1"/>
           </p:nvPr>
         </p:nvSpPr>
-        <p:spPr>
-          <a:noFill/>
-          <a:ln/>
-        </p:spPr>
+        <p:spPr/>
         <p:txBody>
           <a:bodyPr/>
           <a:lstStyle/>
           <a:p>
-            <a:pPr eaLnBrk="1" hangingPunct="1"/>
-            <a:r>
-              <a:rPr lang="en-GB" dirty="0" smtClean="0"/>
-              <a:t>The “don’t repeat yourself” (DRY) principle is the idea that every concept, business rule and validation should be expressed in one place and one place only.  The term was originally coined by Dave Thomas and Andy Hunt in their book, the Pragmatic Programmer (2001), and has been widely quoted since then as sound advice.</a:t>
-            </a:r>
-          </a:p>
-          <a:p>
-            <a:pPr eaLnBrk="1" hangingPunct="1"/>
-            <a:endParaRPr lang="en-US" dirty="0" smtClean="0"/>
-          </a:p>
-          <a:p>
-            <a:pPr eaLnBrk="1" hangingPunct="1"/>
-            <a:r>
-              <a:rPr lang="en-US" dirty="0" smtClean="0"/>
-              <a:t>Object/relational mappers such as Hibernate are a good example of the DRY principle; rather than writing lots of boilerplate JDBC to insert, update and delete objects into the database, we instead defining a mapping and let the ORM do the heavy lifting for you.</a:t>
-            </a:r>
-          </a:p>
-          <a:p>
-            <a:pPr eaLnBrk="1" hangingPunct="1"/>
-            <a:endParaRPr lang="en-US" dirty="0"/>
-          </a:p>
-          <a:p>
-            <a:pPr eaLnBrk="1" hangingPunct="1"/>
-            <a:r>
-              <a:rPr lang="en-US" dirty="0" smtClean="0"/>
-              <a:t>The naked objects pattern is another example of DRY, but this time applied to the presentation layer rather than the persistence layer.  So, object instances are automatically exposed as icons, while the object can be opened up into forms showing the object’s state (properties and collections).  Furthermore all other public the object’s methods (we call them actions) are rendered as menu items or links. </a:t>
-            </a:r>
-          </a:p>
-          <a:p>
-            <a:pPr eaLnBrk="1" hangingPunct="1"/>
-            <a:endParaRPr lang="en-US" dirty="0" smtClean="0"/>
-          </a:p>
-          <a:p>
-            <a:pPr eaLnBrk="1" hangingPunct="1"/>
-            <a:r>
-              <a:rPr lang="en-US" dirty="0" smtClean="0"/>
-              <a:t>It’s worth contrasting this with other tools that can generate CRUD applications.  First, the UI is generated at runtime, not compile-time (there’s no “generate scaffolding” command to run).  Second, exposing object actions means this is more than just simple CRUD style applications.  Third, with Apache Isis we always starts with the domain layer.  Some other tools start with either a database schema (</a:t>
-            </a:r>
-            <a:r>
-              <a:rPr lang="en-US" dirty="0" err="1" smtClean="0"/>
-              <a:t>ie</a:t>
-            </a:r>
-            <a:r>
-              <a:rPr lang="en-US" dirty="0" smtClean="0"/>
-              <a:t> reverse engineering a data model), or start with the presentation layer (where the domain model can end up as a 2</a:t>
-            </a:r>
-            <a:r>
-              <a:rPr lang="en-US" baseline="30000" dirty="0" smtClean="0"/>
-              <a:t>nd</a:t>
-            </a:r>
-            <a:r>
-              <a:rPr lang="en-US" dirty="0" smtClean="0"/>
-              <a:t> class citizen as the domain expert gets distracted by UI concerns).</a:t>
-            </a:r>
-          </a:p>
-          <a:p>
-            <a:pPr eaLnBrk="1" hangingPunct="1"/>
-            <a:endParaRPr lang="en-US" dirty="0"/>
-          </a:p>
-          <a:p>
-            <a:pPr defTabSz="990478">
-              <a:defRPr/>
+            <a:r>
+              <a:rPr lang="en-GB" sz="1200" b="0" i="0" kern="1200" dirty="0" smtClean="0">
+                <a:solidFill>
+                  <a:schemeClr val="tx1"/>
+                </a:solidFill>
+                <a:effectLst/>
+                <a:latin typeface="+mn-lt"/>
+                <a:ea typeface="+mn-ea"/>
+                <a:cs typeface="+mn-cs"/>
+              </a:rPr>
+              <a:t>Isis is great for rapid prototyping, because all you need to write in order to get an application up-and-running is the domain model objects.</a:t>
+            </a:r>
+          </a:p>
+          <a:p>
+            <a:endParaRPr lang="en-GB" sz="1200" b="0" i="0" kern="1200" dirty="0" smtClean="0">
+              <a:solidFill>
+                <a:schemeClr val="tx1"/>
+              </a:solidFill>
+              <a:effectLst/>
+              <a:latin typeface="+mn-lt"/>
+              <a:ea typeface="+mn-ea"/>
+              <a:cs typeface="+mn-cs"/>
+            </a:endParaRPr>
+          </a:p>
+          <a:p>
+            <a:r>
+              <a:rPr lang="en-GB" sz="1200" b="0" i="0" kern="1200" dirty="0" smtClean="0">
+                <a:solidFill>
+                  <a:schemeClr val="tx1"/>
+                </a:solidFill>
+                <a:effectLst/>
+                <a:latin typeface="+mn-lt"/>
+                <a:ea typeface="+mn-ea"/>
+                <a:cs typeface="+mn-cs"/>
+              </a:rPr>
+              <a:t>Once you've sketched out your domain model, you can then either start-over using your preferred framework, or you might choose to take the domain model forward into more formal specification</a:t>
+            </a:r>
+            <a:r>
+              <a:rPr lang="en-GB" sz="1200" b="0" i="0" kern="1200" baseline="0" dirty="0" smtClean="0">
+                <a:solidFill>
+                  <a:schemeClr val="tx1"/>
+                </a:solidFill>
+                <a:effectLst/>
+                <a:latin typeface="+mn-lt"/>
+                <a:ea typeface="+mn-ea"/>
+                <a:cs typeface="+mn-cs"/>
+              </a:rPr>
+              <a:t> and testing. </a:t>
+            </a:r>
+            <a:r>
+              <a:rPr lang="en-GB" sz="1200" b="0" i="0" kern="1200" dirty="0" smtClean="0">
+                <a:solidFill>
+                  <a:schemeClr val="tx1"/>
+                </a:solidFill>
+                <a:effectLst/>
+                <a:latin typeface="+mn-lt"/>
+                <a:ea typeface="+mn-ea"/>
+                <a:cs typeface="+mn-cs"/>
+              </a:rPr>
+              <a:t>Isis integrates with two testing frameworks to help you: (a) </a:t>
+            </a:r>
+            <a:r>
+              <a:rPr lang="en-GB" sz="1200" b="0" i="0" kern="1200" baseline="0" dirty="0" smtClean="0">
+                <a:solidFill>
+                  <a:schemeClr val="tx1"/>
+                </a:solidFill>
+                <a:effectLst/>
+                <a:latin typeface="+mn-lt"/>
+                <a:ea typeface="+mn-ea"/>
+                <a:cs typeface="+mn-cs"/>
+              </a:rPr>
+              <a:t>Isis’ </a:t>
+            </a:r>
+            <a:r>
+              <a:rPr lang="en-GB" sz="1200" b="0" i="0" kern="1200" baseline="0" dirty="0" err="1" smtClean="0">
+                <a:solidFill>
+                  <a:schemeClr val="tx1"/>
+                </a:solidFill>
+                <a:effectLst/>
+                <a:latin typeface="+mn-lt"/>
+                <a:ea typeface="+mn-ea"/>
+                <a:cs typeface="+mn-cs"/>
+              </a:rPr>
+              <a:t>Junit</a:t>
+            </a:r>
+            <a:r>
+              <a:rPr lang="en-GB" sz="1200" b="0" i="0" kern="1200" baseline="0" dirty="0" smtClean="0">
+                <a:solidFill>
+                  <a:schemeClr val="tx1"/>
+                </a:solidFill>
+                <a:effectLst/>
+                <a:latin typeface="+mn-lt"/>
+                <a:ea typeface="+mn-ea"/>
+                <a:cs typeface="+mn-cs"/>
+              </a:rPr>
+              <a:t> integration provides the ability to wrap domain objects with proxies that simulate the interactions from the UI to the domain; (b) Isis’ integration with </a:t>
+            </a:r>
+            <a:r>
+              <a:rPr lang="en-GB" sz="1200" b="0" i="0" kern="1200" baseline="0" dirty="0" err="1" smtClean="0">
+                <a:solidFill>
+                  <a:schemeClr val="tx1"/>
+                </a:solidFill>
+                <a:effectLst/>
+                <a:latin typeface="+mn-lt"/>
+                <a:ea typeface="+mn-ea"/>
+                <a:cs typeface="+mn-cs"/>
+              </a:rPr>
+              <a:t>Concordion</a:t>
+            </a:r>
+            <a:r>
+              <a:rPr lang="en-GB" sz="1200" b="0" i="0" kern="1200" dirty="0" smtClean="0">
+                <a:solidFill>
+                  <a:schemeClr val="tx1"/>
+                </a:solidFill>
+                <a:effectLst/>
+                <a:latin typeface="+mn-lt"/>
+                <a:ea typeface="+mn-ea"/>
+                <a:cs typeface="+mn-cs"/>
+              </a:rPr>
+              <a:t> </a:t>
+            </a:r>
+            <a:r>
+              <a:rPr lang="en-GB" sz="1200" b="0" i="0" kern="1200" baseline="0" dirty="0" smtClean="0">
+                <a:solidFill>
+                  <a:schemeClr val="tx1"/>
+                </a:solidFill>
+                <a:effectLst/>
+                <a:latin typeface="+mn-lt"/>
+                <a:ea typeface="+mn-ea"/>
+                <a:cs typeface="+mn-cs"/>
+              </a:rPr>
+              <a:t>allows the analysts on your team to specify behaviour using XHTML.  These specifications</a:t>
+            </a:r>
+            <a:r>
+              <a:rPr lang="en-GB" sz="1200" b="0" i="0" kern="1200" dirty="0" smtClean="0">
+                <a:solidFill>
+                  <a:schemeClr val="tx1"/>
+                </a:solidFill>
+                <a:effectLst/>
+                <a:latin typeface="+mn-lt"/>
+                <a:ea typeface="+mn-ea"/>
+                <a:cs typeface="+mn-cs"/>
+              </a:rPr>
+              <a:t> </a:t>
+            </a:r>
+            <a:r>
+              <a:rPr lang="en-GB" sz="1200" b="0" i="0" kern="1200" baseline="0" dirty="0" smtClean="0">
+                <a:solidFill>
+                  <a:schemeClr val="tx1"/>
+                </a:solidFill>
+                <a:effectLst/>
+                <a:latin typeface="+mn-lt"/>
+                <a:ea typeface="+mn-ea"/>
+                <a:cs typeface="+mn-cs"/>
+              </a:rPr>
+              <a:t>are then automatic wired through to your domain objects.</a:t>
+            </a:r>
+          </a:p>
+          <a:p>
+            <a:endParaRPr lang="en-GB" sz="1200" b="0" i="0" kern="1200" dirty="0" smtClean="0">
+              <a:solidFill>
+                <a:schemeClr val="tx1"/>
+              </a:solidFill>
+              <a:effectLst/>
+              <a:latin typeface="+mn-lt"/>
+              <a:ea typeface="+mn-ea"/>
+              <a:cs typeface="+mn-cs"/>
+            </a:endParaRPr>
+          </a:p>
+          <a:p>
+            <a:pPr marL="0" indent="0">
+              <a:buFont typeface="Arial" pitchFamily="34" charset="0"/>
+              <a:buNone/>
             </a:pPr>
-            <a:endParaRPr lang="en-US" dirty="0"/>
-          </a:p>
-          <a:p>
-            <a:pPr defTabSz="990478">
-              <a:defRPr/>
+            <a:r>
+              <a:rPr lang="en-GB" sz="1200" b="0" i="0" kern="1200" dirty="0" smtClean="0">
+                <a:solidFill>
+                  <a:schemeClr val="tx1"/>
+                </a:solidFill>
+                <a:effectLst/>
+                <a:latin typeface="+mn-lt"/>
+                <a:ea typeface="+mn-ea"/>
+                <a:cs typeface="+mn-cs"/>
+              </a:rPr>
+              <a:t>Because the programming model has minimal dependencies on the rest of the framework, you can take your domain object prototyped and/or tested using Isis, and deploy on some other framework's runtime.  Apart from annotations, the dependencies are distilled down to a single interface, </a:t>
+            </a:r>
+            <a:r>
+              <a:rPr lang="en-GB" sz="1200" b="0" i="0" kern="1200" dirty="0" err="1" smtClean="0">
+                <a:solidFill>
+                  <a:schemeClr val="tx1"/>
+                </a:solidFill>
+                <a:effectLst/>
+                <a:latin typeface="+mn-lt"/>
+                <a:ea typeface="+mn-ea"/>
+                <a:cs typeface="+mn-cs"/>
+              </a:rPr>
+              <a:t>DomainObjectContainer</a:t>
+            </a:r>
+            <a:r>
+              <a:rPr lang="en-GB" sz="1200" b="0" i="0" kern="1200" baseline="0" dirty="0" smtClean="0">
+                <a:solidFill>
+                  <a:schemeClr val="tx1"/>
+                </a:solidFill>
+                <a:effectLst/>
+                <a:latin typeface="+mn-lt"/>
+                <a:ea typeface="+mn-ea"/>
+                <a:cs typeface="+mn-cs"/>
+              </a:rPr>
+              <a:t> which you should implement as appropriate.</a:t>
+            </a:r>
+          </a:p>
+          <a:p>
+            <a:pPr marL="0" indent="0">
+              <a:buFont typeface="Arial" pitchFamily="34" charset="0"/>
+              <a:buNone/>
             </a:pPr>
-            <a:endParaRPr lang="en-US" dirty="0" smtClean="0"/>
-          </a:p>
-          <a:p>
-            <a:pPr eaLnBrk="1" hangingPunct="1"/>
-            <a:endParaRPr lang="en-US" dirty="0" smtClean="0"/>
-          </a:p>
-          <a:p>
-            <a:pPr eaLnBrk="1" hangingPunct="1"/>
-            <a:endParaRPr lang="en-US" dirty="0" smtClean="0"/>
-          </a:p>
-          <a:p>
-            <a:pPr lvl="2" eaLnBrk="1" hangingPunct="1"/>
-            <a:endParaRPr lang="en-GB" dirty="0" smtClean="0"/>
+            <a:endParaRPr lang="en-GB" sz="1200" b="0" i="0" kern="1200" baseline="0" dirty="0" smtClean="0">
+              <a:solidFill>
+                <a:schemeClr val="tx1"/>
+              </a:solidFill>
+              <a:effectLst/>
+              <a:latin typeface="+mn-lt"/>
+              <a:ea typeface="+mn-ea"/>
+              <a:cs typeface="+mn-cs"/>
+            </a:endParaRPr>
+          </a:p>
+          <a:p>
+            <a:pPr marL="0" indent="0">
+              <a:buFont typeface="Arial" pitchFamily="34" charset="0"/>
+              <a:buNone/>
+            </a:pPr>
+            <a:r>
+              <a:rPr lang="en-GB" sz="1200" b="0" i="0" kern="1200" baseline="0" dirty="0" smtClean="0">
+                <a:solidFill>
+                  <a:schemeClr val="tx1"/>
+                </a:solidFill>
+                <a:effectLst/>
+                <a:latin typeface="+mn-lt"/>
+                <a:ea typeface="+mn-ea"/>
+                <a:cs typeface="+mn-cs"/>
+              </a:rPr>
+              <a:t>Alternatively, you can deploy your application on Isis.  One option is to deploy your domain model as a </a:t>
+            </a:r>
+            <a:r>
+              <a:rPr lang="en-GB" sz="1200" b="0" i="0" kern="1200" baseline="0" dirty="0" err="1" smtClean="0">
+                <a:solidFill>
+                  <a:schemeClr val="tx1"/>
+                </a:solidFill>
+                <a:effectLst/>
+                <a:latin typeface="+mn-lt"/>
+                <a:ea typeface="+mn-ea"/>
+                <a:cs typeface="+mn-cs"/>
+              </a:rPr>
+              <a:t>webservice</a:t>
+            </a:r>
+            <a:r>
+              <a:rPr lang="en-GB" sz="1200" b="0" i="0" kern="1200" baseline="0" dirty="0" smtClean="0">
+                <a:solidFill>
+                  <a:schemeClr val="tx1"/>
+                </a:solidFill>
+                <a:effectLst/>
+                <a:latin typeface="+mn-lt"/>
+                <a:ea typeface="+mn-ea"/>
+                <a:cs typeface="+mn-cs"/>
+              </a:rPr>
+              <a:t> using the json viewer, which provides a generic </a:t>
+            </a:r>
+            <a:r>
+              <a:rPr lang="en-GB" sz="1200" b="0" i="0" kern="1200" baseline="0" dirty="0" err="1" smtClean="0">
+                <a:solidFill>
+                  <a:schemeClr val="tx1"/>
+                </a:solidFill>
+                <a:effectLst/>
+                <a:latin typeface="+mn-lt"/>
+                <a:ea typeface="+mn-ea"/>
+                <a:cs typeface="+mn-cs"/>
+              </a:rPr>
+              <a:t>RESTful</a:t>
+            </a:r>
+            <a:r>
+              <a:rPr lang="en-GB" sz="1200" b="0" i="0" kern="1200" baseline="0" dirty="0" smtClean="0">
+                <a:solidFill>
+                  <a:schemeClr val="tx1"/>
+                </a:solidFill>
+                <a:effectLst/>
+                <a:latin typeface="+mn-lt"/>
+                <a:ea typeface="+mn-ea"/>
+                <a:cs typeface="+mn-cs"/>
+              </a:rPr>
+              <a:t> API to your domain object.  This API is defined by the Restful Objects specification.  You can either use Isis’ built-in persistence support, or roll your own.  You can then build your own custom clients (</a:t>
+            </a:r>
+            <a:r>
+              <a:rPr lang="en-GB" sz="1200" b="0" i="0" kern="1200" baseline="0" dirty="0" err="1" smtClean="0">
+                <a:solidFill>
+                  <a:schemeClr val="tx1"/>
+                </a:solidFill>
+                <a:effectLst/>
+                <a:latin typeface="+mn-lt"/>
+                <a:ea typeface="+mn-ea"/>
+                <a:cs typeface="+mn-cs"/>
+              </a:rPr>
+              <a:t>eg</a:t>
+            </a:r>
+            <a:r>
+              <a:rPr lang="en-GB" sz="1200" b="0" i="0" kern="1200" baseline="0" dirty="0" smtClean="0">
+                <a:solidFill>
+                  <a:schemeClr val="tx1"/>
+                </a:solidFill>
+                <a:effectLst/>
+                <a:latin typeface="+mn-lt"/>
+                <a:ea typeface="+mn-ea"/>
+                <a:cs typeface="+mn-cs"/>
+              </a:rPr>
+              <a:t> </a:t>
+            </a:r>
+            <a:r>
+              <a:rPr lang="en-GB" sz="1200" b="0" i="0" kern="1200" baseline="0" dirty="0" err="1" smtClean="0">
+                <a:solidFill>
+                  <a:schemeClr val="tx1"/>
+                </a:solidFill>
+                <a:effectLst/>
+                <a:latin typeface="+mn-lt"/>
+                <a:ea typeface="+mn-ea"/>
+                <a:cs typeface="+mn-cs"/>
+              </a:rPr>
+              <a:t>Jquery</a:t>
+            </a:r>
+            <a:r>
+              <a:rPr lang="en-GB" sz="1200" b="0" i="0" kern="1200" baseline="0" dirty="0" smtClean="0">
+                <a:solidFill>
+                  <a:schemeClr val="tx1"/>
+                </a:solidFill>
+                <a:effectLst/>
+                <a:latin typeface="+mn-lt"/>
+                <a:ea typeface="+mn-ea"/>
+                <a:cs typeface="+mn-cs"/>
+              </a:rPr>
+              <a:t> app) to consume this API.</a:t>
+            </a:r>
+          </a:p>
+          <a:p>
+            <a:pPr marL="0" indent="0">
+              <a:buFont typeface="Arial" pitchFamily="34" charset="0"/>
+              <a:buNone/>
+            </a:pPr>
+            <a:endParaRPr lang="en-GB" sz="1200" b="0" i="0" kern="1200" baseline="0" dirty="0" smtClean="0">
+              <a:solidFill>
+                <a:schemeClr val="tx1"/>
+              </a:solidFill>
+              <a:effectLst/>
+              <a:latin typeface="+mn-lt"/>
+              <a:ea typeface="+mn-ea"/>
+              <a:cs typeface="+mn-cs"/>
+            </a:endParaRPr>
+          </a:p>
+          <a:p>
+            <a:pPr marL="0" indent="0">
+              <a:buFont typeface="Arial" pitchFamily="34" charset="0"/>
+              <a:buNone/>
+            </a:pPr>
+            <a:r>
+              <a:rPr lang="en-GB" sz="1200" b="0" i="0" kern="1200" baseline="0" dirty="0" smtClean="0">
+                <a:solidFill>
+                  <a:schemeClr val="tx1"/>
+                </a:solidFill>
+                <a:effectLst/>
+                <a:latin typeface="+mn-lt"/>
+                <a:ea typeface="+mn-ea"/>
+                <a:cs typeface="+mn-cs"/>
+              </a:rPr>
+              <a:t>Another option is to deploy your domain model as a (human-usable) </a:t>
+            </a:r>
+            <a:r>
+              <a:rPr lang="en-GB" sz="1200" b="0" i="0" kern="1200" baseline="0" dirty="0" err="1" smtClean="0">
+                <a:solidFill>
+                  <a:schemeClr val="tx1"/>
+                </a:solidFill>
+                <a:effectLst/>
+                <a:latin typeface="+mn-lt"/>
+                <a:ea typeface="+mn-ea"/>
+                <a:cs typeface="+mn-cs"/>
+              </a:rPr>
+              <a:t>webapp</a:t>
+            </a:r>
+            <a:r>
+              <a:rPr lang="en-GB" sz="1200" b="0" i="0" kern="1200" baseline="0" dirty="0" smtClean="0">
+                <a:solidFill>
+                  <a:schemeClr val="tx1"/>
+                </a:solidFill>
+                <a:effectLst/>
+                <a:latin typeface="+mn-lt"/>
+                <a:ea typeface="+mn-ea"/>
+                <a:cs typeface="+mn-cs"/>
+              </a:rPr>
+              <a:t>.  Isis provides a number of viewers; the HTML viewer is the most mature, but deliberately provides limited customization options.  There are a number of other viewers designed to be more flexible (</a:t>
+            </a:r>
+            <a:r>
+              <a:rPr lang="en-GB" sz="1200" b="0" i="0" kern="1200" baseline="0" dirty="0" err="1" smtClean="0">
+                <a:solidFill>
+                  <a:schemeClr val="tx1"/>
+                </a:solidFill>
+                <a:effectLst/>
+                <a:latin typeface="+mn-lt"/>
+                <a:ea typeface="+mn-ea"/>
+                <a:cs typeface="+mn-cs"/>
+              </a:rPr>
+              <a:t>Scimpi</a:t>
+            </a:r>
+            <a:r>
+              <a:rPr lang="en-GB" sz="1200" b="0" i="0" kern="1200" baseline="0" dirty="0" smtClean="0">
+                <a:solidFill>
+                  <a:schemeClr val="tx1"/>
+                </a:solidFill>
+                <a:effectLst/>
+                <a:latin typeface="+mn-lt"/>
+                <a:ea typeface="+mn-ea"/>
+                <a:cs typeface="+mn-cs"/>
+              </a:rPr>
+              <a:t> and Wicket viewers), these are currently alpha quality.</a:t>
+            </a:r>
           </a:p>
         </p:txBody>
       </p:sp>
     </p:spTree>
+    <p:extLst>
+      <p:ext uri="{BB962C8B-B14F-4D97-AF65-F5344CB8AC3E}">
+        <p14:creationId xmlns:p14="http://schemas.microsoft.com/office/powerpoint/2010/main" val="1204321134"/>
+      </p:ext>
+    </p:extLst>
   </p:cSld>
   <p:clrMapOvr>
     <a:masterClrMapping/>
@@ -15917,6 +16767,205 @@
 </file>
 
 <file path=ppt/notesSlides/notesSlide5.xml><?xml version="1.0" encoding="utf-8"?>
+<p:notes xmlns:a="http://schemas.openxmlformats.org/drawingml/2006/main" xmlns:r="http://schemas.openxmlformats.org/officeDocument/2006/relationships" xmlns:p="http://schemas.openxmlformats.org/presentationml/2006/main">
+  <p:cSld>
+    <p:spTree>
+      <p:nvGrpSpPr>
+        <p:cNvPr id="1" name=""/>
+        <p:cNvGrpSpPr/>
+        <p:nvPr/>
+      </p:nvGrpSpPr>
+      <p:grpSpPr>
+        <a:xfrm>
+          <a:off x="0" y="0"/>
+          <a:ext cx="0" cy="0"/>
+          <a:chOff x="0" y="0"/>
+          <a:chExt cx="0" cy="0"/>
+        </a:xfrm>
+      </p:grpSpPr>
+      <p:sp>
+        <p:nvSpPr>
+          <p:cNvPr id="2" name="Slide Image Placeholder 1"/>
+          <p:cNvSpPr>
+            <a:spLocks noGrp="1" noRot="1" noChangeAspect="1"/>
+          </p:cNvSpPr>
+          <p:nvPr>
+            <p:ph type="sldImg"/>
+          </p:nvPr>
+        </p:nvSpPr>
+        <p:spPr/>
+      </p:sp>
+      <p:sp>
+        <p:nvSpPr>
+          <p:cNvPr id="3" name="Notes Placeholder 2"/>
+          <p:cNvSpPr>
+            <a:spLocks noGrp="1"/>
+          </p:cNvSpPr>
+          <p:nvPr>
+            <p:ph type="body" idx="1"/>
+          </p:nvPr>
+        </p:nvSpPr>
+        <p:spPr/>
+        <p:txBody>
+          <a:bodyPr/>
+          <a:lstStyle/>
+          <a:p>
+            <a:pPr defTabSz="990478">
+              <a:defRPr/>
+            </a:pPr>
+            <a:r>
+              <a:rPr lang="en-US" dirty="0" smtClean="0"/>
+              <a:t>Earlier on we talked about the idea of the team building up a ubiquitous language to communicate, the vocabulary representing the domain of the system.  And h</a:t>
+            </a:r>
+            <a:r>
+              <a:rPr lang="en-US" baseline="0" dirty="0" smtClean="0"/>
+              <a:t>aving a ubiquitous language is all well and good, but if there’s no representation of it in the code, then that’s a problem.</a:t>
+            </a:r>
+          </a:p>
+          <a:p>
+            <a:pPr defTabSz="990478">
+              <a:defRPr/>
+            </a:pPr>
+            <a:endParaRPr lang="en-US" dirty="0"/>
+          </a:p>
+          <a:p>
+            <a:pPr defTabSz="990478">
+              <a:defRPr/>
+            </a:pPr>
+            <a:r>
+              <a:rPr lang="en-US" dirty="0" smtClean="0"/>
+              <a:t>With Apache </a:t>
+            </a:r>
+            <a:r>
+              <a:rPr lang="en-US" baseline="0" dirty="0" smtClean="0"/>
+              <a:t>Isis,</a:t>
+            </a:r>
+            <a:r>
+              <a:rPr lang="en-US" dirty="0" smtClean="0"/>
+              <a:t> the application fundamentally consists of </a:t>
+            </a:r>
+            <a:r>
+              <a:rPr lang="en-US" dirty="0" err="1" smtClean="0"/>
+              <a:t>pojos</a:t>
+            </a:r>
+            <a:r>
+              <a:rPr lang="en-US" dirty="0" smtClean="0"/>
+              <a:t>, one for each domain concept.  Although you can customize the presentation layer, you don’t need to, so in large part the developers can focus just on coding up the domain objects.</a:t>
+            </a:r>
+          </a:p>
+          <a:p>
+            <a:pPr defTabSz="990478">
+              <a:defRPr/>
+            </a:pPr>
+            <a:endParaRPr lang="en-US" baseline="0" dirty="0" smtClean="0"/>
+          </a:p>
+          <a:p>
+            <a:pPr defTabSz="990478">
+              <a:defRPr/>
+            </a:pPr>
+            <a:r>
+              <a:rPr lang="en-US" baseline="0" dirty="0" smtClean="0"/>
+              <a:t>This ties in with the other core pattern for DDD, namely of being “model driven”.</a:t>
+            </a:r>
+            <a:r>
+              <a:rPr lang="en-US" dirty="0" smtClean="0"/>
+              <a:t>  This is the idea that </a:t>
+            </a:r>
+            <a:r>
+              <a:rPr lang="en-US" baseline="0" dirty="0" smtClean="0"/>
+              <a:t>the domain model described by the ubiquitous language should be reflected within the codebase.</a:t>
+            </a:r>
+            <a:r>
+              <a:rPr lang="en-US" dirty="0" smtClean="0"/>
+              <a:t>  In other words, DDD </a:t>
+            </a:r>
+            <a:r>
+              <a:rPr lang="en-US" baseline="0" dirty="0" smtClean="0"/>
+              <a:t>isn’t about just a bunch of UML diagrams disconnected with the software. </a:t>
+            </a:r>
+          </a:p>
+          <a:p>
+            <a:pPr defTabSz="990478">
+              <a:defRPr/>
+            </a:pPr>
+            <a:endParaRPr lang="en-US" dirty="0"/>
+          </a:p>
+          <a:p>
+            <a:pPr defTabSz="990478">
+              <a:defRPr/>
+            </a:pPr>
+            <a:r>
+              <a:rPr lang="en-US" baseline="0" dirty="0" smtClean="0"/>
+              <a:t>We</a:t>
+            </a:r>
+            <a:r>
+              <a:rPr lang="en-US" dirty="0" smtClean="0"/>
+              <a:t> tend to recommend that every time you identify a domain concept, add it in some form to the codebase.  It may be an entity, an interface or a value, and may start out with very few or even no responsibilities.  However, once it exists, it will become part of the team’s language and over time will inevitably acquire its own set of responsibilities.</a:t>
+            </a:r>
+          </a:p>
+          <a:p>
+            <a:pPr defTabSz="990478">
+              <a:defRPr/>
+            </a:pPr>
+            <a:endParaRPr lang="en-US" dirty="0" smtClean="0"/>
+          </a:p>
+          <a:p>
+            <a:r>
+              <a:rPr lang="en-US" dirty="0" smtClean="0"/>
+              <a:t>Adopting this approach also removes the artificial barrier that can arise between </a:t>
+            </a:r>
+            <a:r>
+              <a:rPr lang="en-US" dirty="0"/>
+              <a:t>analysis </a:t>
+            </a:r>
+            <a:r>
+              <a:rPr lang="en-US" dirty="0" smtClean="0"/>
+              <a:t>and design, of maintaining an analysis model and a design model.  Instead, analysis should be about being able to zoom in on (or filter out) details from the (one-and-only) domain model. </a:t>
+            </a:r>
+            <a:r>
+              <a:rPr lang="en-GB" dirty="0" smtClean="0"/>
+              <a:t>Indeed, going </a:t>
+            </a:r>
+            <a:r>
+              <a:rPr lang="en-GB" dirty="0"/>
+              <a:t>back to the first </a:t>
+            </a:r>
+            <a:r>
+              <a:rPr lang="en-GB" dirty="0" smtClean="0"/>
+              <a:t>slide, one </a:t>
+            </a:r>
+            <a:r>
+              <a:rPr lang="en-GB" dirty="0"/>
+              <a:t>thing that Evans says is “with a *conscious* effort the team can build a ubiquitous language”.  With Isis though, no particularly conscious effort needs to be </a:t>
+            </a:r>
+            <a:r>
+              <a:rPr lang="en-GB" dirty="0" smtClean="0"/>
+              <a:t>made to bridge analysis and design, because the majority of coding effort put in by the team is on the classes that would represent that domain object.</a:t>
+            </a:r>
+            <a:endParaRPr lang="en-US" dirty="0" smtClean="0"/>
+          </a:p>
+          <a:p>
+            <a:pPr defTabSz="990478">
+              <a:defRPr/>
+            </a:pPr>
+            <a:endParaRPr lang="en-US" dirty="0"/>
+          </a:p>
+        </p:txBody>
+      </p:sp>
+    </p:spTree>
+    <p:extLst>
+      <p:ext uri="{BB962C8B-B14F-4D97-AF65-F5344CB8AC3E}">
+        <p14:creationId xmlns:p14="http://schemas.microsoft.com/office/powerpoint/2010/main" val="2000380462"/>
+      </p:ext>
+    </p:extLst>
+  </p:cSld>
+  <p:clrMapOvr>
+    <a:masterClrMapping/>
+  </p:clrMapOvr>
+</p:notes>
+</file>
+
+<file path=ppt/notesSlides/notesSlide6.xml><?xml version="1.0" encoding="utf-8"?>
 <p:notes xmlns:a="http://schemas.openxmlformats.org/drawingml/2006/main" xmlns:r="http://schemas.openxmlformats.org/officeDocument/2006/relationships" xmlns:p="http://schemas.openxmlformats.org/presentationml/2006/main">
   <p:cSld>
     <p:spTree>
@@ -15967,120 +17016,181 @@
           <a:p>
             <a:r>
               <a:rPr lang="en-US" dirty="0" smtClean="0"/>
-              <a:t>Apache Isis is a full-stack framework, meaning</a:t>
+              <a:t>Although we’ve said that Isis applications are “just </a:t>
+            </a:r>
+            <a:r>
+              <a:rPr lang="en-US" dirty="0" err="1" smtClean="0"/>
+              <a:t>pojos</a:t>
+            </a:r>
+            <a:r>
+              <a:rPr lang="en-US" dirty="0" smtClean="0"/>
+              <a:t>”, there</a:t>
             </a:r>
             <a:r>
               <a:rPr lang="en-US" baseline="0" dirty="0" smtClean="0"/>
-              <a:t> that it provides an infrastructure for all the usual architectural layers (by which I mean: presentation, application service, domain model, persistence) of an enterprise application.</a:t>
+              <a:t> is of course a little more to it than that.  Isis defines a set of programming conventions and a number of code annotations, and these together define the Isis programming model.</a:t>
             </a:r>
           </a:p>
           <a:p>
             <a:endParaRPr lang="en-US" baseline="0" dirty="0" smtClean="0"/>
           </a:p>
           <a:p>
-            <a:pPr defTabSz="990478">
-              <a:defRPr/>
-            </a:pPr>
             <a:r>
               <a:rPr lang="en-US" baseline="0" dirty="0" smtClean="0"/>
-              <a:t>Isis is also modular,</a:t>
+              <a:t>At the base level, you can build an Isis application out of </a:t>
+            </a:r>
+            <a:r>
+              <a:rPr lang="en-US" baseline="0" dirty="0" err="1" smtClean="0"/>
+              <a:t>pojos</a:t>
+            </a:r>
+            <a:r>
+              <a:rPr lang="en-US" baseline="0" dirty="0" smtClean="0"/>
+              <a:t>.  Those with state and a lifecycle (Customer, Order, Product) will be entities, those that represent state (Money, Date, Duration, </a:t>
+            </a:r>
+            <a:r>
+              <a:rPr lang="en-US" baseline="0" dirty="0" err="1" smtClean="0"/>
+              <a:t>BigDecimal</a:t>
+            </a:r>
+            <a:r>
+              <a:rPr lang="en-US" baseline="0" dirty="0" smtClean="0"/>
+              <a:t> </a:t>
+            </a:r>
+            <a:r>
+              <a:rPr lang="en-US" baseline="0" dirty="0" err="1" smtClean="0"/>
+              <a:t>etc</a:t>
+            </a:r>
+            <a:r>
+              <a:rPr lang="en-US" baseline="0" dirty="0" smtClean="0"/>
+              <a:t>) are values, and those that are singletons are domain services (by which we include repositories).</a:t>
+            </a:r>
+          </a:p>
+          <a:p>
+            <a:endParaRPr lang="en-US" baseline="0" dirty="0" smtClean="0"/>
+          </a:p>
+          <a:p>
+            <a:r>
+              <a:rPr lang="en-US" baseline="0" dirty="0" smtClean="0"/>
+              <a:t>Over and above basic getters and setters (“know-</a:t>
+            </a:r>
+            <a:r>
+              <a:rPr lang="en-US" baseline="0" dirty="0" err="1" smtClean="0"/>
+              <a:t>whats</a:t>
+            </a:r>
+            <a:r>
+              <a:rPr lang="en-US" baseline="0" dirty="0" smtClean="0"/>
+              <a:t>”</a:t>
             </a:r>
             <a:r>
               <a:rPr lang="en-US" dirty="0" smtClean="0"/>
-              <a:t> and has a number of APIs for different services.    The slide above attempts to show these different modules, using the hexagonal architecture pattern (also called</a:t>
+              <a:t> for properties/collections)</a:t>
             </a:r>
             <a:r>
               <a:rPr lang="en-US" baseline="0" dirty="0" smtClean="0"/>
-              <a:t> “ports and adapters”; see </a:t>
+              <a:t>, any public methods</a:t>
             </a:r>
             <a:r>
               <a:rPr lang="en-US" dirty="0" smtClean="0"/>
-              <a:t>Alistair Cockburn’s blog for his original description). From a build perspective, Isis is built using Maven, so each of the boxes shown constitutes either one or several Maven modules.</a:t>
-            </a:r>
+              <a:t> represent actions (“know-how-</a:t>
+            </a:r>
+            <a:r>
+              <a:rPr lang="en-US" dirty="0" err="1" smtClean="0"/>
+              <a:t>tos</a:t>
+            </a:r>
+            <a:r>
+              <a:rPr lang="en-US" dirty="0" smtClean="0"/>
+              <a:t>”).  We sometimes call this </a:t>
+            </a:r>
+            <a:r>
+              <a:rPr lang="en-US" dirty="0" err="1" smtClean="0"/>
+              <a:t>behavioural</a:t>
+            </a:r>
+            <a:r>
+              <a:rPr lang="en-US" dirty="0" smtClean="0"/>
+              <a:t> completeness.  Most business logic is implemented in such actions.</a:t>
+            </a:r>
+          </a:p>
+          <a:p>
+            <a:endParaRPr lang="en-US" baseline="0" dirty="0"/>
+          </a:p>
+          <a:p>
+            <a:r>
+              <a:rPr lang="en-US" dirty="0" smtClean="0"/>
+              <a:t>Isis also supports “pre-condition” business rules through conventions.  A class member can be hidden; or if visible then it can be disabled (greyed out), or if enabled then the values/arguments can be validated.  We summarize this as : “(can you) see it / (can you) use it / (can you) do it”.</a:t>
+            </a:r>
+          </a:p>
+          <a:p>
             <a:endParaRPr lang="en-US" dirty="0"/>
           </a:p>
           <a:p>
-            <a:endParaRPr lang="en-US" dirty="0" smtClean="0"/>
-          </a:p>
-          <a:p>
             <a:r>
               <a:rPr lang="en-US" dirty="0" smtClean="0"/>
-              <a:t>The</a:t>
-            </a:r>
-            <a:r>
-              <a:rPr lang="en-US" baseline="0" dirty="0" smtClean="0"/>
-              <a:t> middle hexagon</a:t>
+              <a:t>Such business rules can be specified declaratively through annotations (</a:t>
+            </a:r>
+            <a:r>
+              <a:rPr lang="en-US" dirty="0" err="1" smtClean="0"/>
+              <a:t>eg</a:t>
+            </a:r>
+            <a:r>
+              <a:rPr lang="en-US" dirty="0" smtClean="0"/>
+              <a:t> @</a:t>
+            </a:r>
+            <a:r>
+              <a:rPr lang="en-US" dirty="0" err="1" smtClean="0"/>
+              <a:t>MaxLength</a:t>
+            </a:r>
+            <a:r>
+              <a:rPr lang="en-US" dirty="0" smtClean="0"/>
+              <a:t>) or imperatively through supporting methods (</a:t>
+            </a:r>
+            <a:r>
+              <a:rPr lang="en-US" dirty="0" err="1" smtClean="0"/>
+              <a:t>eg</a:t>
             </a:r>
             <a:r>
               <a:rPr lang="en-US" dirty="0" smtClean="0"/>
               <a:t> </a:t>
             </a:r>
             <a:r>
-              <a:rPr lang="en-US" baseline="0" dirty="0" smtClean="0"/>
-              <a:t>is the core framework</a:t>
+              <a:rPr lang="en-US" dirty="0" err="1" smtClean="0"/>
+              <a:t>validatePlaceOrder</a:t>
             </a:r>
             <a:r>
               <a:rPr lang="en-US" dirty="0" smtClean="0"/>
-              <a:t> w</a:t>
-            </a:r>
-            <a:r>
-              <a:rPr lang="en-US" baseline="0" dirty="0" smtClean="0"/>
-              <a:t>hich acts as a container for the domain objects.  In programming</a:t>
+              <a:t>(…) for a </a:t>
+            </a:r>
+            <a:r>
+              <a:rPr lang="en-US" dirty="0" err="1" smtClean="0"/>
+              <a:t>placeOrder</a:t>
             </a:r>
             <a:r>
               <a:rPr lang="en-US" dirty="0" smtClean="0"/>
-              <a:t> terms, t</a:t>
-            </a:r>
-            <a:r>
-              <a:rPr lang="en-US" baseline="0" dirty="0" smtClean="0"/>
-              <a:t>his is represented by the </a:t>
-            </a:r>
-            <a:r>
-              <a:rPr lang="en-US" baseline="0" dirty="0" err="1" smtClean="0"/>
+              <a:t>(…) action).  The annotations are in the Isis </a:t>
+            </a:r>
+            <a:r>
+              <a:rPr lang="en-US" dirty="0" err="1" smtClean="0"/>
+              <a:t>applib</a:t>
+            </a:r>
+            <a:r>
+              <a:rPr lang="en-US" dirty="0" smtClean="0"/>
+              <a:t>; this is the only compile-time binding that an Isis application has to the framework.</a:t>
+            </a:r>
+            <a:endParaRPr lang="en-US" baseline="0" dirty="0" smtClean="0"/>
+          </a:p>
+          <a:p>
+            <a:endParaRPr lang="en-US" dirty="0" smtClean="0"/>
+          </a:p>
+          <a:p>
+            <a:r>
+              <a:rPr lang="en-US" dirty="0" smtClean="0"/>
+              <a:t>Finally, Isis provides runtime support.  It automatically injects all domain services / repositories as well as the Isis </a:t>
+            </a:r>
+            <a:r>
+              <a:rPr lang="en-US" dirty="0" err="1" smtClean="0"/>
               <a:t>DomainObjectContainer</a:t>
             </a:r>
             <a:r>
               <a:rPr lang="en-US" dirty="0" smtClean="0"/>
-              <a:t> interface, and is injected into every domain object.  Using it, the domain object can do such things as raising warnings/errors, or creating/persisting/removing objects.</a:t>
-            </a:r>
-            <a:endParaRPr lang="en-US" baseline="0" dirty="0" smtClean="0"/>
-          </a:p>
-          <a:p>
-            <a:endParaRPr lang="en-US" dirty="0"/>
-          </a:p>
-          <a:p>
-            <a:r>
-              <a:rPr lang="en-US" baseline="0" dirty="0" smtClean="0"/>
-              <a:t>Around the outside of the hexagon are a number of “ports”</a:t>
-            </a:r>
-            <a:r>
-              <a:rPr lang="en-US" dirty="0" smtClean="0"/>
-              <a:t>.  Of these, the only ones used directly by domain objects are the domain services, again automatically injected.  The services you have will depend on your app, and are written by you.</a:t>
-            </a:r>
-          </a:p>
-          <a:p>
-            <a:endParaRPr lang="en-US" dirty="0"/>
-          </a:p>
-          <a:p>
-            <a:r>
-              <a:rPr lang="en-US" dirty="0" smtClean="0"/>
-              <a:t>All the other ports are  APIs used by Isis .  “Persistence” and “security” should be self explanatory; the “</a:t>
-            </a:r>
-            <a:r>
-              <a:rPr lang="en-US" dirty="0" err="1" smtClean="0"/>
-              <a:t>progmodel</a:t>
-            </a:r>
-            <a:r>
-              <a:rPr lang="en-US" dirty="0" smtClean="0"/>
-              <a:t> “ defines the mechanism by which Isis </a:t>
-            </a:r>
-            <a:r>
-              <a:rPr lang="en-US" dirty="0" err="1" smtClean="0"/>
-              <a:t>metamodel</a:t>
-            </a:r>
-            <a:r>
-              <a:rPr lang="en-US" dirty="0" smtClean="0"/>
-              <a:t> is built up, and “</a:t>
+              <a:t>, and if needed uses </a:t>
             </a:r>
             <a:r>
               <a:rPr lang="en-US" dirty="0" err="1" smtClean="0"/>
@@ -16088,43 +17198,15 @@
             </a:r>
             <a:r>
               <a:rPr lang="en-US" dirty="0" smtClean="0"/>
-              <a:t>” is used for lazy loading.   “</a:t>
-            </a:r>
-            <a:r>
-              <a:rPr lang="en-US" dirty="0" err="1" smtClean="0"/>
-              <a:t>Remoting</a:t>
-            </a:r>
-            <a:r>
-              <a:rPr lang="en-US" dirty="0" smtClean="0"/>
-              <a:t>” is used to enable client/server support, over a variety of transports.</a:t>
-            </a:r>
-          </a:p>
-          <a:p>
-            <a:endParaRPr lang="en-US" dirty="0"/>
-          </a:p>
-          <a:p>
-            <a:r>
-              <a:rPr lang="en-US" dirty="0" smtClean="0"/>
-              <a:t>On the left-hand side are the viewers. These (of course) implement the naked objects pattern: expose the domain objects automatically with respect to the </a:t>
-            </a:r>
-            <a:r>
-              <a:rPr lang="en-US" dirty="0" err="1" smtClean="0"/>
-              <a:t>metamodel</a:t>
-            </a:r>
-            <a:r>
-              <a:rPr lang="en-US" dirty="0" smtClean="0"/>
-              <a:t>.</a:t>
-            </a:r>
-          </a:p>
-          <a:p>
-            <a:endParaRPr lang="en-US" dirty="0"/>
+              <a:t> enhancement for lazy loading and object dirtying.</a:t>
+            </a:r>
           </a:p>
         </p:txBody>
       </p:sp>
     </p:spTree>
     <p:extLst>
       <p:ext uri="{BB962C8B-B14F-4D97-AF65-F5344CB8AC3E}">
-        <p14:creationId xmlns:p14="http://schemas.microsoft.com/office/powerpoint/2010/main" val="2317765871"/>
+        <p14:creationId xmlns:p14="http://schemas.microsoft.com/office/powerpoint/2010/main" val="2624788127"/>
       </p:ext>
     </p:extLst>
   </p:cSld>
@@ -16134,7 +17216,7 @@
 </p:notes>
 </file>
 
-<file path=ppt/notesSlides/notesSlide6.xml><?xml version="1.0" encoding="utf-8"?>
+<file path=ppt/notesSlides/notesSlide7.xml><?xml version="1.0" encoding="utf-8"?>
 <p:notes xmlns:a="http://schemas.openxmlformats.org/drawingml/2006/main" xmlns:r="http://schemas.openxmlformats.org/officeDocument/2006/relationships" xmlns:p="http://schemas.openxmlformats.org/presentationml/2006/main">
   <p:cSld>
     <p:spTree>
@@ -16153,19 +17235,21 @@
       </p:grpSpPr>
       <p:sp>
         <p:nvSpPr>
-          <p:cNvPr id="2" name="Slide Image Placeholder 1"/>
+          <p:cNvPr id="48130" name="Slide Image Placeholder 1"/>
           <p:cNvSpPr>
-            <a:spLocks noGrp="1" noRot="1" noChangeAspect="1"/>
+            <a:spLocks noGrp="1" noRot="1" noChangeAspect="1" noTextEdit="1"/>
           </p:cNvSpPr>
           <p:nvPr>
             <p:ph type="sldImg"/>
           </p:nvPr>
         </p:nvSpPr>
-        <p:spPr/>
+        <p:spPr>
+          <a:ln/>
+        </p:spPr>
       </p:sp>
       <p:sp>
         <p:nvSpPr>
-          <p:cNvPr id="3" name="Notes Placeholder 2"/>
+          <p:cNvPr id="48131" name="Notes Placeholder 2"/>
           <p:cNvSpPr>
             <a:spLocks noGrp="1"/>
           </p:cNvSpPr>
@@ -16173,7 +17257,10 @@
             <p:ph type="body" idx="1"/>
           </p:nvPr>
         </p:nvSpPr>
-        <p:spPr/>
+        <p:spPr>
+          <a:noFill/>
+          <a:ln/>
+        </p:spPr>
         <p:txBody>
           <a:bodyPr/>
           <a:lstStyle/>
@@ -16182,150 +17269,136 @@
               <a:defRPr/>
             </a:pPr>
             <a:r>
-              <a:rPr lang="en-US" dirty="0" smtClean="0"/>
-              <a:t>Earlier on we talked about the idea of the team building up a ubiquitous language to communicate, the vocabulary representing the domain of the system.  And h</a:t>
-            </a:r>
-            <a:r>
-              <a:rPr lang="en-US" baseline="0" dirty="0" smtClean="0"/>
-              <a:t>aving a ubiquitous language is all well and good, but if there’s no representation of it in the code, then that’s a problem.</a:t>
+              <a:rPr lang="en-GB" baseline="0" dirty="0" smtClean="0"/>
+              <a:t>After all that preamble,</a:t>
+            </a:r>
+            <a:r>
+              <a:rPr lang="en-GB" dirty="0" smtClean="0"/>
+              <a:t> it’s probably worth showing what Isis looks like in action.  </a:t>
             </a:r>
           </a:p>
           <a:p>
             <a:pPr defTabSz="990478">
               <a:defRPr/>
             </a:pPr>
-            <a:endParaRPr lang="en-US" dirty="0"/>
+            <a:endParaRPr lang="en-GB" dirty="0" smtClean="0"/>
+          </a:p>
+          <a:p>
+            <a:pPr marL="0" marR="0" indent="0" algn="l" defTabSz="990478" rtl="0" eaLnBrk="1" fontAlgn="auto" latinLnBrk="0" hangingPunct="1">
+              <a:lnSpc>
+                <a:spcPct val="100000"/>
+              </a:lnSpc>
+              <a:spcBef>
+                <a:spcPts val="0"/>
+              </a:spcBef>
+              <a:spcAft>
+                <a:spcPts val="0"/>
+              </a:spcAft>
+              <a:buClrTx/>
+              <a:buSzTx/>
+              <a:buFontTx/>
+              <a:buNone/>
+              <a:tabLst/>
+              <a:defRPr/>
+            </a:pPr>
+            <a:r>
+              <a:rPr lang="en-GB" dirty="0" smtClean="0"/>
+              <a:t>You can either browse to Isis </a:t>
+            </a:r>
+            <a:r>
+              <a:rPr lang="en-GB" dirty="0" err="1" smtClean="0"/>
+              <a:t>onlne</a:t>
+            </a:r>
+            <a:r>
+              <a:rPr lang="en-GB" dirty="0" smtClean="0"/>
+              <a:t> demo [http://mmyco.co.uk:8180/isis-onlinedemo], or a pre-canned</a:t>
+            </a:r>
+            <a:r>
+              <a:rPr lang="en-GB" baseline="0" dirty="0" smtClean="0"/>
+              <a:t> demo.  Or, </a:t>
+            </a:r>
+            <a:r>
+              <a:rPr lang="en-GB" dirty="0" smtClean="0"/>
+              <a:t>if you enjoy live coding in front of an audience, you could run the Maven archetype, </a:t>
+            </a:r>
+            <a:r>
+              <a:rPr lang="en-GB" baseline="0" dirty="0" smtClean="0"/>
+              <a:t>and then extend it based on suggestions.</a:t>
+            </a:r>
+            <a:endParaRPr lang="en-GB" dirty="0" smtClean="0"/>
           </a:p>
           <a:p>
             <a:pPr defTabSz="990478">
               <a:defRPr/>
             </a:pPr>
-            <a:r>
-              <a:rPr lang="en-US" dirty="0" smtClean="0"/>
-              <a:t>With Apache </a:t>
-            </a:r>
-            <a:r>
-              <a:rPr lang="en-US" baseline="0" dirty="0" smtClean="0"/>
-              <a:t>Isis,</a:t>
-            </a:r>
-            <a:r>
-              <a:rPr lang="en-US" dirty="0" smtClean="0"/>
-              <a:t> the application fundamentally consists of </a:t>
-            </a:r>
-            <a:r>
-              <a:rPr lang="en-US" dirty="0" err="1" smtClean="0"/>
-              <a:t>pojos</a:t>
-            </a:r>
-            <a:r>
-              <a:rPr lang="en-US" dirty="0" smtClean="0"/>
-              <a:t>, one for each domain concept.  Although you can customize the presentation layer, you don’t need to, so in large part the developers can focus just on coding up the domain objects.</a:t>
-            </a:r>
-          </a:p>
-          <a:p>
-            <a:pPr defTabSz="990478">
-              <a:defRPr/>
-            </a:pPr>
-            <a:endParaRPr lang="en-US" baseline="0" dirty="0" smtClean="0"/>
-          </a:p>
-          <a:p>
-            <a:pPr defTabSz="990478">
-              <a:defRPr/>
-            </a:pPr>
-            <a:r>
-              <a:rPr lang="en-US" baseline="0" dirty="0" smtClean="0"/>
-              <a:t>This ties in with the other core pattern for DDD, namely of being “model driven”.</a:t>
-            </a:r>
-            <a:r>
-              <a:rPr lang="en-US" dirty="0" smtClean="0"/>
-              <a:t>  This is the idea that </a:t>
-            </a:r>
-            <a:r>
-              <a:rPr lang="en-US" baseline="0" dirty="0" smtClean="0"/>
-              <a:t>the domain model described by the ubiquitous language should be reflected within the codebase.</a:t>
-            </a:r>
-            <a:r>
-              <a:rPr lang="en-US" dirty="0" smtClean="0"/>
-              <a:t>  In other words, DDD </a:t>
-            </a:r>
-            <a:r>
-              <a:rPr lang="en-US" baseline="0" dirty="0" smtClean="0"/>
-              <a:t>isn’t about just a bunch of UML diagrams disconnected with the software. </a:t>
-            </a:r>
-          </a:p>
-          <a:p>
-            <a:pPr defTabSz="990478">
-              <a:defRPr/>
-            </a:pPr>
-            <a:endParaRPr lang="en-US" dirty="0"/>
-          </a:p>
-          <a:p>
-            <a:pPr defTabSz="990478">
-              <a:defRPr/>
-            </a:pPr>
-            <a:r>
-              <a:rPr lang="en-US" baseline="0" dirty="0" smtClean="0"/>
-              <a:t>We</a:t>
-            </a:r>
-            <a:r>
-              <a:rPr lang="en-US" dirty="0" smtClean="0"/>
-              <a:t> tend to recommend that every time you identify a domain concept, add it in some form to the codebase.  It may be an entity, an interface or a value, and may start out with very few or even no responsibilities.  However, once it exists, it will become part of the team’s language and over time will inevitably acquire its own set of responsibilities.</a:t>
-            </a:r>
-          </a:p>
-          <a:p>
-            <a:pPr defTabSz="990478">
-              <a:defRPr/>
-            </a:pPr>
-            <a:endParaRPr lang="en-US" dirty="0" smtClean="0"/>
-          </a:p>
-          <a:p>
-            <a:r>
-              <a:rPr lang="en-US" dirty="0" smtClean="0"/>
-              <a:t>Adopting this approach also removes the artificial barrier that can arise between </a:t>
-            </a:r>
-            <a:r>
-              <a:rPr lang="en-US" dirty="0"/>
-              <a:t>analysis </a:t>
-            </a:r>
-            <a:r>
-              <a:rPr lang="en-US" dirty="0" smtClean="0"/>
-              <a:t>and design, of maintaining an analysis model and a design model.  Instead, analysis should be about being able to zoom in on (or filter out) details from the (one-and-only) domain model. </a:t>
-            </a:r>
+            <a:endParaRPr lang="en-GB" dirty="0"/>
+          </a:p>
+          <a:p>
             <a:r>
               <a:rPr lang="en-GB" dirty="0" smtClean="0"/>
-              <a:t>Indeed, going </a:t>
-            </a:r>
-            <a:r>
-              <a:rPr lang="en-GB" dirty="0"/>
-              <a:t>back to the first </a:t>
+              <a:t>Demonstrate the HTML viewer, and also the </a:t>
+            </a:r>
+            <a:r>
+              <a:rPr lang="en-GB" dirty="0" err="1" smtClean="0"/>
+              <a:t>RESTful</a:t>
             </a:r>
             <a:r>
               <a:rPr lang="en-GB" dirty="0" smtClean="0"/>
-              <a:t>slide, one </a:t>
-            </a:r>
-            <a:r>
-              <a:rPr lang="en-GB" dirty="0"/>
-              <a:t>thing that Evans says is “with a *conscious* effort the team can build a ubiquitous language”.  With Isis though, no particularly conscious effort needs to be </a:t>
+              <a:t> (JSON) viewer.  You could also demonstrate the </a:t>
+            </a:r>
+            <a:r>
+              <a:rPr lang="en-GB" dirty="0" err="1" smtClean="0"/>
+              <a:t>Junit</a:t>
             </a:r>
             <a:r>
               <a:rPr lang="en-GB" dirty="0" smtClean="0"/>
-              <a:t>made to bridge analysis and design, because the majority of coding effort put in by the team is on the classes that would represent that domain object.</a:t>
-            </a:r>
-            <a:endParaRPr lang="en-US" dirty="0" smtClean="0"/>
-          </a:p>
-          <a:p>
-            <a:pPr defTabSz="990478">
-              <a:defRPr/>
-            </a:pPr>
-            <a:endParaRPr lang="en-US" dirty="0"/>
+              <a:t> integration and the BDD </a:t>
+            </a:r>
+            <a:r>
+              <a:rPr lang="en-GB" dirty="0" err="1" smtClean="0"/>
+              <a:t>Concordion</a:t>
+            </a:r>
+            <a:r>
+              <a:rPr lang="en-GB" dirty="0" smtClean="0"/>
+              <a:t> integration (all of these are configured in the Maven archetype).</a:t>
+            </a:r>
+          </a:p>
+          <a:p>
+            <a:endParaRPr lang="en-GB" dirty="0"/>
+          </a:p>
+        </p:txBody>
+      </p:sp>
+      <p:sp>
+        <p:nvSpPr>
+          <p:cNvPr id="48134" name="Slide Number Placeholder 5"/>
+          <p:cNvSpPr>
+            <a:spLocks noGrp="1"/>
+          </p:cNvSpPr>
+          <p:nvPr>
+            <p:ph type="sldNum" sz="quarter" idx="5"/>
+          </p:nvPr>
+        </p:nvSpPr>
+        <p:spPr>
+          <a:noFill/>
+        </p:spPr>
+        <p:txBody>
+          <a:bodyPr/>
+          <a:lstStyle/>
+          <a:p>
+            <a:r>
+              <a:rPr lang="en-GB" smtClean="0"/>
+              <a:t>Page </a:t>
+            </a:r>
+            <a:fld id="{5EDF86E7-4025-477A-A82B-CC0B14FEB77F}" type="slidenum">
+              <a:rPr lang="en-GB" smtClean="0"/>
+              <a:pPr/>
+              <a:t>7</a:t>
+            </a:fld>
+            <a:endParaRPr lang="en-GB" smtClean="0"/>
           </a:p>
         </p:txBody>
       </p:sp>
     </p:spTree>
-    <p:extLst>
-      <p:ext uri="{BB962C8B-B14F-4D97-AF65-F5344CB8AC3E}">
-        <p14:creationId xmlns:p14="http://schemas.microsoft.com/office/powerpoint/2010/main" val="2000380462"/>
-      </p:ext>
-    </p:extLst>
   </p:cSld>
   <p:clrMapOvr>
     <a:masterClrMapping/>
@@ -16333,7 +17406,7 @@
 </p:notes>
 </file>
 
-<file path=ppt/notesSlides/notesSlide7.xml><?xml version="1.0" encoding="utf-8"?>
+<file path=ppt/notesSlides/notesSlide8.xml><?xml version="1.0" encoding="utf-8"?>
 <p:notes xmlns:a="http://schemas.openxmlformats.org/drawingml/2006/main" xmlns:r="http://schemas.openxmlformats.org/officeDocument/2006/relationships" xmlns:p="http://schemas.openxmlformats.org/presentationml/2006/main">
   <p:cSld>
     <p:spTree>
@@ -16384,181 +17457,120 @@
           <a:p>
             <a:r>
               <a:rPr lang="en-US" dirty="0" smtClean="0"/>
-              <a:t>Although we’ve said that Isis applications are “just </a:t>
-            </a:r>
-            <a:r>
-              <a:rPr lang="en-US" dirty="0" err="1" smtClean="0"/>
-              <a:t>pojos</a:t>
+              <a:t>Apache Isis is a full-stack framework, so </a:t>
+            </a:r>
+            <a:r>
+              <a:rPr lang="en-US" baseline="0" dirty="0" smtClean="0"/>
+              <a:t>that it provides an infrastructure for all the usual architectural layers (presentation, application service, domain model, persistence) of an enterprise application.</a:t>
+            </a:r>
+          </a:p>
+          <a:p>
+            <a:endParaRPr lang="en-US" baseline="0" dirty="0" smtClean="0"/>
+          </a:p>
+          <a:p>
+            <a:pPr defTabSz="990478">
+              <a:defRPr/>
+            </a:pPr>
+            <a:r>
+              <a:rPr lang="en-US" baseline="0" dirty="0" smtClean="0"/>
+              <a:t>Isis is also modular,</a:t>
             </a:r>
             <a:r>
               <a:rPr lang="en-US" dirty="0" smtClean="0"/>
-              <a:t>”, there</a:t>
+              <a:t> and has a number of APIs for different services.    The slide above attempts to show these different modules, using the hexagonal architecture pattern (also called</a:t>
             </a:r>
             <a:r>
               <a:rPr lang="en-US" baseline="0" dirty="0" smtClean="0"/>
-              <a:t> is of course a little more to it than that.  Isis defines a set of programming conventions and a number of code annotations, and these together define the Isis programming model.</a:t>
-            </a:r>
-          </a:p>
-          <a:p>
-            <a:endParaRPr lang="en-US" baseline="0" dirty="0" smtClean="0"/>
-          </a:p>
-          <a:p>
+              <a:t> “ports and adapters”; see </a:t>
+            </a:r>
+            <a:r>
+              <a:rPr lang="en-US" dirty="0" smtClean="0"/>
+              <a:t>Alistair Cockburn’s blog for his original description). From a build perspective, Isis is built using Maven, so each of the boxes shown constitutes either one or several Maven modules.</a:t>
+            </a:r>
+            <a:endParaRPr lang="en-US" dirty="0"/>
+          </a:p>
+          <a:p>
+            <a:endParaRPr lang="en-US" dirty="0" smtClean="0"/>
+          </a:p>
+          <a:p>
+            <a:r>
+              <a:rPr lang="en-US" dirty="0" smtClean="0"/>
+              <a:t>The</a:t>
+            </a:r>
             <a:r>
               <a:rPr lang="en-US" baseline="0" dirty="0" smtClean="0"/>
-              <a:t>At the base level, you can build an Isis application out of </a:t>
-            </a:r>
-            <a:r>
-              <a:rPr lang="en-US" baseline="0" dirty="0" err="1" smtClean="0"/>
-              <a:t>pojos</a:t>
-            </a:r>
-            <a:r>
-              <a:rPr lang="en-US" baseline="0" dirty="0" smtClean="0"/>
-              <a:t>.  Those with state and a lifecycle (Customer, Order, Product) will be entities, those that represent state (Money, Date, Duration, </a:t>
-            </a:r>
-            <a:r>
-              <a:rPr lang="en-US" baseline="0" dirty="0" err="1" smtClean="0"/>
-              <a:t>BigDecimal</a:t>
-            </a:r>
-            <a:r>
-              <a:rPr lang="en-US" baseline="0" dirty="0" smtClean="0"/>
-              <a:t> </a:t>
-            </a:r>
-            <a:r>
-              <a:rPr lang="en-US" baseline="0" dirty="0" err="1" smtClean="0"/>
-              <a:t>etc</a:t>
-            </a:r>
-            <a:r>
-              <a:rPr lang="en-US" baseline="0" dirty="0" smtClean="0"/>
-              <a:t>) are values, and those that are singletons are domain services (by which we include repositories).</a:t>
-            </a:r>
-          </a:p>
-          <a:p>
-            <a:endParaRPr lang="en-US" baseline="0" dirty="0" smtClean="0"/>
-          </a:p>
-          <a:p>
-            <a:r>
-              <a:rPr lang="en-US" baseline="0" dirty="0" smtClean="0"/>
-              <a:t>Over and above basic getters and setters (“know-</a:t>
-            </a:r>
-            <a:r>
-              <a:rPr lang="en-US" baseline="0" dirty="0" err="1" smtClean="0"/>
-              <a:t>whats</a:t>
-            </a:r>
-            <a:r>
-              <a:rPr lang="en-US" baseline="0" dirty="0" smtClean="0"/>
-              <a:t>”</a:t>
-            </a:r>
-            <a:r>
-              <a:rPr lang="en-US" dirty="0" smtClean="0"/>
-              <a:t> for properties/collections)</a:t>
-            </a:r>
-            <a:r>
-              <a:rPr lang="en-US" baseline="0" dirty="0" smtClean="0"/>
-              <a:t>, any public methods</a:t>
-            </a:r>
-            <a:r>
-              <a:rPr lang="en-US" dirty="0" smtClean="0"/>
-              <a:t> represent actions (“know-how-</a:t>
-            </a:r>
-            <a:r>
-              <a:rPr lang="en-US" dirty="0" err="1" smtClean="0"/>
-              <a:t>tos</a:t>
-            </a:r>
-            <a:r>
-              <a:rPr lang="en-US" dirty="0" smtClean="0"/>
-              <a:t>”).  This the </a:t>
-            </a:r>
-            <a:r>
-              <a:rPr lang="en-US" dirty="0" err="1" smtClean="0"/>
-              <a:t>behavioural</a:t>
-            </a:r>
-            <a:r>
-              <a:rPr lang="en-US" dirty="0" smtClean="0"/>
-              <a:t> completeness idea discussed earlier.  Most business logic is implemented in such actions.</a:t>
-            </a:r>
-          </a:p>
-          <a:p>
-            <a:endParaRPr lang="en-US" baseline="0" dirty="0"/>
-          </a:p>
-          <a:p>
-            <a:r>
-              <a:rPr lang="en-US" dirty="0" smtClean="0"/>
-              <a:t>Isis also supports “pre-condition” business rules through conventions.  A class member can be hidden; or if visible then it can be disabled (greyed out), or if enabled then the values/arguments can be validated.  We summarize this as : “(can you) see it / (can you) use it / (can you) do it”.</a:t>
-            </a:r>
-          </a:p>
-          <a:p>
-            <a:endParaRPr lang="en-US" dirty="0"/>
-          </a:p>
-          <a:p>
-            <a:r>
-              <a:rPr lang="en-US" dirty="0" smtClean="0"/>
-              <a:t>Such business rules can be specified declaratively through annotations (</a:t>
-            </a:r>
-            <a:r>
-              <a:rPr lang="en-US" dirty="0" err="1" smtClean="0"/>
-              <a:t>eg</a:t>
-            </a:r>
-            <a:r>
-              <a:rPr lang="en-US" dirty="0" smtClean="0"/>
-              <a:t> @</a:t>
-            </a:r>
-            <a:r>
-              <a:rPr lang="en-US" dirty="0" err="1" smtClean="0"/>
-              <a:t>MaxLength</a:t>
-            </a:r>
-            <a:r>
-              <a:rPr lang="en-US" dirty="0" smtClean="0"/>
-              <a:t>) or imperatively through supporting methods (</a:t>
-            </a:r>
-            <a:r>
-              <a:rPr lang="en-US" dirty="0" err="1" smtClean="0"/>
-              <a:t>eg</a:t>
+              <a:t> middle hexagon</a:t>
             </a:r>
             <a:r>
               <a:rPr lang="en-US" dirty="0" smtClean="0"/>
               <a:t> </a:t>
             </a:r>
             <a:r>
+              <a:rPr lang="en-US" baseline="0" dirty="0" smtClean="0"/>
+              <a:t>is the core framework</a:t>
+            </a:r>
+            <a:r>
+              <a:rPr lang="en-US" dirty="0" smtClean="0"/>
+              <a:t> w</a:t>
+            </a:r>
+            <a:r>
+              <a:rPr lang="en-US" baseline="0" dirty="0" smtClean="0"/>
+              <a:t>hich acts as a container for the domain objects.  In programming</a:t>
+            </a:r>
+            <a:r>
+              <a:rPr lang="en-US" dirty="0" smtClean="0"/>
+              <a:t> terms, t</a:t>
+            </a:r>
+            <a:r>
+              <a:rPr lang="en-US" baseline="0" dirty="0" smtClean="0"/>
+              <a:t>his is represented by the </a:t>
+            </a:r>
+            <a:r>
+              <a:rPr lang="en-US" baseline="0" dirty="0" err="1" smtClean="0"/>
+              <a:t>DomainObjectContainer</a:t>
+            </a:r>
+            <a:r>
+              <a:rPr lang="en-US" dirty="0" smtClean="0"/>
+              <a:t> interface, and is injected into every domain object.  Using it, the domain object can do such things as raising warnings/errors, or creating/persisting/removing objects.</a:t>
+            </a:r>
+            <a:endParaRPr lang="en-US" baseline="0" dirty="0" smtClean="0"/>
+          </a:p>
+          <a:p>
+            <a:endParaRPr lang="en-US" dirty="0"/>
+          </a:p>
+          <a:p>
+            <a:r>
+              <a:rPr lang="en-US" baseline="0" dirty="0" smtClean="0"/>
+              <a:t>Around the outside of the hexagon are a number of “ports”</a:t>
+            </a:r>
+            <a:r>
+              <a:rPr lang="en-US" dirty="0" smtClean="0"/>
+              <a:t>.  Of these, the only ones used directly by domain objects are the domain services, again automatically injected.  The services you have will depend on your app, and are written by you.</a:t>
+            </a:r>
+          </a:p>
+          <a:p>
+            <a:endParaRPr lang="en-US" dirty="0"/>
+          </a:p>
+          <a:p>
+            <a:r>
+              <a:rPr lang="en-US" dirty="0" smtClean="0"/>
+              <a:t>All the other ports are  APIs used by Isis .  “Persistence” and “security” should be self explanatory; the “</a:t>
+            </a:r>
+            <a:r>
               <a:rPr lang="en-US" dirty="0" err="1" smtClean="0"/>
-              <a:t>validatePlaceOrder</a:t>
+              <a:t>progmodel</a:t>
             </a:r>
             <a:r>
               <a:rPr lang="en-US" dirty="0" smtClean="0"/>
-              <a:t>(…) for a </a:t>
+              <a:t> “ defines the mechanism by which Isis </a:t>
             </a:r>
             <a:r>
               <a:rPr lang="en-US" dirty="0" err="1" smtClean="0"/>
-              <a:t>placeOrder</a:t>
+              <a:t>metamodel</a:t>
             </a:r>
             <a:r>
               <a:rPr lang="en-US" dirty="0" smtClean="0"/>
-              <a:t>(…) action).  The annotations are in the Isis </a:t>
-            </a:r>
-            <a:r>
-              <a:rPr lang="en-US" dirty="0" err="1" smtClean="0"/>
-              <a:t>applib</a:t>
-            </a:r>
-            <a:r>
-              <a:rPr lang="en-US" dirty="0" smtClean="0"/>
-              <a:t>; this is the only compile-time binding that an Isis application has to the framework.</a:t>
-            </a:r>
-            <a:endParaRPr lang="en-US" baseline="0" dirty="0" smtClean="0"/>
-          </a:p>
-          <a:p>
-            <a:endParaRPr lang="en-US" dirty="0" smtClean="0"/>
-          </a:p>
-          <a:p>
-            <a:r>
-              <a:rPr lang="en-US" dirty="0" smtClean="0"/>
-              <a:t>Finally, Isis provides runtime support.  It automatically injects all domain services / repositories as well as the Isis </a:t>
-            </a:r>
-            <a:r>
-              <a:rPr lang="en-US" dirty="0" err="1" smtClean="0"/>
-              <a:t>DomainObjectContainer</a:t>
-            </a:r>
-            <a:r>
-              <a:rPr lang="en-US" dirty="0" smtClean="0"/>
-              <a:t>, and if needed uses </a:t>
+              <a:t> is built up, and “</a:t>
             </a:r>
             <a:r>
               <a:rPr lang="en-US" dirty="0" err="1" smtClean="0"/>
@@ -16566,529 +17578,37 @@
             </a:r>
             <a:r>
               <a:rPr lang="en-US" dirty="0" smtClean="0"/>
-              <a:t> enhancement for lazy loading and object dirtying.</a:t>
-            </a:r>
+              <a:t>” is used for lazy loading..</a:t>
+            </a:r>
+          </a:p>
+          <a:p>
+            <a:endParaRPr lang="en-US" dirty="0"/>
+          </a:p>
+          <a:p>
+            <a:r>
+              <a:rPr lang="en-US" dirty="0" smtClean="0"/>
+              <a:t>On the left-hand side are the viewers. These dynamically generated a user interface from the domain objects, with respect to their </a:t>
+            </a:r>
+            <a:r>
+              <a:rPr lang="en-US" dirty="0" err="1" smtClean="0"/>
+              <a:t>metamodel</a:t>
+            </a:r>
+            <a:r>
+              <a:rPr lang="en-US" dirty="0" smtClean="0"/>
+              <a:t>.</a:t>
+            </a:r>
+          </a:p>
+          <a:p>
+            <a:endParaRPr lang="en-US" dirty="0"/>
           </a:p>
         </p:txBody>
       </p:sp>
     </p:spTree>
     <p:extLst>
       <p:ext uri="{BB962C8B-B14F-4D97-AF65-F5344CB8AC3E}">
-        <p14:creationId xmlns:p14="http://schemas.microsoft.com/office/powerpoint/2010/main" val="2624788127"/>
+        <p14:creationId xmlns:p14="http://schemas.microsoft.com/office/powerpoint/2010/main" val="2317765871"/>
       </p:ext>
     </p:extLst>
-  </p:cSld>
-  <p:clrMapOvr>
-    <a:masterClrMapping/>
-  </p:clrMapOvr>
-</p:notes>
-</file>
-
-<file path=ppt/notesSlides/notesSlide8.xml><?xml version="1.0" encoding="utf-8"?>
-<p:notes xmlns:a="http://schemas.openxmlformats.org/drawingml/2006/main" xmlns:r="http://schemas.openxmlformats.org/officeDocument/2006/relationships" xmlns:p="http://schemas.openxmlformats.org/presentationml/2006/main">
-  <p:cSld>
-    <p:spTree>
-      <p:nvGrpSpPr>
-        <p:cNvPr id="1" name=""/>
-        <p:cNvGrpSpPr/>
-        <p:nvPr/>
-      </p:nvGrpSpPr>
-      <p:grpSpPr>
-        <a:xfrm>
-          <a:off x="0" y="0"/>
-          <a:ext cx="0" cy="0"/>
-          <a:chOff x="0" y="0"/>
-          <a:chExt cx="0" cy="0"/>
-        </a:xfrm>
-      </p:grpSpPr>
-      <p:sp>
-        <p:nvSpPr>
-          <p:cNvPr id="48130" name="Slide Image Placeholder 1"/>
-          <p:cNvSpPr>
-            <a:spLocks noGrp="1" noRot="1" noChangeAspect="1" noTextEdit="1"/>
-          </p:cNvSpPr>
-          <p:nvPr>
-            <p:ph type="sldImg"/>
-          </p:nvPr>
-        </p:nvSpPr>
-        <p:spPr>
-          <a:ln/>
-        </p:spPr>
-      </p:sp>
-      <p:sp>
-        <p:nvSpPr>
-          <p:cNvPr id="48131" name="Notes Placeholder 2"/>
-          <p:cNvSpPr>
-            <a:spLocks noGrp="1"/>
-          </p:cNvSpPr>
-          <p:nvPr>
-            <p:ph type="body" idx="1"/>
-          </p:nvPr>
-        </p:nvSpPr>
-        <p:spPr>
-          <a:noFill/>
-          <a:ln/>
-        </p:spPr>
-        <p:txBody>
-          <a:bodyPr/>
-          <a:lstStyle/>
-          <a:p>
-            <a:pPr defTabSz="990478">
-              <a:defRPr/>
-            </a:pPr>
-            <a:r>
-              <a:rPr lang="en-GB" baseline="0" dirty="0" smtClean="0"/>
-              <a:t>After all that preamble,</a:t>
-            </a:r>
-            <a:r>
-              <a:rPr lang="en-GB" dirty="0" smtClean="0"/>
-              <a:t> it’s probably worth showing what Isis looks like in action.  Start with </a:t>
-            </a:r>
-            <a:r>
-              <a:rPr lang="en-GB" baseline="0" dirty="0" smtClean="0"/>
-              <a:t>a pre-canned demo, and then extend it based on suggestions.</a:t>
-            </a:r>
-            <a:endParaRPr lang="en-GB" dirty="0" smtClean="0"/>
-          </a:p>
-          <a:p>
-            <a:pPr defTabSz="990478">
-              <a:defRPr/>
-            </a:pPr>
-            <a:endParaRPr lang="en-GB" dirty="0"/>
-          </a:p>
-          <a:p>
-            <a:pPr defTabSz="990478">
-              <a:defRPr/>
-            </a:pPr>
-            <a:r>
-              <a:rPr lang="en-GB" dirty="0" smtClean="0"/>
-              <a:t>The sort of things you could demonstrate include:</a:t>
-            </a:r>
-            <a:endParaRPr lang="en-GB" dirty="0"/>
-          </a:p>
-          <a:p>
-            <a:pPr marL="185715" indent="-185715">
-              <a:buFontTx/>
-              <a:buChar char="-"/>
-            </a:pPr>
-            <a:r>
-              <a:rPr lang="en-GB" dirty="0"/>
-              <a:t>desktop icons with </a:t>
-            </a:r>
-            <a:r>
-              <a:rPr lang="en-GB" dirty="0" smtClean="0"/>
-              <a:t>repositories</a:t>
-            </a:r>
-          </a:p>
-          <a:p>
-            <a:pPr marL="680954" lvl="1" indent="-185715">
-              <a:buFontTx/>
-              <a:buChar char="-"/>
-            </a:pPr>
-            <a:r>
-              <a:rPr lang="en-GB" dirty="0" smtClean="0"/>
-              <a:t>how are bootstrapped from </a:t>
-            </a:r>
-            <a:r>
-              <a:rPr lang="en-GB" dirty="0" err="1" smtClean="0"/>
-              <a:t>isis.properties</a:t>
-            </a:r>
-            <a:endParaRPr lang="en-GB" dirty="0" smtClean="0"/>
-          </a:p>
-          <a:p>
-            <a:pPr marL="185715" indent="-185715">
-              <a:buFontTx/>
-              <a:buChar char="-"/>
-            </a:pPr>
-            <a:r>
-              <a:rPr lang="en-GB" dirty="0" smtClean="0"/>
-              <a:t>object properties, collections, properties, actions and their representation</a:t>
-            </a:r>
-            <a:endParaRPr lang="en-GB" dirty="0"/>
-          </a:p>
-          <a:p>
-            <a:pPr marL="680954" lvl="1" indent="-185715">
-              <a:buFontTx/>
-              <a:buChar char="-"/>
-            </a:pPr>
-            <a:r>
-              <a:rPr lang="en-GB" dirty="0" err="1" smtClean="0"/>
-              <a:t>eg</a:t>
-            </a:r>
-            <a:r>
-              <a:rPr lang="en-GB" dirty="0" smtClean="0"/>
-              <a:t> </a:t>
-            </a:r>
-            <a:r>
-              <a:rPr lang="en-GB" dirty="0" err="1" smtClean="0"/>
-              <a:t>Customer#getFirstName</a:t>
-            </a:r>
-            <a:r>
-              <a:rPr lang="en-GB" dirty="0" smtClean="0"/>
-              <a:t>(), </a:t>
-            </a:r>
-            <a:r>
-              <a:rPr lang="en-GB" dirty="0" err="1" smtClean="0"/>
-              <a:t>Customer#getOrders</a:t>
-            </a:r>
-            <a:r>
-              <a:rPr lang="en-GB" dirty="0" smtClean="0"/>
-              <a:t>(), </a:t>
-            </a:r>
-            <a:r>
-              <a:rPr lang="en-GB" dirty="0" err="1" smtClean="0"/>
-              <a:t>Customer#placeOrder</a:t>
-            </a:r>
-            <a:r>
-              <a:rPr lang="en-GB" dirty="0" smtClean="0"/>
-              <a:t>(Product)</a:t>
-            </a:r>
-          </a:p>
-          <a:p>
-            <a:pPr marL="185715" indent="-185715">
-              <a:buFontTx/>
-              <a:buChar char="-"/>
-            </a:pPr>
-            <a:r>
-              <a:rPr lang="en-GB" dirty="0" smtClean="0"/>
-              <a:t>add </a:t>
-            </a:r>
-            <a:r>
-              <a:rPr lang="en-GB" dirty="0"/>
-              <a:t>a new </a:t>
-            </a:r>
-            <a:r>
-              <a:rPr lang="en-GB" dirty="0" smtClean="0"/>
-              <a:t>property or a new action</a:t>
-            </a:r>
-          </a:p>
-          <a:p>
-            <a:pPr marL="680954" lvl="1" indent="-185715">
-              <a:buFontTx/>
-              <a:buChar char="-"/>
-            </a:pPr>
-            <a:r>
-              <a:rPr lang="en-GB" dirty="0" err="1" smtClean="0"/>
-              <a:t>eg</a:t>
-            </a:r>
-            <a:r>
-              <a:rPr lang="en-GB" dirty="0" smtClean="0"/>
-              <a:t> </a:t>
-            </a:r>
-            <a:r>
-              <a:rPr lang="en-GB" dirty="0" err="1" smtClean="0"/>
-              <a:t>Customer#getMiddleInitial</a:t>
-            </a:r>
-            <a:r>
-              <a:rPr lang="en-GB" dirty="0" smtClean="0"/>
-              <a:t>(); </a:t>
-            </a:r>
-            <a:r>
-              <a:rPr lang="en-GB" dirty="0" err="1" smtClean="0"/>
-              <a:t>eg</a:t>
-            </a:r>
-            <a:r>
-              <a:rPr lang="en-GB" dirty="0" smtClean="0"/>
-              <a:t> </a:t>
-            </a:r>
-            <a:r>
-              <a:rPr lang="en-GB" dirty="0" err="1" smtClean="0"/>
-              <a:t>Customer#markAsBlackListed</a:t>
-            </a:r>
-            <a:r>
-              <a:rPr lang="en-GB" dirty="0" smtClean="0"/>
-              <a:t>()</a:t>
-            </a:r>
-          </a:p>
-          <a:p>
-            <a:pPr marL="185715" indent="-185715">
-              <a:buFontTx/>
-              <a:buChar char="-"/>
-            </a:pPr>
-            <a:r>
-              <a:rPr lang="en-GB" dirty="0"/>
-              <a:t>add </a:t>
-            </a:r>
-            <a:r>
-              <a:rPr lang="en-GB" dirty="0" smtClean="0"/>
-              <a:t>rendering hints</a:t>
-            </a:r>
-            <a:endParaRPr lang="en-GB" dirty="0"/>
-          </a:p>
-          <a:p>
-            <a:pPr lvl="1"/>
-            <a:r>
-              <a:rPr lang="en-GB" dirty="0"/>
-              <a:t>- </a:t>
-            </a:r>
-            <a:r>
-              <a:rPr lang="en-GB" dirty="0" err="1"/>
-              <a:t>eg</a:t>
-            </a:r>
-            <a:r>
-              <a:rPr lang="en-GB" dirty="0"/>
-              <a:t> @</a:t>
-            </a:r>
-            <a:r>
-              <a:rPr lang="en-GB" dirty="0" err="1"/>
-              <a:t>MemberOrder</a:t>
-            </a:r>
-            <a:r>
-              <a:rPr lang="en-GB" dirty="0"/>
-              <a:t>, title(), </a:t>
-            </a:r>
-            <a:r>
-              <a:rPr lang="en-GB" dirty="0" smtClean="0"/>
-              <a:t>icon</a:t>
-            </a:r>
-            <a:endParaRPr lang="en-GB" dirty="0"/>
-          </a:p>
-          <a:p>
-            <a:pPr marL="185715" indent="-185715">
-              <a:buFontTx/>
-              <a:buChar char="-"/>
-            </a:pPr>
-            <a:r>
-              <a:rPr lang="en-GB" dirty="0" smtClean="0"/>
-              <a:t>add a disable rule (imperative) </a:t>
-            </a:r>
-          </a:p>
-          <a:p>
-            <a:pPr marL="680954" lvl="1" indent="-185715">
-              <a:buFontTx/>
-              <a:buChar char="-"/>
-            </a:pPr>
-            <a:r>
-              <a:rPr lang="en-GB" dirty="0" err="1" smtClean="0"/>
-              <a:t>eg</a:t>
-            </a:r>
-            <a:r>
-              <a:rPr lang="en-GB" dirty="0" smtClean="0"/>
-              <a:t> </a:t>
-            </a:r>
-            <a:r>
-              <a:rPr lang="en-GB" dirty="0" err="1" smtClean="0"/>
-              <a:t>Customer#disablePlaceOrder</a:t>
-            </a:r>
-            <a:r>
-              <a:rPr lang="en-GB" dirty="0" smtClean="0"/>
-              <a:t>()    - </a:t>
-            </a:r>
-            <a:r>
-              <a:rPr lang="en-GB" dirty="0" err="1" smtClean="0"/>
-              <a:t>eg</a:t>
-            </a:r>
-            <a:r>
-              <a:rPr lang="en-GB" dirty="0" smtClean="0"/>
-              <a:t> if blacklisted</a:t>
-            </a:r>
-          </a:p>
-          <a:p>
-            <a:pPr marL="185715" indent="-185715">
-              <a:buFontTx/>
-              <a:buChar char="-"/>
-            </a:pPr>
-            <a:r>
-              <a:rPr lang="en-GB" dirty="0" smtClean="0"/>
-              <a:t>add a validation rule (declarative)</a:t>
-            </a:r>
-          </a:p>
-          <a:p>
-            <a:pPr marL="680954" lvl="1" indent="-185715">
-              <a:buFontTx/>
-              <a:buChar char="-"/>
-            </a:pPr>
-            <a:r>
-              <a:rPr lang="en-GB" dirty="0" err="1" smtClean="0"/>
-              <a:t>eg</a:t>
-            </a:r>
-            <a:r>
-              <a:rPr lang="en-GB" dirty="0" smtClean="0"/>
-              <a:t> @</a:t>
-            </a:r>
-            <a:r>
-              <a:rPr lang="en-GB" dirty="0" err="1" smtClean="0"/>
-              <a:t>MaxLength</a:t>
-            </a:r>
-            <a:r>
-              <a:rPr lang="en-GB" dirty="0" smtClean="0"/>
-              <a:t>(1) for middle initial</a:t>
-            </a:r>
-          </a:p>
-          <a:p>
-            <a:pPr marL="185715" indent="-185715">
-              <a:buFontTx/>
-              <a:buChar char="-"/>
-            </a:pPr>
-            <a:r>
-              <a:rPr lang="en-GB" dirty="0" smtClean="0"/>
-              <a:t>add derived property</a:t>
-            </a:r>
-          </a:p>
-          <a:p>
-            <a:pPr marL="680954" lvl="1" indent="-185715">
-              <a:buFontTx/>
-              <a:buChar char="-"/>
-            </a:pPr>
-            <a:r>
-              <a:rPr lang="en-GB" dirty="0" err="1" smtClean="0"/>
-              <a:t>eg</a:t>
-            </a:r>
-            <a:r>
-              <a:rPr lang="en-GB" dirty="0" smtClean="0"/>
-              <a:t> </a:t>
-            </a:r>
-            <a:r>
-              <a:rPr lang="en-GB" dirty="0" err="1" smtClean="0"/>
-              <a:t>getMostRecentlyOrderedProduct</a:t>
-            </a:r>
-            <a:r>
-              <a:rPr lang="en-GB" dirty="0" smtClean="0"/>
-              <a:t>() </a:t>
-            </a:r>
-          </a:p>
-          <a:p>
-            <a:pPr marL="185715" indent="-185715">
-              <a:buFontTx/>
-              <a:buChar char="-"/>
-            </a:pPr>
-            <a:r>
-              <a:rPr lang="en-GB" dirty="0" smtClean="0"/>
-              <a:t>add some utility methods</a:t>
-            </a:r>
-          </a:p>
-          <a:p>
-            <a:pPr marL="680954" lvl="1" indent="-185715">
-              <a:buFontTx/>
-              <a:buChar char="-"/>
-            </a:pPr>
-            <a:r>
-              <a:rPr lang="en-GB" dirty="0" err="1" smtClean="0"/>
-              <a:t>eg</a:t>
-            </a:r>
-            <a:r>
-              <a:rPr lang="en-GB" dirty="0" smtClean="0"/>
-              <a:t> choices0PlaceOrder(): List&lt;Product&gt; - product(s) recently ordered</a:t>
-            </a:r>
-          </a:p>
-          <a:p>
-            <a:pPr marL="680954" lvl="1" indent="-185715">
-              <a:buFontTx/>
-              <a:buChar char="-"/>
-            </a:pPr>
-            <a:r>
-              <a:rPr lang="en-GB" dirty="0" err="1" smtClean="0"/>
-              <a:t>eg</a:t>
-            </a:r>
-            <a:r>
-              <a:rPr lang="en-GB" dirty="0" smtClean="0"/>
-              <a:t> default0PlaceOrder – </a:t>
-            </a:r>
-            <a:r>
-              <a:rPr lang="en-GB" dirty="0" err="1" smtClean="0"/>
-              <a:t>eg</a:t>
-            </a:r>
-            <a:r>
-              <a:rPr lang="en-GB" dirty="0" smtClean="0"/>
-              <a:t>. the most recently ordered product</a:t>
-            </a:r>
-          </a:p>
-          <a:p>
-            <a:pPr lvl="3"/>
-            <a:endParaRPr lang="en-GB" dirty="0"/>
-          </a:p>
-          <a:p>
-            <a:r>
-              <a:rPr lang="en-GB" dirty="0" smtClean="0"/>
-              <a:t>It’s </a:t>
-            </a:r>
-            <a:r>
-              <a:rPr lang="en-GB" dirty="0"/>
-              <a:t>worth demoing both the </a:t>
-            </a:r>
-            <a:r>
-              <a:rPr lang="en-GB" dirty="0" err="1"/>
-              <a:t>DnD</a:t>
-            </a:r>
-            <a:r>
-              <a:rPr lang="en-GB" dirty="0"/>
-              <a:t> viewer and one of the </a:t>
-            </a:r>
-            <a:r>
-              <a:rPr lang="en-GB" dirty="0" err="1"/>
-              <a:t>webapp</a:t>
-            </a:r>
-            <a:r>
-              <a:rPr lang="en-GB" dirty="0"/>
-              <a:t> viewers.  The HTML viewer works </a:t>
-            </a:r>
-            <a:r>
-              <a:rPr lang="en-GB" dirty="0" smtClean="0"/>
-              <a:t>well; </a:t>
-            </a:r>
-            <a:r>
-              <a:rPr lang="en-GB" dirty="0"/>
-              <a:t>somewhat more sophisticated </a:t>
-            </a:r>
-            <a:r>
-              <a:rPr lang="en-GB" dirty="0" smtClean="0"/>
-              <a:t>are </a:t>
-            </a:r>
-            <a:r>
-              <a:rPr lang="en-GB" dirty="0"/>
-              <a:t>the </a:t>
-            </a:r>
-            <a:r>
-              <a:rPr lang="en-GB" dirty="0" err="1"/>
-              <a:t>Scimpi</a:t>
-            </a:r>
-            <a:r>
-              <a:rPr lang="en-GB" dirty="0"/>
-              <a:t> </a:t>
-            </a:r>
-            <a:r>
-              <a:rPr lang="en-GB" dirty="0" smtClean="0"/>
-              <a:t>and Wicket viewers.  Other to demonstrate (dependent on audience) are the Restful and  BDD </a:t>
-            </a:r>
-            <a:r>
-              <a:rPr lang="en-GB" dirty="0" err="1" smtClean="0"/>
-              <a:t>viewer.s</a:t>
-            </a:r>
-            <a:endParaRPr lang="en-GB" dirty="0"/>
-          </a:p>
-        </p:txBody>
-      </p:sp>
-      <p:sp>
-        <p:nvSpPr>
-          <p:cNvPr id="48134" name="Slide Number Placeholder 5"/>
-          <p:cNvSpPr>
-            <a:spLocks noGrp="1"/>
-          </p:cNvSpPr>
-          <p:nvPr>
-            <p:ph type="sldNum" sz="quarter" idx="5"/>
-          </p:nvPr>
-        </p:nvSpPr>
-        <p:spPr>
-          <a:noFill/>
-        </p:spPr>
-        <p:txBody>
-          <a:bodyPr/>
-          <a:lstStyle/>
-          <a:p>
-            <a:r>
-              <a:rPr lang="en-GB" smtClean="0"/>
-              <a:t>Page </a:t>
-            </a:r>
-            <a:fld id="{5EDF86E7-4025-477A-A82B-CC0B14FEB77F}" type="slidenum">
-              <a:rPr lang="en-GB" smtClean="0"/>
-              <a:pPr/>
-              <a:t>8</a:t>
-            </a:fld>
-            <a:endParaRPr lang="en-GB" smtClean="0"/>
-          </a:p>
-        </p:txBody>
-      </p:sp>
-    </p:spTree>
   </p:cSld>
   <p:clrMapOvr>
     <a:masterClrMapping/>
@@ -17156,7 +17676,15 @@
           <a:p>
             <a:r>
               <a:rPr lang="en-GB" dirty="0" smtClean="0"/>
-              <a:t>The main resource is the Apache Isis website, at the URL above.  From their the audience can subscribe to the </a:t>
+              <a:t>The main resource is the Apache Isis website, at the URL above.  From </a:t>
+            </a:r>
+            <a:r>
+              <a:rPr lang="en-GB" dirty="0" smtClean="0"/>
+              <a:t>there </a:t>
+            </a:r>
+            <a:r>
+              <a:rPr lang="en-GB" dirty="0" smtClean="0"/>
+              <a:t>the audience can subscribe to the </a:t>
             </a:r>
             <a:r>
               <a:rPr lang="en-GB" dirty="0" err="1" smtClean="0"/>
@@ -17176,45 +17704,17 @@
           </a:p>
           <a:p>
             <a:r>
+              <a:rPr lang="en-GB" dirty="0" smtClean="0"/>
+              <a:t>Another resource</a:t>
+            </a:r>
+            <a:r>
               <a:rPr lang="en-GB" baseline="0" dirty="0" smtClean="0"/>
-              <a:t>Useful background reading is Richard </a:t>
-            </a:r>
-            <a:r>
-              <a:rPr lang="en-GB" baseline="0" dirty="0" err="1" smtClean="0"/>
-              <a:t>Pawson’s</a:t>
-            </a:r>
-            <a:r>
-              <a:rPr lang="en-GB" baseline="0" dirty="0" smtClean="0"/>
-              <a:t> original thesis on Naked Objects.  There’s also Dan Haywood’s book, Domain Driven Design using Naked Objects.  This relates to the Naked Objects framework circa 2009, but applies more-or-less unchanged to Apache Isis (the main difference is that the </a:t>
-            </a:r>
-            <a:r>
-              <a:rPr lang="en-GB" baseline="0" dirty="0" err="1" smtClean="0"/>
-              <a:t>applib</a:t>
-            </a:r>
-            <a:r>
-              <a:rPr lang="en-GB" baseline="0" dirty="0" smtClean="0"/>
-              <a:t> package names have changed).</a:t>
-            </a:r>
-          </a:p>
-          <a:p>
-            <a:endParaRPr lang="en-GB" baseline="0" dirty="0" smtClean="0"/>
-          </a:p>
-          <a:p>
-            <a:r>
-              <a:rPr lang="en-GB" baseline="0" dirty="0" smtClean="0"/>
-              <a:t>For those who work on the .NET platform, the Naked Objects for .NET platform may be of interest.  Naked Objects runs either as a </a:t>
-            </a:r>
-            <a:r>
-              <a:rPr lang="en-GB" baseline="0" dirty="0" err="1" smtClean="0"/>
-              <a:t>webapp</a:t>
-            </a:r>
-            <a:r>
-              <a:rPr lang="en-GB" baseline="0" dirty="0" smtClean="0"/>
-              <a:t> (using the ASP.NET MVC 3 framework), or as a client/server WPF application.</a:t>
-            </a:r>
-            <a:endParaRPr lang="en-GB" dirty="0" smtClean="0"/>
-          </a:p>
-          <a:p>
+              <a:t> is the Restful Objects spec, as implemented by Isis</a:t>
+            </a:r>
+            <a:r>
+              <a:rPr lang="en-GB" baseline="0" smtClean="0"/>
+              <a:t>’ json-viewer.</a:t>
+            </a:r>
             <a:endParaRPr lang="en-GB" dirty="0" smtClean="0"/>
           </a:p>
           <a:p>
@@ -17415,7 +17915,7 @@
           <a:p>
             <a:fld id="{9140DE9F-C34A-4E23-883E-C14682627CCD}" type="datetime1">
               <a:rPr lang="en-GB" smtClean="0"/>
-              <a:t>26/06/2011</a:t>
+              <a:t>13/12/2011</a:t>
             </a:fld>
             <a:endParaRPr lang="en-GB"/>
           </a:p>
@@ -17585,7 +18085,7 @@
           <a:p>
             <a:fld id="{A1B973B2-F141-4671-BF96-850D2453B016}" type="datetime1">
               <a:rPr lang="en-GB" smtClean="0"/>
-              <a:t>26/06/2011</a:t>
+              <a:t>13/12/2011</a:t>
             </a:fld>
             <a:endParaRPr lang="en-GB"/>
           </a:p>
@@ -17765,7 +18265,7 @@
           <a:p>
             <a:fld id="{8524A507-4733-4A6E-83A9-5AB074B59BE5}" type="datetime1">
               <a:rPr lang="en-GB" smtClean="0"/>
-              <a:t>26/06/2011</a:t>
+              <a:t>13/12/2011</a:t>
             </a:fld>
             <a:endParaRPr lang="en-GB"/>
           </a:p>
@@ -17935,7 +18435,7 @@
           <a:p>
             <a:fld id="{ECDC3F93-F704-4AF7-B99C-62E2C5B7C2FE}" type="datetime1">
               <a:rPr lang="en-GB" smtClean="0"/>
-              <a:t>26/06/2011</a:t>
+              <a:t>13/12/2011</a:t>
             </a:fld>
             <a:endParaRPr lang="en-GB"/>
           </a:p>
@@ -18181,7 +18681,7 @@
           <a:p>
             <a:fld id="{56E133CD-AFB4-4FA8-BFBA-3205A0E9B706}" type="datetime1">
               <a:rPr lang="en-GB" smtClean="0"/>
-              <a:t>26/06/2011</a:t>
+              <a:t>13/12/2011</a:t>
             </a:fld>
             <a:endParaRPr lang="en-GB"/>
           </a:p>
@@ -18469,7 +18969,7 @@
           <a:p>
             <a:fld id="{41572393-BB13-42D8-90EB-A2E8E5CB00E1}" type="datetime1">
               <a:rPr lang="en-GB" smtClean="0"/>
-              <a:t>26/06/2011</a:t>
+              <a:t>13/12/2011</a:t>
             </a:fld>
             <a:endParaRPr lang="en-GB"/>
           </a:p>
@@ -18891,7 +19391,7 @@
           <a:p>
             <a:fld id="{EB4D5DAA-7195-4131-B1E3-7C8458845225}" type="datetime1">
               <a:rPr lang="en-GB" smtClean="0"/>
-              <a:t>26/06/2011</a:t>
+              <a:t>13/12/2011</a:t>
             </a:fld>
             <a:endParaRPr lang="en-GB"/>
           </a:p>
@@ -19009,7 +19509,7 @@
           <a:p>
             <a:fld id="{2F851E64-D886-4733-AD8A-CBAB7A97F6C3}" type="datetime1">
               <a:rPr lang="en-GB" smtClean="0"/>
-              <a:t>26/06/2011</a:t>
+              <a:t>13/12/2011</a:t>
             </a:fld>
             <a:endParaRPr lang="en-GB"/>
           </a:p>
@@ -19104,7 +19604,7 @@
           <a:p>
             <a:fld id="{196A47A2-EFCF-492B-8588-C6F90CC4438D}" type="datetime1">
               <a:rPr lang="en-GB" smtClean="0"/>
-              <a:t>26/06/2011</a:t>
+              <a:t>13/12/2011</a:t>
             </a:fld>
             <a:endParaRPr lang="en-GB"/>
           </a:p>
@@ -19381,7 +19881,7 @@
           <a:p>
             <a:fld id="{29BF1E9D-1B44-4F3F-8F14-FDBD2A019889}" type="datetime1">
               <a:rPr lang="en-GB" smtClean="0"/>
-              <a:t>26/06/2011</a:t>
+              <a:t>13/12/2011</a:t>
             </a:fld>
             <a:endParaRPr lang="en-GB"/>
           </a:p>
@@ -19634,7 +20134,7 @@
           <a:p>
             <a:fld id="{35EE9D4D-9023-427F-A9FA-CAB2D44288B5}" type="datetime1">
               <a:rPr lang="en-GB" smtClean="0"/>
-              <a:t>26/06/2011</a:t>
+              <a:t>13/12/2011</a:t>
             </a:fld>
             <a:endParaRPr lang="en-GB"/>
           </a:p>
@@ -19814,7 +20314,7 @@
           <a:p>
             <a:fld id="{C8398342-058C-4B74-A745-81529AEFEA68}" type="datetime1">
               <a:rPr lang="en-GB" smtClean="0"/>
-              <a:t>26/06/2011</a:t>
+              <a:t>13/12/2011</a:t>
             </a:fld>
             <a:endParaRPr lang="en-GB"/>
           </a:p>
@@ -20382,10 +20882,503 @@
   <p:clrMapOvr>
     <a:masterClrMapping/>
   </p:clrMapOvr>
+  <p:timing>
+    <p:tnLst>
+      <p:par>
+        <p:cTn id="1" dur="indefinite" restart="never" nodeType="tmRoot"/>
+      </p:par>
+    </p:tnLst>
+  </p:timing>
 </p:sld>
 </file>
 
 <file path=ppt/slides/slide10.xml><?xml version="1.0" encoding="utf-8"?>
+<p:sld xmlns:a="http://schemas.openxmlformats.org/drawingml/2006/main" xmlns:r="http://schemas.openxmlformats.org/officeDocument/2006/relationships" xmlns:p="http://schemas.openxmlformats.org/presentationml/2006/main">
+  <p:cSld>
+    <p:spTree>
+      <p:nvGrpSpPr>
+        <p:cNvPr id="1" name=""/>
+        <p:cNvGrpSpPr/>
+        <p:nvPr/>
+      </p:nvGrpSpPr>
+      <p:grpSpPr>
+        <a:xfrm>
+          <a:off x="0" y="0"/>
+          <a:ext cx="0" cy="0"/>
+          <a:chOff x="0" y="0"/>
+          <a:chExt cx="0" cy="0"/>
+        </a:xfrm>
+      </p:grpSpPr>
+      <p:sp>
+        <p:nvSpPr>
+          <p:cNvPr id="11267" name="Rectangle 2"/>
+          <p:cNvSpPr>
+            <a:spLocks noGrp="1" noChangeArrowheads="1"/>
+          </p:cNvSpPr>
+          <p:nvPr>
+            <p:ph type="title"/>
+          </p:nvPr>
+        </p:nvSpPr>
+        <p:spPr/>
+        <p:txBody>
+          <a:bodyPr/>
+          <a:lstStyle/>
+          <a:p>
+            <a:pPr eaLnBrk="1" hangingPunct="1"/>
+            <a:r>
+              <a:rPr lang="en-GB" sz="3600" dirty="0" smtClean="0"/>
+              <a:t>Naked Objects</a:t>
+            </a:r>
+          </a:p>
+        </p:txBody>
+      </p:sp>
+      <p:sp>
+        <p:nvSpPr>
+          <p:cNvPr id="9220" name="Rectangle 3"/>
+          <p:cNvSpPr>
+            <a:spLocks noGrp="1" noChangeArrowheads="1"/>
+          </p:cNvSpPr>
+          <p:nvPr>
+            <p:ph type="body" idx="1"/>
+          </p:nvPr>
+        </p:nvSpPr>
+        <p:spPr>
+          <a:xfrm>
+            <a:off x="457200" y="1124744"/>
+            <a:ext cx="4402832" cy="5040560"/>
+          </a:xfrm>
+        </p:spPr>
+        <p:txBody>
+          <a:bodyPr>
+            <a:normAutofit fontScale="85000" lnSpcReduction="20000"/>
+          </a:bodyPr>
+          <a:lstStyle/>
+          <a:p>
+            <a:r>
+              <a:rPr lang="en-GB" sz="2800" dirty="0" smtClean="0"/>
+              <a:t>An </a:t>
+            </a:r>
+            <a:r>
+              <a:rPr lang="en-GB" sz="2800" dirty="0"/>
+              <a:t>Architectural Pattern</a:t>
+            </a:r>
+          </a:p>
+          <a:p>
+            <a:pPr lvl="1"/>
+            <a:r>
+              <a:rPr lang="en-GB" sz="2400" dirty="0"/>
+              <a:t>automatically renders domain objects in an OOUI</a:t>
+            </a:r>
+          </a:p>
+          <a:p>
+            <a:pPr lvl="1"/>
+            <a:r>
+              <a:rPr lang="en-GB" sz="2400" dirty="0"/>
+              <a:t>fits in with the</a:t>
+            </a:r>
+            <a:br>
+              <a:rPr lang="en-GB" sz="2400" dirty="0"/>
+            </a:br>
+            <a:r>
+              <a:rPr lang="en-GB" sz="2400" dirty="0"/>
+              <a:t>hexagonal architecture</a:t>
+            </a:r>
+          </a:p>
+          <a:p>
+            <a:pPr lvl="1"/>
+            <a:endParaRPr lang="en-GB" sz="2400" dirty="0"/>
+          </a:p>
+          <a:p>
+            <a:r>
+              <a:rPr lang="en-GB" sz="2800" dirty="0" smtClean="0"/>
+              <a:t>A Principle</a:t>
+            </a:r>
+          </a:p>
+          <a:p>
+            <a:pPr lvl="1">
+              <a:defRPr/>
+            </a:pPr>
+            <a:r>
+              <a:rPr lang="en-GB" sz="2400" dirty="0" smtClean="0"/>
+              <a:t>all business functionality is</a:t>
+            </a:r>
+            <a:br>
+              <a:rPr lang="en-GB" sz="2400" dirty="0" smtClean="0"/>
+            </a:br>
+            <a:r>
+              <a:rPr lang="en-GB" sz="2400" dirty="0" smtClean="0"/>
+              <a:t>encapsulated on the</a:t>
+            </a:r>
+            <a:br>
+              <a:rPr lang="en-GB" sz="2400" dirty="0" smtClean="0"/>
+            </a:br>
+            <a:r>
+              <a:rPr lang="en-GB" sz="2400" dirty="0" smtClean="0"/>
+              <a:t>core business objects</a:t>
+            </a:r>
+          </a:p>
+          <a:p>
+            <a:pPr lvl="1">
+              <a:defRPr/>
+            </a:pPr>
+            <a:r>
+              <a:rPr lang="en-GB" sz="2400" dirty="0" smtClean="0"/>
+              <a:t>“problem solver, not process follower”</a:t>
+            </a:r>
+          </a:p>
+          <a:p>
+            <a:pPr lvl="6"/>
+            <a:endParaRPr lang="en-GB" sz="1800" dirty="0" smtClean="0"/>
+          </a:p>
+          <a:p>
+            <a:r>
+              <a:rPr lang="en-GB" sz="2800" dirty="0" smtClean="0"/>
+              <a:t>A natural bed-fellow for Domain-Driven Design</a:t>
+            </a:r>
+          </a:p>
+          <a:p>
+            <a:pPr lvl="1"/>
+            <a:r>
+              <a:rPr lang="en-GB" sz="2400" dirty="0" smtClean="0"/>
+              <a:t>rapid prototyping &amp; development</a:t>
+            </a:r>
+          </a:p>
+          <a:p>
+            <a:endParaRPr lang="en-GB" sz="2800" dirty="0" smtClean="0"/>
+          </a:p>
+          <a:p>
+            <a:endParaRPr lang="en-GB" sz="2800" dirty="0" smtClean="0"/>
+          </a:p>
+          <a:p>
+            <a:pPr lvl="2" eaLnBrk="1" hangingPunct="1">
+              <a:defRPr/>
+            </a:pPr>
+            <a:endParaRPr lang="en-GB" sz="1300" dirty="0" smtClean="0"/>
+          </a:p>
+          <a:p>
+            <a:pPr lvl="5">
+              <a:defRPr/>
+            </a:pPr>
+            <a:endParaRPr lang="en-GB" sz="1600" dirty="0" smtClean="0"/>
+          </a:p>
+          <a:p>
+            <a:pPr lvl="6">
+              <a:defRPr/>
+            </a:pPr>
+            <a:endParaRPr lang="en-GB" sz="1600" dirty="0" smtClean="0"/>
+          </a:p>
+        </p:txBody>
+      </p:sp>
+      <p:pic>
+        <p:nvPicPr>
+          <p:cNvPr id="5" name="Picture 4" descr="reflection.jpg"/>
+          <p:cNvPicPr>
+            <a:picLocks noChangeAspect="1"/>
+          </p:cNvPicPr>
+          <p:nvPr/>
+        </p:nvPicPr>
+        <p:blipFill>
+          <a:blip r:embed="rId3" cstate="print"/>
+          <a:stretch>
+            <a:fillRect/>
+          </a:stretch>
+        </p:blipFill>
+        <p:spPr>
+          <a:xfrm>
+            <a:off x="4860032" y="2307627"/>
+            <a:ext cx="3857948" cy="2561533"/>
+          </a:xfrm>
+          <a:prstGeom prst="rect">
+            <a:avLst/>
+          </a:prstGeom>
+          <a:ln>
+            <a:noFill/>
+          </a:ln>
+          <a:effectLst>
+            <a:outerShdw blurRad="190500" algn="tl" rotWithShape="0">
+              <a:srgbClr val="000000">
+                <a:alpha val="70000"/>
+              </a:srgbClr>
+            </a:outerShdw>
+          </a:effectLst>
+        </p:spPr>
+      </p:pic>
+    </p:spTree>
+    <p:extLst>
+      <p:ext uri="{BB962C8B-B14F-4D97-AF65-F5344CB8AC3E}">
+        <p14:creationId xmlns:p14="http://schemas.microsoft.com/office/powerpoint/2010/main" val="3647049346"/>
+      </p:ext>
+    </p:extLst>
+  </p:cSld>
+  <p:clrMapOvr>
+    <a:masterClrMapping/>
+  </p:clrMapOvr>
+  <p:timing>
+    <p:tnLst>
+      <p:par>
+        <p:cTn id="1" dur="indefinite" restart="never" nodeType="tmRoot"/>
+      </p:par>
+    </p:tnLst>
+  </p:timing>
+</p:sld>
+</file>
+
+<file path=ppt/slides/slide11.xml><?xml version="1.0" encoding="utf-8"?>
+<p:sld xmlns:a="http://schemas.openxmlformats.org/drawingml/2006/main" xmlns:r="http://schemas.openxmlformats.org/officeDocument/2006/relationships" xmlns:p="http://schemas.openxmlformats.org/presentationml/2006/main">
+  <p:cSld>
+    <p:spTree>
+      <p:nvGrpSpPr>
+        <p:cNvPr id="1" name=""/>
+        <p:cNvGrpSpPr/>
+        <p:nvPr/>
+      </p:nvGrpSpPr>
+      <p:grpSpPr>
+        <a:xfrm>
+          <a:off x="0" y="0"/>
+          <a:ext cx="0" cy="0"/>
+          <a:chOff x="0" y="0"/>
+          <a:chExt cx="0" cy="0"/>
+        </a:xfrm>
+      </p:grpSpPr>
+      <p:sp>
+        <p:nvSpPr>
+          <p:cNvPr id="15363" name="Rectangle 2"/>
+          <p:cNvSpPr>
+            <a:spLocks noGrp="1" noChangeArrowheads="1"/>
+          </p:cNvSpPr>
+          <p:nvPr>
+            <p:ph type="title"/>
+          </p:nvPr>
+        </p:nvSpPr>
+        <p:spPr/>
+        <p:txBody>
+          <a:bodyPr/>
+          <a:lstStyle/>
+          <a:p>
+            <a:pPr eaLnBrk="1" hangingPunct="1"/>
+            <a:r>
+              <a:rPr lang="en-GB" sz="3200" dirty="0" smtClean="0"/>
+              <a:t>Don’t Repeat Yourself</a:t>
+            </a:r>
+          </a:p>
+        </p:txBody>
+      </p:sp>
+      <p:sp>
+        <p:nvSpPr>
+          <p:cNvPr id="15364" name="Rectangle 3"/>
+          <p:cNvSpPr>
+            <a:spLocks noGrp="1" noChangeArrowheads="1"/>
+          </p:cNvSpPr>
+          <p:nvPr>
+            <p:ph type="body" idx="1"/>
+          </p:nvPr>
+        </p:nvSpPr>
+        <p:spPr>
+          <a:xfrm>
+            <a:off x="457200" y="1124744"/>
+            <a:ext cx="8229600" cy="5400600"/>
+          </a:xfrm>
+        </p:spPr>
+        <p:txBody>
+          <a:bodyPr>
+            <a:normAutofit lnSpcReduction="10000"/>
+          </a:bodyPr>
+          <a:lstStyle/>
+          <a:p>
+            <a:pPr eaLnBrk="1" hangingPunct="1"/>
+            <a:r>
+              <a:rPr lang="en-GB" sz="2800" dirty="0" smtClean="0"/>
+              <a:t>The UI representations</a:t>
+            </a:r>
+            <a:br>
+              <a:rPr lang="en-GB" sz="2800" dirty="0" smtClean="0"/>
+            </a:br>
+            <a:r>
+              <a:rPr lang="en-GB" sz="2800" dirty="0" smtClean="0"/>
+              <a:t>correspond directly</a:t>
+            </a:r>
+            <a:br>
+              <a:rPr lang="en-GB" sz="2800" dirty="0" smtClean="0"/>
+            </a:br>
+            <a:r>
+              <a:rPr lang="en-GB" sz="2800" dirty="0" smtClean="0"/>
+              <a:t>with the underlying</a:t>
+            </a:r>
+            <a:br>
+              <a:rPr lang="en-GB" sz="2800" dirty="0" smtClean="0"/>
+            </a:br>
+            <a:r>
+              <a:rPr lang="en-GB" sz="2800" dirty="0" smtClean="0"/>
+              <a:t>domain object model</a:t>
+            </a:r>
+          </a:p>
+          <a:p>
+            <a:pPr eaLnBrk="1" hangingPunct="1"/>
+            <a:endParaRPr lang="en-GB" sz="2800" dirty="0" smtClean="0"/>
+          </a:p>
+          <a:p>
+            <a:pPr eaLnBrk="1" hangingPunct="1"/>
+            <a:endParaRPr lang="en-GB" sz="2800" dirty="0" smtClean="0"/>
+          </a:p>
+          <a:p>
+            <a:pPr eaLnBrk="1" hangingPunct="1"/>
+            <a:r>
+              <a:rPr lang="en-GB" sz="2800" dirty="0" smtClean="0"/>
+              <a:t>So, for instance:</a:t>
+            </a:r>
+          </a:p>
+          <a:p>
+            <a:pPr lvl="1" eaLnBrk="1" hangingPunct="1"/>
+            <a:r>
+              <a:rPr lang="en-GB" sz="2200" dirty="0" smtClean="0"/>
+              <a:t>objects instances exposed as icons</a:t>
+            </a:r>
+          </a:p>
+          <a:p>
+            <a:pPr lvl="1" eaLnBrk="1" hangingPunct="1"/>
+            <a:r>
+              <a:rPr lang="en-GB" sz="2200" dirty="0" smtClean="0"/>
+              <a:t>object properties / collections exposed in forms</a:t>
+            </a:r>
+          </a:p>
+          <a:p>
+            <a:pPr lvl="1" eaLnBrk="1" hangingPunct="1"/>
+            <a:r>
+              <a:rPr lang="en-GB" sz="2200" dirty="0" smtClean="0"/>
+              <a:t>object methods exposed as menu items</a:t>
+            </a:r>
+          </a:p>
+          <a:p>
+            <a:pPr lvl="2" eaLnBrk="1" hangingPunct="1"/>
+            <a:r>
+              <a:rPr lang="en-GB" sz="2000" dirty="0" err="1" smtClean="0"/>
+              <a:t>eg</a:t>
+            </a:r>
+            <a:r>
+              <a:rPr lang="en-GB" sz="2000" dirty="0" smtClean="0"/>
+              <a:t> </a:t>
+            </a:r>
+            <a:r>
+              <a:rPr lang="en-GB" sz="2000" dirty="0" err="1" smtClean="0">
+                <a:solidFill>
+                  <a:srgbClr val="008000"/>
+                </a:solidFill>
+              </a:rPr>
+              <a:t>Claim#submit</a:t>
+            </a:r>
+            <a:r>
+              <a:rPr lang="en-GB" sz="2000" dirty="0" smtClean="0">
+                <a:solidFill>
+                  <a:srgbClr val="008000"/>
+                </a:solidFill>
+              </a:rPr>
+              <a:t>(Approver)</a:t>
+            </a:r>
+          </a:p>
+          <a:p>
+            <a:pPr lvl="1" eaLnBrk="1" hangingPunct="1"/>
+            <a:r>
+              <a:rPr lang="en-GB" sz="2200" dirty="0" smtClean="0"/>
+              <a:t>repositories/domain services exposed as desktop icons</a:t>
+            </a:r>
+          </a:p>
+          <a:p>
+            <a:pPr lvl="2" eaLnBrk="1" hangingPunct="1"/>
+            <a:r>
+              <a:rPr lang="en-GB" sz="2000" dirty="0" err="1" smtClean="0"/>
+              <a:t>eg</a:t>
+            </a:r>
+            <a:r>
+              <a:rPr lang="en-GB" sz="2000" dirty="0" smtClean="0"/>
+              <a:t> </a:t>
+            </a:r>
+            <a:r>
+              <a:rPr lang="en-GB" sz="2000" dirty="0" err="1" smtClean="0">
+                <a:solidFill>
+                  <a:srgbClr val="008000"/>
+                </a:solidFill>
+              </a:rPr>
+              <a:t>ClaimRepository</a:t>
+            </a:r>
+            <a:r>
+              <a:rPr lang="en-GB" sz="2000" dirty="0" smtClean="0">
+                <a:solidFill>
+                  <a:srgbClr val="008000"/>
+                </a:solidFill>
+              </a:rPr>
+              <a:t>, </a:t>
+            </a:r>
+            <a:r>
+              <a:rPr lang="en-GB" sz="2000" dirty="0" err="1" smtClean="0">
+                <a:solidFill>
+                  <a:srgbClr val="008000"/>
+                </a:solidFill>
+              </a:rPr>
+              <a:t>EmployeeRepository</a:t>
+            </a:r>
+            <a:endParaRPr lang="en-GB" sz="2000" dirty="0" smtClean="0">
+              <a:solidFill>
+                <a:srgbClr val="008000"/>
+              </a:solidFill>
+            </a:endParaRPr>
+          </a:p>
+        </p:txBody>
+      </p:sp>
+      <p:pic>
+        <p:nvPicPr>
+          <p:cNvPr id="5" name="Picture 4" descr="umbrella-400x300.jpg"/>
+          <p:cNvPicPr>
+            <a:picLocks noChangeAspect="1"/>
+          </p:cNvPicPr>
+          <p:nvPr/>
+        </p:nvPicPr>
+        <p:blipFill>
+          <a:blip r:embed="rId3" cstate="print"/>
+          <a:stretch>
+            <a:fillRect/>
+          </a:stretch>
+        </p:blipFill>
+        <p:spPr>
+          <a:xfrm>
+            <a:off x="4932040" y="1113231"/>
+            <a:ext cx="3849697" cy="2887273"/>
+          </a:xfrm>
+          <a:prstGeom prst="rect">
+            <a:avLst/>
+          </a:prstGeom>
+          <a:ln>
+            <a:noFill/>
+          </a:ln>
+          <a:effectLst>
+            <a:outerShdw blurRad="292100" dist="139700" dir="2700000" algn="tl" rotWithShape="0">
+              <a:srgbClr val="333333">
+                <a:alpha val="65000"/>
+              </a:srgbClr>
+            </a:outerShdw>
+          </a:effectLst>
+        </p:spPr>
+      </p:pic>
+    </p:spTree>
+    <p:extLst>
+      <p:ext uri="{BB962C8B-B14F-4D97-AF65-F5344CB8AC3E}">
+        <p14:creationId xmlns:p14="http://schemas.microsoft.com/office/powerpoint/2010/main" val="591907915"/>
+      </p:ext>
+    </p:extLst>
+  </p:cSld>
+  <p:clrMapOvr>
+    <a:masterClrMapping/>
+  </p:clrMapOvr>
+  <p:timing>
+    <p:tnLst>
+      <p:par>
+        <p:cTn id="1" dur="indefinite" restart="never" nodeType="tmRoot"/>
+      </p:par>
+    </p:tnLst>
+  </p:timing>
+</p:sld>
+</file>
+
+<file path=ppt/slides/slide12.xml><?xml version="1.0" encoding="utf-8"?>
 <p:sld xmlns:a="http://schemas.openxmlformats.org/drawingml/2006/main" xmlns:r="http://schemas.openxmlformats.org/officeDocument/2006/relationships" xmlns:p="http://schemas.openxmlformats.org/presentationml/2006/main">
   <p:cSld>
     <p:spTree>
@@ -20468,7 +21461,7 @@
 </p:sld>
 </file>
 
-<file path=ppt/slides/slide11.xml><?xml version="1.0" encoding="utf-8"?>
+<file path=ppt/slides/slide13.xml><?xml version="1.0" encoding="utf-8"?>
 <p:sld xmlns:a="http://schemas.openxmlformats.org/drawingml/2006/main" xmlns:r="http://schemas.openxmlformats.org/officeDocument/2006/relationships" xmlns:p="http://schemas.openxmlformats.org/presentationml/2006/main">
   <p:cSld>
     <p:spTree>
@@ -20692,7 +21685,7 @@
 </p:sld>
 </file>
 
-<file path=ppt/slides/slide12.xml><?xml version="1.0" encoding="utf-8"?>
+<file path=ppt/slides/slide14.xml><?xml version="1.0" encoding="utf-8"?>
 <p:sld xmlns:a="http://schemas.openxmlformats.org/drawingml/2006/main" xmlns:r="http://schemas.openxmlformats.org/officeDocument/2006/relationships" xmlns:p="http://schemas.openxmlformats.org/presentationml/2006/main">
   <p:cSld>
     <p:spTree>
@@ -20752,6 +21745,294 @@
     <p:extLst>
       <p:ext uri="{BB962C8B-B14F-4D97-AF65-F5344CB8AC3E}">
         <p14:creationId xmlns:p14="http://schemas.microsoft.com/office/powerpoint/2010/main" val="2495367099"/>
+      </p:ext>
+    </p:extLst>
+  </p:cSld>
+  <p:clrMapOvr>
+    <a:masterClrMapping/>
+  </p:clrMapOvr>
+  <p:timing>
+    <p:tnLst>
+      <p:par>
+        <p:cTn id="1" dur="indefinite" restart="never" nodeType="tmRoot"/>
+      </p:par>
+    </p:tnLst>
+  </p:timing>
+</p:sld>
+</file>
+
+<file path=ppt/slides/slide15.xml><?xml version="1.0" encoding="utf-8"?>
+<p:sld xmlns:a="http://schemas.openxmlformats.org/drawingml/2006/main" xmlns:r="http://schemas.openxmlformats.org/officeDocument/2006/relationships" xmlns:p="http://schemas.openxmlformats.org/presentationml/2006/main">
+  <p:cSld>
+    <p:spTree>
+      <p:nvGrpSpPr>
+        <p:cNvPr id="1" name=""/>
+        <p:cNvGrpSpPr/>
+        <p:nvPr/>
+      </p:nvGrpSpPr>
+      <p:grpSpPr>
+        <a:xfrm>
+          <a:off x="0" y="0"/>
+          <a:ext cx="0" cy="0"/>
+          <a:chOff x="0" y="0"/>
+          <a:chExt cx="0" cy="0"/>
+        </a:xfrm>
+      </p:grpSpPr>
+      <p:sp>
+        <p:nvSpPr>
+          <p:cNvPr id="2" name="Title 1"/>
+          <p:cNvSpPr>
+            <a:spLocks noGrp="1"/>
+          </p:cNvSpPr>
+          <p:nvPr>
+            <p:ph type="title"/>
+          </p:nvPr>
+        </p:nvSpPr>
+        <p:spPr/>
+        <p:txBody>
+          <a:bodyPr/>
+          <a:lstStyle/>
+          <a:p>
+            <a:r>
+              <a:rPr lang="en-GB" dirty="0" smtClean="0"/>
+              <a:t>Naked Objects Resources</a:t>
+            </a:r>
+            <a:endParaRPr lang="en-GB" dirty="0"/>
+          </a:p>
+        </p:txBody>
+      </p:sp>
+      <p:sp>
+        <p:nvSpPr>
+          <p:cNvPr id="5" name="Content Placeholder 4"/>
+          <p:cNvSpPr>
+            <a:spLocks noGrp="1"/>
+          </p:cNvSpPr>
+          <p:nvPr>
+            <p:ph idx="1"/>
+          </p:nvPr>
+        </p:nvSpPr>
+        <p:spPr/>
+        <p:txBody>
+          <a:bodyPr>
+            <a:normAutofit fontScale="92500" lnSpcReduction="10000"/>
+          </a:bodyPr>
+          <a:lstStyle/>
+          <a:p>
+            <a:r>
+              <a:rPr lang="en-GB" sz="2800" dirty="0" smtClean="0"/>
+              <a:t>Richard </a:t>
+            </a:r>
+            <a:r>
+              <a:rPr lang="en-GB" sz="2800" dirty="0" err="1" smtClean="0"/>
+              <a:t>Pawson’s</a:t>
+            </a:r>
+            <a:r>
+              <a:rPr lang="en-GB" sz="2800" dirty="0" smtClean="0"/>
+              <a:t> original thesis on Naked Objects</a:t>
+            </a:r>
+          </a:p>
+          <a:p>
+            <a:pPr lvl="1"/>
+            <a:r>
+              <a:rPr lang="en-GB" sz="2000" dirty="0" smtClean="0">
+                <a:hlinkClick r:id="rId3"/>
+              </a:rPr>
+              <a:t>http</a:t>
+            </a:r>
+            <a:r>
+              <a:rPr lang="en-GB" sz="2000" dirty="0">
+                <a:hlinkClick r:id="rId3"/>
+              </a:rPr>
+              <a:t>://</a:t>
+            </a:r>
+            <a:r>
+              <a:rPr lang="en-GB" sz="2000" dirty="0" smtClean="0">
+                <a:hlinkClick r:id="rId3"/>
+              </a:rPr>
+              <a:t>incubator.apache.org/isis/Pawson-Naked-Objects-thesis.pdf</a:t>
+            </a:r>
+            <a:r>
+              <a:rPr lang="en-GB" sz="2000" dirty="0" smtClean="0"/>
+              <a:t> </a:t>
+            </a:r>
+          </a:p>
+          <a:p>
+            <a:pPr lvl="1"/>
+            <a:endParaRPr lang="en-GB" dirty="0" smtClean="0"/>
+          </a:p>
+          <a:p>
+            <a:r>
+              <a:rPr lang="en-GB" sz="2800" dirty="0" smtClean="0"/>
+              <a:t>Richard </a:t>
+            </a:r>
+            <a:r>
+              <a:rPr lang="en-GB" sz="2800" dirty="0" err="1" smtClean="0"/>
+              <a:t>Pawson</a:t>
+            </a:r>
+            <a:r>
+              <a:rPr lang="en-GB" sz="2800" dirty="0" smtClean="0"/>
+              <a:t> and</a:t>
+            </a:r>
+            <a:br>
+              <a:rPr lang="en-GB" sz="2800" dirty="0" smtClean="0"/>
+            </a:br>
+            <a:r>
+              <a:rPr lang="en-GB" sz="2800" dirty="0" smtClean="0"/>
+              <a:t>Rob Matthew’s book</a:t>
+            </a:r>
+          </a:p>
+          <a:p>
+            <a:pPr lvl="3"/>
+            <a:endParaRPr lang="en-GB" sz="1600" dirty="0" smtClean="0"/>
+          </a:p>
+          <a:p>
+            <a:pPr lvl="3"/>
+            <a:endParaRPr lang="en-GB" sz="1600" dirty="0"/>
+          </a:p>
+          <a:p>
+            <a:r>
+              <a:rPr lang="en-GB" sz="2800" dirty="0" smtClean="0"/>
+              <a:t>Dan </a:t>
+            </a:r>
+            <a:r>
+              <a:rPr lang="en-GB" sz="2800" dirty="0" smtClean="0"/>
+              <a:t>Haywood’s book</a:t>
+            </a:r>
+          </a:p>
+          <a:p>
+            <a:pPr lvl="1"/>
+            <a:r>
+              <a:rPr lang="en-GB" sz="2000" dirty="0" smtClean="0">
+                <a:hlinkClick r:id="rId4"/>
+              </a:rPr>
+              <a:t>http://www.pragprog.com/titles/dhnako</a:t>
+            </a:r>
+            <a:r>
+              <a:rPr lang="en-GB" sz="2000" dirty="0" smtClean="0"/>
+              <a:t> </a:t>
+            </a:r>
+          </a:p>
+          <a:p>
+            <a:pPr lvl="3"/>
+            <a:endParaRPr lang="en-GB" sz="1600" dirty="0" smtClean="0"/>
+          </a:p>
+          <a:p>
+            <a:pPr lvl="3"/>
+            <a:endParaRPr lang="en-GB" sz="1600" dirty="0" smtClean="0"/>
+          </a:p>
+          <a:p>
+            <a:r>
+              <a:rPr lang="en-GB" sz="2800" dirty="0" smtClean="0"/>
+              <a:t>Naked Objects </a:t>
+            </a:r>
+            <a:r>
+              <a:rPr lang="en-GB" sz="2800" dirty="0" smtClean="0"/>
+              <a:t>MVC</a:t>
+            </a:r>
+            <a:endParaRPr lang="en-GB" sz="2800" dirty="0" smtClean="0"/>
+          </a:p>
+          <a:p>
+            <a:pPr lvl="1"/>
+            <a:r>
+              <a:rPr lang="en-GB" sz="2000" dirty="0" smtClean="0">
+                <a:hlinkClick r:id="rId5"/>
+              </a:rPr>
+              <a:t>http://nakedobjects.net</a:t>
+            </a:r>
+            <a:r>
+              <a:rPr lang="en-GB" sz="2000" dirty="0" smtClean="0"/>
+              <a:t> </a:t>
+            </a:r>
+            <a:endParaRPr lang="en-GB" sz="2000" dirty="0" smtClean="0"/>
+          </a:p>
+          <a:p>
+            <a:pPr lvl="1"/>
+            <a:r>
+              <a:rPr lang="en-GB" sz="2000" dirty="0" smtClean="0"/>
+              <a:t>also implements the Restful Objects spec</a:t>
+            </a:r>
+            <a:endParaRPr lang="en-GB" sz="2000" dirty="0" smtClean="0"/>
+          </a:p>
+        </p:txBody>
+      </p:sp>
+      <p:pic>
+        <p:nvPicPr>
+          <p:cNvPr id="11" name="Picture 2"/>
+          <p:cNvPicPr>
+            <a:picLocks noChangeAspect="1" noChangeArrowheads="1"/>
+          </p:cNvPicPr>
+          <p:nvPr/>
+        </p:nvPicPr>
+        <p:blipFill>
+          <a:blip r:embed="rId6" cstate="print"/>
+          <a:stretch>
+            <a:fillRect/>
+          </a:stretch>
+        </p:blipFill>
+        <p:spPr bwMode="auto">
+          <a:xfrm>
+            <a:off x="6588224" y="4361040"/>
+            <a:ext cx="1623566" cy="1948280"/>
+          </a:xfrm>
+          <a:prstGeom prst="rect">
+            <a:avLst/>
+          </a:prstGeom>
+          <a:ln>
+            <a:noFill/>
+          </a:ln>
+          <a:effectLst>
+            <a:outerShdw blurRad="292100" dist="139700" dir="2700000" algn="tl" rotWithShape="0">
+              <a:srgbClr val="333333">
+                <a:alpha val="65000"/>
+              </a:srgbClr>
+            </a:outerShdw>
+          </a:effectLst>
+        </p:spPr>
+      </p:pic>
+      <p:pic>
+        <p:nvPicPr>
+          <p:cNvPr id="3" name="Picture 2"/>
+          <p:cNvPicPr>
+            <a:picLocks noChangeAspect="1"/>
+          </p:cNvPicPr>
+          <p:nvPr/>
+        </p:nvPicPr>
+        <p:blipFill>
+          <a:blip r:embed="rId7">
+            <a:extLst>
+              <a:ext uri="{28A0092B-C50C-407E-A947-70E740481C1C}">
+                <a14:useLocalDpi xmlns:a14="http://schemas.microsoft.com/office/drawing/2010/main" val="0"/>
+              </a:ext>
+            </a:extLst>
+          </a:blip>
+          <a:stretch>
+            <a:fillRect/>
+          </a:stretch>
+        </p:blipFill>
+        <p:spPr>
+          <a:xfrm>
+            <a:off x="6660232" y="2132856"/>
+            <a:ext cx="1453896" cy="1828800"/>
+          </a:xfrm>
+          <a:prstGeom prst="rect">
+            <a:avLst/>
+          </a:prstGeom>
+          <a:ln>
+            <a:noFill/>
+          </a:ln>
+          <a:effectLst>
+            <a:outerShdw blurRad="292100" dist="139700" dir="2700000" algn="tl" rotWithShape="0">
+              <a:srgbClr val="333333">
+                <a:alpha val="65000"/>
+              </a:srgbClr>
+            </a:outerShdw>
+          </a:effectLst>
+        </p:spPr>
+      </p:pic>
+    </p:spTree>
+    <p:extLst>
+      <p:ext uri="{BB962C8B-B14F-4D97-AF65-F5344CB8AC3E}">
+        <p14:creationId xmlns:p14="http://schemas.microsoft.com/office/powerpoint/2010/main" val="1784189285"/>
       </p:ext>
     </p:extLst>
   </p:cSld>
@@ -21000,9 +22281,9 @@
       </p:grpSpPr>
       <p:sp>
         <p:nvSpPr>
-          <p:cNvPr id="11267" name="Rectangle 2"/>
+          <p:cNvPr id="2" name="Title 1"/>
           <p:cNvSpPr>
-            <a:spLocks noGrp="1" noChangeArrowheads="1"/>
+            <a:spLocks noGrp="1"/>
           </p:cNvSpPr>
           <p:nvPr>
             <p:ph type="title"/>
@@ -21013,28 +22294,28 @@
           <a:bodyPr/>
           <a:lstStyle/>
           <a:p>
-            <a:pPr eaLnBrk="1" hangingPunct="1"/>
-            <a:r>
-              <a:rPr lang="en-GB" sz="3600" dirty="0" smtClean="0"/>
-              <a:t>What is Naked Objects ? </a:t>
-            </a:r>
+            <a:r>
+              <a:rPr lang="en-GB" dirty="0" smtClean="0"/>
+              <a:t>What is Apache Isis?</a:t>
+            </a:r>
+            <a:endParaRPr lang="en-GB" dirty="0"/>
           </a:p>
         </p:txBody>
       </p:sp>
       <p:sp>
         <p:nvSpPr>
-          <p:cNvPr id="9220" name="Rectangle 3"/>
+          <p:cNvPr id="3" name="Content Placeholder 2"/>
           <p:cNvSpPr>
-            <a:spLocks noGrp="1" noChangeArrowheads="1"/>
+            <a:spLocks noGrp="1"/>
           </p:cNvSpPr>
           <p:nvPr>
-            <p:ph type="body" idx="1"/>
+            <p:ph idx="1"/>
           </p:nvPr>
         </p:nvSpPr>
         <p:spPr>
           <a:xfrm>
             <a:off x="457200" y="1124744"/>
-            <a:ext cx="4330824" cy="5001419"/>
+            <a:ext cx="8229600" cy="5472608"/>
           </a:xfrm>
         </p:spPr>
         <p:txBody>
@@ -21044,154 +22325,106 @@
           <a:lstStyle/>
           <a:p>
             <a:r>
-              <a:rPr lang="en-GB" sz="2800" dirty="0"/>
-              <a:t>An Architectural Pattern</a:t>
+              <a:rPr lang="en-GB" dirty="0" smtClean="0"/>
+              <a:t>Apache Isis is a Java framework for writing</a:t>
+            </a:r>
+            <a:br>
+              <a:rPr lang="en-GB" dirty="0" smtClean="0"/>
+            </a:br>
+            <a:r>
+              <a:rPr lang="en-GB" dirty="0" smtClean="0"/>
+              <a:t>domain-driven applications</a:t>
+            </a:r>
+          </a:p>
+          <a:p>
+            <a:pPr lvl="5"/>
+            <a:endParaRPr lang="en-GB" dirty="0" smtClean="0"/>
+          </a:p>
+          <a:p>
+            <a:r>
+              <a:rPr lang="en-GB" dirty="0" smtClean="0"/>
+              <a:t>You develop your domain objects…</a:t>
+            </a:r>
+          </a:p>
+          <a:p>
+            <a:pPr marL="0" indent="0">
+              <a:buNone/>
+            </a:pPr>
+            <a:r>
+              <a:rPr lang="en-GB" dirty="0" smtClean="0"/>
+              <a:t>	… and Isis does the rest</a:t>
+            </a:r>
+          </a:p>
+          <a:p>
+            <a:pPr lvl="6"/>
+            <a:endParaRPr lang="en-GB" dirty="0" smtClean="0"/>
+          </a:p>
+          <a:p>
+            <a:r>
+              <a:rPr lang="en-GB" dirty="0" smtClean="0"/>
+              <a:t>As a consequence</a:t>
             </a:r>
           </a:p>
           <a:p>
             <a:pPr lvl="1"/>
             <a:r>
-              <a:rPr lang="en-GB" sz="2400" dirty="0"/>
-              <a:t>automatically renders domain objects in an OOUI</a:t>
+              <a:rPr lang="en-GB" dirty="0" smtClean="0"/>
+              <a:t>you only focus on the domain</a:t>
             </a:r>
           </a:p>
           <a:p>
             <a:pPr lvl="1"/>
             <a:r>
-              <a:rPr lang="en-GB" sz="2400" dirty="0"/>
-              <a:t>fits in with the</a:t>
-            </a:r>
-            <a:br>
-              <a:rPr lang="en-GB" sz="2400" dirty="0"/>
-            </a:br>
-            <a:r>
-              <a:rPr lang="en-GB" sz="2400" dirty="0"/>
-              <a:t>hexagonal architecture</a:t>
+              <a:rPr lang="en-GB" dirty="0" smtClean="0"/>
+              <a:t>you can prototype or develop apps very quickly</a:t>
             </a:r>
           </a:p>
           <a:p>
             <a:pPr lvl="1"/>
-            <a:endParaRPr lang="en-GB" sz="2400" dirty="0"/>
-          </a:p>
-          <a:p>
-            <a:r>
-              <a:rPr lang="en-GB" sz="2800" dirty="0" smtClean="0"/>
-              <a:t>A Principle</a:t>
-            </a:r>
-          </a:p>
-          <a:p>
-            <a:pPr lvl="1">
-              <a:defRPr/>
-            </a:pPr>
-            <a:r>
-              <a:rPr lang="en-GB" sz="2400" dirty="0" smtClean="0"/>
-              <a:t>all business functionality is</a:t>
-            </a:r>
-            <a:br>
-              <a:rPr lang="en-GB" sz="2400" dirty="0" smtClean="0"/>
-            </a:br>
-            <a:r>
-              <a:rPr lang="en-GB" sz="2400" dirty="0" smtClean="0"/>
-              <a:t>encapsulated on the</a:t>
-            </a:r>
-            <a:br>
-              <a:rPr lang="en-GB" sz="2400" dirty="0" smtClean="0"/>
-            </a:br>
-            <a:r>
-              <a:rPr lang="en-GB" sz="2400" dirty="0" smtClean="0"/>
-              <a:t>core business objects</a:t>
-            </a:r>
-          </a:p>
-          <a:p>
-            <a:pPr lvl="1">
-              <a:defRPr/>
-            </a:pPr>
-            <a:r>
-              <a:rPr lang="en-GB" sz="2400" dirty="0" smtClean="0"/>
-              <a:t>“problem solver, not process follower”</a:t>
-            </a:r>
-          </a:p>
-          <a:p>
-            <a:pPr lvl="6"/>
-            <a:endParaRPr lang="en-GB" sz="1800" dirty="0" smtClean="0"/>
-          </a:p>
-          <a:p>
-            <a:r>
-              <a:rPr lang="en-GB" sz="2800" dirty="0" smtClean="0"/>
-              <a:t>A natural bed-fellow for Domain-Driven Design</a:t>
+            <a:r>
+              <a:rPr lang="en-GB" dirty="0" smtClean="0"/>
+              <a:t>you </a:t>
+            </a:r>
+            <a:r>
+              <a:rPr lang="en-GB" strike="sngStrike" dirty="0" smtClean="0"/>
+              <a:t>don’t</a:t>
+            </a:r>
+            <a:r>
+              <a:rPr lang="en-GB" dirty="0" smtClean="0"/>
+              <a:t> can’t put business logic outside the domain </a:t>
+            </a:r>
+          </a:p>
+          <a:p>
+            <a:pPr lvl="5"/>
+            <a:endParaRPr lang="en-GB" dirty="0"/>
+          </a:p>
+          <a:p>
+            <a:r>
+              <a:rPr lang="en-GB" dirty="0" smtClean="0"/>
+              <a:t>Isis is extensible and customisable</a:t>
             </a:r>
           </a:p>
           <a:p>
             <a:pPr lvl="1"/>
             <a:r>
-              <a:rPr lang="en-GB" sz="2400" dirty="0" smtClean="0"/>
-              <a:t>rapid prototyping &amp; development</a:t>
-            </a:r>
-          </a:p>
-          <a:p>
-            <a:endParaRPr lang="en-GB" sz="2800" dirty="0" smtClean="0"/>
-          </a:p>
-          <a:p>
-            <a:endParaRPr lang="en-GB" sz="2800" dirty="0" smtClean="0"/>
-          </a:p>
-          <a:p>
-            <a:pPr lvl="2" eaLnBrk="1" hangingPunct="1">
-              <a:defRPr/>
-            </a:pPr>
-            <a:endParaRPr lang="en-GB" sz="1300" dirty="0" smtClean="0"/>
-          </a:p>
-          <a:p>
-            <a:pPr lvl="5">
-              <a:defRPr/>
-            </a:pPr>
-            <a:endParaRPr lang="en-GB" sz="1600" dirty="0" smtClean="0"/>
-          </a:p>
-          <a:p>
-            <a:pPr lvl="6">
-              <a:defRPr/>
-            </a:pPr>
-            <a:endParaRPr lang="en-GB" sz="1600" dirty="0" smtClean="0"/>
+              <a:rPr lang="en-GB" dirty="0" smtClean="0"/>
+              <a:t>programming conventions</a:t>
+            </a:r>
+          </a:p>
+          <a:p>
+            <a:pPr lvl="1"/>
+            <a:r>
+              <a:rPr lang="en-GB" dirty="0" smtClean="0"/>
+              <a:t>security, user interface, persistence</a:t>
+            </a:r>
+            <a:endParaRPr lang="en-GB" dirty="0"/>
           </a:p>
         </p:txBody>
       </p:sp>
-      <p:pic>
-        <p:nvPicPr>
-          <p:cNvPr id="5" name="Picture 4" descr="reflection.jpg"/>
-          <p:cNvPicPr>
-            <a:picLocks noChangeAspect="1"/>
-          </p:cNvPicPr>
-          <p:nvPr/>
-        </p:nvPicPr>
-        <p:blipFill>
-          <a:blip r:embed="rId3" cstate="print"/>
-          <a:stretch>
-            <a:fillRect/>
-          </a:stretch>
-        </p:blipFill>
-        <p:spPr>
-          <a:xfrm>
-            <a:off x="4860032" y="2307627"/>
-            <a:ext cx="3857948" cy="2561533"/>
-          </a:xfrm>
-          <a:prstGeom prst="rect">
-            <a:avLst/>
-          </a:prstGeom>
-          <a:ln>
-            <a:noFill/>
-          </a:ln>
-          <a:effectLst>
-            <a:outerShdw blurRad="190500" algn="tl" rotWithShape="0">
-              <a:srgbClr val="000000">
-                <a:alpha val="70000"/>
-              </a:srgbClr>
-            </a:outerShdw>
-          </a:effectLst>
-        </p:spPr>
-      </p:pic>
     </p:spTree>
     <p:extLst>
       <p:ext uri="{BB962C8B-B14F-4D97-AF65-F5344CB8AC3E}">
-        <p14:creationId xmlns:p14="http://schemas.microsoft.com/office/powerpoint/2010/main" val="3647049346"/>
+        <p14:creationId xmlns:p14="http://schemas.microsoft.com/office/powerpoint/2010/main" val="2860451577"/>
       </p:ext>
     </p:extLst>
   </p:cSld>
@@ -21227,9 +22460,9 @@
       </p:grpSpPr>
       <p:sp>
         <p:nvSpPr>
-          <p:cNvPr id="15363" name="Rectangle 2"/>
+          <p:cNvPr id="2" name="Title 1"/>
           <p:cNvSpPr>
-            <a:spLocks noGrp="1" noChangeArrowheads="1"/>
+            <a:spLocks noGrp="1"/>
           </p:cNvSpPr>
           <p:nvPr>
             <p:ph type="title"/>
@@ -21240,220 +22473,787 @@
           <a:bodyPr/>
           <a:lstStyle/>
           <a:p>
-            <a:pPr eaLnBrk="1" hangingPunct="1"/>
-            <a:r>
-              <a:rPr lang="en-GB" sz="3200" dirty="0" smtClean="0"/>
-              <a:t>An example of the</a:t>
-            </a:r>
-            <a:br>
-              <a:rPr lang="en-GB" sz="3200" dirty="0" smtClean="0"/>
-            </a:br>
-            <a:r>
-              <a:rPr lang="en-GB" sz="3200" dirty="0" smtClean="0"/>
-              <a:t>DRY Principle</a:t>
-            </a:r>
+            <a:r>
+              <a:rPr lang="en-GB" dirty="0" smtClean="0"/>
+              <a:t>Isis Use Cases</a:t>
+            </a:r>
+            <a:endParaRPr lang="en-GB" dirty="0"/>
           </a:p>
         </p:txBody>
       </p:sp>
-      <p:sp>
-        <p:nvSpPr>
-          <p:cNvPr id="15364" name="Rectangle 3"/>
-          <p:cNvSpPr>
-            <a:spLocks noGrp="1" noChangeArrowheads="1"/>
-          </p:cNvSpPr>
-          <p:nvPr>
-            <p:ph type="body" idx="1"/>
-          </p:nvPr>
-        </p:nvSpPr>
-        <p:spPr>
+      <p:grpSp>
+        <p:nvGrpSpPr>
+          <p:cNvPr id="20" name="Group 19"/>
+          <p:cNvGrpSpPr/>
+          <p:nvPr/>
+        </p:nvGrpSpPr>
+        <p:grpSpPr>
           <a:xfrm>
-            <a:off x="457200" y="1124744"/>
-            <a:ext cx="8229600" cy="5400600"/>
+            <a:off x="251986" y="1340768"/>
+            <a:ext cx="8640494" cy="5184576"/>
+            <a:chOff x="178770" y="2132856"/>
+            <a:chExt cx="5911948" cy="3441909"/>
           </a:xfrm>
-        </p:spPr>
-        <p:txBody>
-          <a:bodyPr>
-            <a:normAutofit lnSpcReduction="10000"/>
-          </a:bodyPr>
-          <a:lstStyle/>
-          <a:p>
-            <a:pPr eaLnBrk="1" hangingPunct="1"/>
-            <a:r>
-              <a:rPr lang="en-GB" sz="2800" dirty="0" smtClean="0"/>
-              <a:t>The UI representations</a:t>
-            </a:r>
-            <a:br>
-              <a:rPr lang="en-GB" sz="2800" dirty="0" smtClean="0"/>
-            </a:br>
-            <a:r>
-              <a:rPr lang="en-GB" sz="2800" dirty="0" smtClean="0"/>
-              <a:t>correspond directly</a:t>
-            </a:r>
-            <a:br>
-              <a:rPr lang="en-GB" sz="2800" dirty="0" smtClean="0"/>
-            </a:br>
-            <a:r>
-              <a:rPr lang="en-GB" sz="2800" dirty="0" smtClean="0"/>
-              <a:t>with the underlying</a:t>
-            </a:r>
-            <a:br>
-              <a:rPr lang="en-GB" sz="2800" dirty="0" smtClean="0"/>
-            </a:br>
-            <a:r>
-              <a:rPr lang="en-GB" sz="2800" dirty="0" smtClean="0"/>
-              <a:t>domain object model</a:t>
-            </a:r>
-          </a:p>
-          <a:p>
-            <a:pPr eaLnBrk="1" hangingPunct="1"/>
-            <a:endParaRPr lang="en-GB" sz="2800" dirty="0" smtClean="0"/>
-          </a:p>
-          <a:p>
-            <a:pPr eaLnBrk="1" hangingPunct="1"/>
-            <a:endParaRPr lang="en-GB" sz="2800" dirty="0" smtClean="0"/>
-          </a:p>
-          <a:p>
-            <a:pPr eaLnBrk="1" hangingPunct="1"/>
-            <a:r>
-              <a:rPr lang="en-GB" sz="2800" dirty="0" smtClean="0"/>
-              <a:t>So, for instance:</a:t>
-            </a:r>
-          </a:p>
-          <a:p>
-            <a:pPr lvl="1" eaLnBrk="1" hangingPunct="1"/>
-            <a:r>
-              <a:rPr lang="en-GB" sz="2200" dirty="0" smtClean="0"/>
-              <a:t>objects instances exposed as icons</a:t>
-            </a:r>
-          </a:p>
-          <a:p>
-            <a:pPr lvl="1" eaLnBrk="1" hangingPunct="1"/>
-            <a:r>
-              <a:rPr lang="en-GB" sz="2200" dirty="0" smtClean="0"/>
-              <a:t>object properties / collections exposed in forms</a:t>
-            </a:r>
-          </a:p>
-          <a:p>
-            <a:pPr lvl="1" eaLnBrk="1" hangingPunct="1"/>
-            <a:r>
-              <a:rPr lang="en-GB" sz="2200" dirty="0" smtClean="0"/>
-              <a:t>object methods exposed as menu items</a:t>
-            </a:r>
-          </a:p>
-          <a:p>
-            <a:pPr lvl="2" eaLnBrk="1" hangingPunct="1"/>
-            <a:r>
-              <a:rPr lang="en-GB" sz="2000" dirty="0" err="1" smtClean="0"/>
-              <a:t>eg</a:t>
-            </a:r>
-            <a:r>
-              <a:rPr lang="en-GB" sz="2000" dirty="0" smtClean="0"/>
-              <a:t> </a:t>
-            </a:r>
-            <a:r>
-              <a:rPr lang="en-GB" sz="2000" dirty="0" err="1" smtClean="0">
-                <a:solidFill>
-                  <a:srgbClr val="008000"/>
-                </a:solidFill>
-              </a:rPr>
-              <a:t>Claim#submit</a:t>
-            </a:r>
-            <a:r>
-              <a:rPr lang="en-GB" sz="2000" dirty="0" smtClean="0">
-                <a:solidFill>
-                  <a:srgbClr val="008000"/>
-                </a:solidFill>
-              </a:rPr>
-              <a:t>(Approver)</a:t>
-            </a:r>
-          </a:p>
-          <a:p>
-            <a:pPr lvl="1" eaLnBrk="1" hangingPunct="1"/>
-            <a:r>
-              <a:rPr lang="en-GB" sz="2200" dirty="0" smtClean="0"/>
-              <a:t>repositories/domain services exposed as desktop icons</a:t>
-            </a:r>
-          </a:p>
-          <a:p>
-            <a:pPr lvl="2" eaLnBrk="1" hangingPunct="1"/>
-            <a:r>
-              <a:rPr lang="en-GB" sz="2000" dirty="0" err="1" smtClean="0"/>
-              <a:t>eg</a:t>
-            </a:r>
-            <a:r>
-              <a:rPr lang="en-GB" sz="2000" dirty="0" smtClean="0"/>
-              <a:t> </a:t>
-            </a:r>
-            <a:r>
-              <a:rPr lang="en-GB" sz="2000" dirty="0" err="1" smtClean="0">
-                <a:solidFill>
-                  <a:srgbClr val="008000"/>
-                </a:solidFill>
-              </a:rPr>
-              <a:t>ClaimRepository</a:t>
-            </a:r>
-            <a:r>
-              <a:rPr lang="en-GB" sz="2000" dirty="0" smtClean="0">
-                <a:solidFill>
-                  <a:srgbClr val="008000"/>
-                </a:solidFill>
-              </a:rPr>
-              <a:t>, </a:t>
-            </a:r>
-            <a:r>
-              <a:rPr lang="en-GB" sz="2000" dirty="0" err="1" smtClean="0">
-                <a:solidFill>
-                  <a:srgbClr val="008000"/>
-                </a:solidFill>
-              </a:rPr>
-              <a:t>EmployeeRepository</a:t>
-            </a:r>
-            <a:endParaRPr lang="en-GB" sz="2000" dirty="0" smtClean="0">
-              <a:solidFill>
-                <a:srgbClr val="008000"/>
-              </a:solidFill>
-            </a:endParaRPr>
-          </a:p>
-        </p:txBody>
-      </p:sp>
-      <p:pic>
-        <p:nvPicPr>
-          <p:cNvPr id="5" name="Picture 4" descr="umbrella-400x300.jpg"/>
-          <p:cNvPicPr>
-            <a:picLocks noChangeAspect="1"/>
-          </p:cNvPicPr>
-          <p:nvPr/>
-        </p:nvPicPr>
-        <p:blipFill>
-          <a:blip r:embed="rId3" cstate="print"/>
-          <a:stretch>
-            <a:fillRect/>
-          </a:stretch>
-        </p:blipFill>
-        <p:spPr>
-          <a:xfrm>
-            <a:off x="4932040" y="1113231"/>
-            <a:ext cx="3849697" cy="2887273"/>
-          </a:xfrm>
-          <a:prstGeom prst="rect">
-            <a:avLst/>
-          </a:prstGeom>
-          <a:ln>
+        </p:grpSpPr>
+        <p:sp>
+          <p:nvSpPr>
+            <p:cNvPr id="4" name="Rounded Rectangle 3"/>
+            <p:cNvSpPr/>
+            <p:nvPr/>
+          </p:nvSpPr>
+          <p:spPr>
+            <a:xfrm>
+              <a:off x="412423" y="3104964"/>
+              <a:ext cx="1259532" cy="720081"/>
+            </a:xfrm>
+            <a:prstGeom prst="roundRect">
+              <a:avLst/>
+            </a:prstGeom>
+            <a:ln>
+              <a:noFill/>
+            </a:ln>
+          </p:spPr>
+          <p:style>
+            <a:lnRef idx="2">
+              <a:schemeClr val="accent3">
+                <a:shade val="50000"/>
+              </a:schemeClr>
+            </a:lnRef>
+            <a:fillRef idx="1">
+              <a:schemeClr val="accent3"/>
+            </a:fillRef>
+            <a:effectRef idx="0">
+              <a:schemeClr val="accent3"/>
+            </a:effectRef>
+            <a:fontRef idx="minor">
+              <a:schemeClr val="lt1"/>
+            </a:fontRef>
+          </p:style>
+          <p:txBody>
+            <a:bodyPr lIns="18000" tIns="18000" rIns="18000" bIns="18000" rtlCol="0" anchor="ctr"/>
+            <a:lstStyle/>
+            <a:p>
+              <a:pPr algn="ctr"/>
+              <a:r>
+                <a:rPr lang="en-GB" sz="1600" dirty="0" smtClean="0"/>
+                <a:t>prototype</a:t>
+              </a:r>
+              <a:br>
+                <a:rPr lang="en-GB" sz="1600" dirty="0" smtClean="0"/>
+              </a:br>
+              <a:r>
+                <a:rPr lang="en-GB" sz="1600" dirty="0" err="1" smtClean="0"/>
+                <a:t>pojo</a:t>
+              </a:r>
+              <a:r>
+                <a:rPr lang="en-GB" sz="1600" dirty="0"/>
+                <a:t/>
+              </a:r>
+              <a:br>
+                <a:rPr lang="en-GB" sz="1600" dirty="0"/>
+              </a:br>
+              <a:r>
+                <a:rPr lang="en-GB" sz="1600" dirty="0" smtClean="0"/>
+                <a:t>domain model</a:t>
+              </a:r>
+              <a:endParaRPr lang="en-GB" dirty="0"/>
+            </a:p>
+          </p:txBody>
+        </p:sp>
+        <p:sp>
+          <p:nvSpPr>
+            <p:cNvPr id="5" name="Rounded Rectangle 4"/>
+            <p:cNvSpPr/>
+            <p:nvPr/>
+          </p:nvSpPr>
+          <p:spPr>
+            <a:xfrm>
+              <a:off x="4552275" y="2132856"/>
+              <a:ext cx="1259532" cy="720081"/>
+            </a:xfrm>
+            <a:prstGeom prst="roundRect">
+              <a:avLst/>
+            </a:prstGeom>
+            <a:ln>
+              <a:noFill/>
+            </a:ln>
+          </p:spPr>
+          <p:style>
+            <a:lnRef idx="2">
+              <a:schemeClr val="accent6">
+                <a:shade val="50000"/>
+              </a:schemeClr>
+            </a:lnRef>
+            <a:fillRef idx="1">
+              <a:schemeClr val="accent6"/>
+            </a:fillRef>
+            <a:effectRef idx="0">
+              <a:schemeClr val="accent6"/>
+            </a:effectRef>
+            <a:fontRef idx="minor">
+              <a:schemeClr val="lt1"/>
+            </a:fontRef>
+          </p:style>
+          <p:txBody>
+            <a:bodyPr lIns="18000" tIns="18000" rIns="18000" bIns="18000" rtlCol="0" anchor="ctr"/>
+            <a:lstStyle/>
+            <a:p>
+              <a:pPr algn="ctr"/>
+              <a:r>
+                <a:rPr lang="en-GB" sz="1600" dirty="0" smtClean="0"/>
+                <a:t>deploy as the</a:t>
+              </a:r>
+              <a:br>
+                <a:rPr lang="en-GB" sz="1600" dirty="0" smtClean="0"/>
+              </a:br>
+              <a:r>
+                <a:rPr lang="en-GB" sz="1600" dirty="0" smtClean="0"/>
+                <a:t>domain model</a:t>
+              </a:r>
+              <a:br>
+                <a:rPr lang="en-GB" sz="1600" dirty="0" smtClean="0"/>
+              </a:br>
+              <a:r>
+                <a:rPr lang="en-GB" sz="1600" dirty="0" smtClean="0"/>
+                <a:t>in your own app</a:t>
+              </a:r>
+              <a:endParaRPr lang="en-GB" sz="1600" dirty="0"/>
+            </a:p>
+          </p:txBody>
+        </p:sp>
+        <p:sp>
+          <p:nvSpPr>
+            <p:cNvPr id="6" name="Rounded Rectangle 5"/>
+            <p:cNvSpPr/>
+            <p:nvPr/>
+          </p:nvSpPr>
+          <p:spPr>
+            <a:xfrm>
+              <a:off x="4552275" y="3113885"/>
+              <a:ext cx="1259532" cy="720081"/>
+            </a:xfrm>
+            <a:prstGeom prst="roundRect">
+              <a:avLst/>
+            </a:prstGeom>
+            <a:ln>
+              <a:noFill/>
+            </a:ln>
+          </p:spPr>
+          <p:style>
+            <a:lnRef idx="2">
+              <a:schemeClr val="accent2">
+                <a:shade val="50000"/>
+              </a:schemeClr>
+            </a:lnRef>
+            <a:fillRef idx="1">
+              <a:schemeClr val="accent2"/>
+            </a:fillRef>
+            <a:effectRef idx="0">
+              <a:schemeClr val="accent2"/>
+            </a:effectRef>
+            <a:fontRef idx="minor">
+              <a:schemeClr val="lt1"/>
+            </a:fontRef>
+          </p:style>
+          <p:txBody>
+            <a:bodyPr lIns="18000" tIns="18000" rIns="18000" bIns="18000" rtlCol="0" anchor="ctr"/>
+            <a:lstStyle/>
+            <a:p>
+              <a:pPr algn="ctr"/>
+              <a:r>
+                <a:rPr lang="en-GB" sz="1600" dirty="0" smtClean="0"/>
+                <a:t>deploy as an</a:t>
+              </a:r>
+              <a:br>
+                <a:rPr lang="en-GB" sz="1600" dirty="0" smtClean="0"/>
+              </a:br>
+              <a:r>
+                <a:rPr lang="en-GB" sz="1600" dirty="0" smtClean="0"/>
+                <a:t>auto-generated</a:t>
+              </a:r>
+              <a:br>
+                <a:rPr lang="en-GB" sz="1600" dirty="0" smtClean="0"/>
+              </a:br>
+              <a:r>
+                <a:rPr lang="en-GB" sz="1600" dirty="0" err="1" smtClean="0"/>
+                <a:t>RESTful</a:t>
+              </a:r>
+              <a:r>
+                <a:rPr lang="en-GB" sz="1600" dirty="0" smtClean="0"/>
+                <a:t> web service</a:t>
+              </a:r>
+              <a:endParaRPr lang="en-GB" sz="1600" dirty="0"/>
+            </a:p>
+          </p:txBody>
+        </p:sp>
+        <p:sp>
+          <p:nvSpPr>
+            <p:cNvPr id="7" name="Rounded Rectangle 6"/>
+            <p:cNvSpPr/>
+            <p:nvPr/>
+          </p:nvSpPr>
+          <p:spPr>
+            <a:xfrm>
+              <a:off x="4552275" y="4077071"/>
+              <a:ext cx="1259532" cy="720081"/>
+            </a:xfrm>
+            <a:prstGeom prst="roundRect">
+              <a:avLst/>
+            </a:prstGeom>
+            <a:ln>
+              <a:noFill/>
+            </a:ln>
+          </p:spPr>
+          <p:style>
+            <a:lnRef idx="2">
+              <a:schemeClr val="accent1">
+                <a:shade val="50000"/>
+              </a:schemeClr>
+            </a:lnRef>
+            <a:fillRef idx="1">
+              <a:schemeClr val="accent1"/>
+            </a:fillRef>
+            <a:effectRef idx="0">
+              <a:schemeClr val="accent1"/>
+            </a:effectRef>
+            <a:fontRef idx="minor">
+              <a:schemeClr val="lt1"/>
+            </a:fontRef>
+          </p:style>
+          <p:txBody>
+            <a:bodyPr lIns="18000" tIns="18000" rIns="18000" bIns="18000" rtlCol="0" anchor="ctr"/>
+            <a:lstStyle/>
+            <a:p>
+              <a:pPr algn="ctr"/>
+              <a:r>
+                <a:rPr lang="en-GB" sz="1600" dirty="0" smtClean="0"/>
+                <a:t>deploy as a</a:t>
+              </a:r>
+            </a:p>
+            <a:p>
+              <a:pPr algn="ctr"/>
+              <a:r>
+                <a:rPr lang="en-GB" sz="1600" dirty="0" smtClean="0"/>
+                <a:t>auto-generated</a:t>
+              </a:r>
+              <a:br>
+                <a:rPr lang="en-GB" sz="1600" dirty="0" smtClean="0"/>
+              </a:br>
+              <a:r>
+                <a:rPr lang="en-GB" sz="1600" dirty="0" err="1" smtClean="0"/>
+                <a:t>webapp</a:t>
+              </a:r>
+              <a:endParaRPr lang="en-GB" sz="1200" dirty="0"/>
+            </a:p>
+          </p:txBody>
+        </p:sp>
+        <p:sp>
+          <p:nvSpPr>
+            <p:cNvPr id="8" name="Down Arrow 7"/>
+            <p:cNvSpPr/>
+            <p:nvPr/>
+          </p:nvSpPr>
+          <p:spPr>
+            <a:xfrm rot="16200000">
+              <a:off x="4122748" y="3256477"/>
+              <a:ext cx="286316" cy="405044"/>
+            </a:xfrm>
+            <a:prstGeom prst="downArrow">
+              <a:avLst/>
+            </a:prstGeom>
+            <a:solidFill>
+              <a:schemeClr val="bg2">
+                <a:lumMod val="75000"/>
+              </a:schemeClr>
+            </a:solidFill>
+            <a:ln>
+              <a:noFill/>
+            </a:ln>
+          </p:spPr>
+          <p:style>
+            <a:lnRef idx="2">
+              <a:schemeClr val="accent4">
+                <a:shade val="50000"/>
+              </a:schemeClr>
+            </a:lnRef>
+            <a:fillRef idx="1">
+              <a:schemeClr val="accent4"/>
+            </a:fillRef>
+            <a:effectRef idx="0">
+              <a:schemeClr val="accent4"/>
+            </a:effectRef>
+            <a:fontRef idx="minor">
+              <a:schemeClr val="lt1"/>
+            </a:fontRef>
+          </p:style>
+          <p:txBody>
+            <a:bodyPr rtlCol="0" anchor="ctr"/>
+            <a:lstStyle/>
+            <a:p>
+              <a:pPr algn="ctr"/>
+              <a:endParaRPr lang="en-GB" sz="1200"/>
+            </a:p>
+          </p:txBody>
+        </p:sp>
+        <p:sp>
+          <p:nvSpPr>
+            <p:cNvPr id="9" name="Down Arrow 8"/>
+            <p:cNvSpPr/>
+            <p:nvPr/>
+          </p:nvSpPr>
+          <p:spPr>
+            <a:xfrm rot="16200000">
+              <a:off x="4124535" y="2279990"/>
+              <a:ext cx="286316" cy="405044"/>
+            </a:xfrm>
+            <a:prstGeom prst="downArrow">
+              <a:avLst/>
+            </a:prstGeom>
+            <a:solidFill>
+              <a:schemeClr val="bg2">
+                <a:lumMod val="75000"/>
+              </a:schemeClr>
+            </a:solidFill>
+            <a:ln>
+              <a:noFill/>
+            </a:ln>
+          </p:spPr>
+          <p:style>
+            <a:lnRef idx="2">
+              <a:schemeClr val="accent4">
+                <a:shade val="50000"/>
+              </a:schemeClr>
+            </a:lnRef>
+            <a:fillRef idx="1">
+              <a:schemeClr val="accent4"/>
+            </a:fillRef>
+            <a:effectRef idx="0">
+              <a:schemeClr val="accent4"/>
+            </a:effectRef>
+            <a:fontRef idx="minor">
+              <a:schemeClr val="lt1"/>
+            </a:fontRef>
+          </p:style>
+          <p:txBody>
+            <a:bodyPr rtlCol="0" anchor="ctr"/>
+            <a:lstStyle/>
+            <a:p>
+              <a:pPr algn="ctr"/>
+              <a:endParaRPr lang="en-GB" sz="1200"/>
+            </a:p>
+          </p:txBody>
+        </p:sp>
+        <p:sp>
+          <p:nvSpPr>
+            <p:cNvPr id="10" name="Down Arrow 9"/>
+            <p:cNvSpPr/>
+            <p:nvPr/>
+          </p:nvSpPr>
+          <p:spPr>
+            <a:xfrm rot="16200000">
+              <a:off x="4124535" y="4244974"/>
+              <a:ext cx="286316" cy="405044"/>
+            </a:xfrm>
+            <a:prstGeom prst="downArrow">
+              <a:avLst/>
+            </a:prstGeom>
+            <a:solidFill>
+              <a:schemeClr val="bg2">
+                <a:lumMod val="75000"/>
+              </a:schemeClr>
+            </a:solidFill>
+            <a:ln>
+              <a:noFill/>
+            </a:ln>
+          </p:spPr>
+          <p:style>
+            <a:lnRef idx="2">
+              <a:schemeClr val="accent4">
+                <a:shade val="50000"/>
+              </a:schemeClr>
+            </a:lnRef>
+            <a:fillRef idx="1">
+              <a:schemeClr val="accent4"/>
+            </a:fillRef>
+            <a:effectRef idx="0">
+              <a:schemeClr val="accent4"/>
+            </a:effectRef>
+            <a:fontRef idx="minor">
+              <a:schemeClr val="lt1"/>
+            </a:fontRef>
+          </p:style>
+          <p:txBody>
+            <a:bodyPr rtlCol="0" anchor="ctr"/>
+            <a:lstStyle/>
+            <a:p>
+              <a:pPr algn="ctr"/>
+              <a:endParaRPr lang="en-GB" sz="1200"/>
+            </a:p>
+          </p:txBody>
+        </p:sp>
+        <p:sp>
+          <p:nvSpPr>
+            <p:cNvPr id="11" name="L-Shape 10"/>
+            <p:cNvSpPr/>
+            <p:nvPr/>
+          </p:nvSpPr>
+          <p:spPr>
+            <a:xfrm rot="16200000">
+              <a:off x="3501818" y="2813747"/>
+              <a:ext cx="1119806" cy="315035"/>
+            </a:xfrm>
+            <a:prstGeom prst="corner">
+              <a:avLst>
+                <a:gd name="adj1" fmla="val 50000"/>
+                <a:gd name="adj2" fmla="val 45071"/>
+              </a:avLst>
+            </a:prstGeom>
+            <a:solidFill>
+              <a:schemeClr val="bg2">
+                <a:lumMod val="75000"/>
+              </a:schemeClr>
+            </a:solidFill>
+            <a:ln>
+              <a:noFill/>
+            </a:ln>
+          </p:spPr>
+          <p:style>
+            <a:lnRef idx="2">
+              <a:schemeClr val="accent4">
+                <a:shade val="50000"/>
+              </a:schemeClr>
+            </a:lnRef>
+            <a:fillRef idx="1">
+              <a:schemeClr val="accent4"/>
+            </a:fillRef>
+            <a:effectRef idx="0">
+              <a:schemeClr val="accent4"/>
+            </a:effectRef>
+            <a:fontRef idx="minor">
+              <a:schemeClr val="lt1"/>
+            </a:fontRef>
+          </p:style>
+          <p:txBody>
+            <a:bodyPr rtlCol="0" anchor="ctr"/>
+            <a:lstStyle/>
+            <a:p>
+              <a:pPr algn="ctr"/>
+              <a:endParaRPr lang="en-GB" sz="1200" dirty="0"/>
+            </a:p>
+          </p:txBody>
+        </p:sp>
+        <p:sp>
+          <p:nvSpPr>
+            <p:cNvPr id="12" name="L-Shape 11"/>
+            <p:cNvSpPr/>
+            <p:nvPr/>
+          </p:nvSpPr>
+          <p:spPr>
+            <a:xfrm rot="16200000" flipH="1">
+              <a:off x="3497814" y="3796950"/>
+              <a:ext cx="1127813" cy="315035"/>
+            </a:xfrm>
+            <a:prstGeom prst="corner">
+              <a:avLst>
+                <a:gd name="adj1" fmla="val 50000"/>
+                <a:gd name="adj2" fmla="val 42113"/>
+              </a:avLst>
+            </a:prstGeom>
+            <a:solidFill>
+              <a:schemeClr val="bg2">
+                <a:lumMod val="75000"/>
+              </a:schemeClr>
+            </a:solidFill>
+            <a:ln>
+              <a:noFill/>
+            </a:ln>
+          </p:spPr>
+          <p:style>
+            <a:lnRef idx="2">
+              <a:schemeClr val="accent4">
+                <a:shade val="50000"/>
+              </a:schemeClr>
+            </a:lnRef>
+            <a:fillRef idx="1">
+              <a:schemeClr val="accent4"/>
+            </a:fillRef>
+            <a:effectRef idx="0">
+              <a:schemeClr val="accent4"/>
+            </a:effectRef>
+            <a:fontRef idx="minor">
+              <a:schemeClr val="lt1"/>
+            </a:fontRef>
+          </p:style>
+          <p:txBody>
+            <a:bodyPr rtlCol="0" anchor="ctr"/>
+            <a:lstStyle/>
+            <a:p>
+              <a:pPr algn="ctr"/>
+              <a:endParaRPr lang="en-GB" sz="1200"/>
+            </a:p>
+          </p:txBody>
+        </p:sp>
+        <p:sp>
+          <p:nvSpPr>
+            <p:cNvPr id="13" name="Rounded Rectangle 12"/>
+            <p:cNvSpPr/>
+            <p:nvPr/>
+          </p:nvSpPr>
+          <p:spPr>
+            <a:xfrm>
+              <a:off x="2500655" y="3104964"/>
+              <a:ext cx="1259532" cy="720081"/>
+            </a:xfrm>
+            <a:prstGeom prst="roundRect">
+              <a:avLst/>
+            </a:prstGeom>
+            <a:solidFill>
+              <a:schemeClr val="accent4"/>
+            </a:solidFill>
+            <a:ln>
+              <a:noFill/>
+            </a:ln>
+          </p:spPr>
+          <p:style>
+            <a:lnRef idx="2">
+              <a:schemeClr val="accent3">
+                <a:shade val="50000"/>
+              </a:schemeClr>
+            </a:lnRef>
+            <a:fillRef idx="1">
+              <a:schemeClr val="accent3"/>
+            </a:fillRef>
+            <a:effectRef idx="0">
+              <a:schemeClr val="accent3"/>
+            </a:effectRef>
+            <a:fontRef idx="minor">
+              <a:schemeClr val="lt1"/>
+            </a:fontRef>
+          </p:style>
+          <p:txBody>
+            <a:bodyPr lIns="18000" tIns="18000" rIns="18000" bIns="18000" rtlCol="0" anchor="ctr"/>
+            <a:lstStyle/>
+            <a:p>
+              <a:pPr algn="ctr"/>
+              <a:r>
+                <a:rPr lang="en-GB" sz="1600" dirty="0" smtClean="0"/>
+                <a:t>specify, </a:t>
+              </a:r>
+              <a:br>
+                <a:rPr lang="en-GB" sz="1600" dirty="0" smtClean="0"/>
+              </a:br>
+              <a:r>
+                <a:rPr lang="en-GB" sz="1600" dirty="0" smtClean="0"/>
+                <a:t>develop</a:t>
+              </a:r>
+              <a:br>
+                <a:rPr lang="en-GB" sz="1600" dirty="0" smtClean="0"/>
+              </a:br>
+              <a:r>
+                <a:rPr lang="en-GB" sz="1600" dirty="0" smtClean="0"/>
+                <a:t>domain model &amp;</a:t>
+              </a:r>
+              <a:br>
+                <a:rPr lang="en-GB" sz="1600" dirty="0" smtClean="0"/>
+              </a:br>
+              <a:r>
+                <a:rPr lang="en-GB" sz="1600" dirty="0" smtClean="0"/>
+                <a:t>unit test</a:t>
+              </a:r>
+              <a:endParaRPr lang="en-GB" dirty="0"/>
+            </a:p>
+          </p:txBody>
+        </p:sp>
+        <p:sp>
+          <p:nvSpPr>
+            <p:cNvPr id="14" name="Down Arrow 13"/>
+            <p:cNvSpPr/>
+            <p:nvPr/>
+          </p:nvSpPr>
+          <p:spPr>
+            <a:xfrm rot="16200000">
+              <a:off x="1966764" y="3182892"/>
+              <a:ext cx="286316" cy="564226"/>
+            </a:xfrm>
+            <a:prstGeom prst="downArrow">
+              <a:avLst/>
+            </a:prstGeom>
+            <a:solidFill>
+              <a:schemeClr val="bg2">
+                <a:lumMod val="75000"/>
+              </a:schemeClr>
+            </a:solidFill>
+            <a:ln>
+              <a:noFill/>
+            </a:ln>
+          </p:spPr>
+          <p:style>
+            <a:lnRef idx="2">
+              <a:schemeClr val="accent4">
+                <a:shade val="50000"/>
+              </a:schemeClr>
+            </a:lnRef>
+            <a:fillRef idx="1">
+              <a:schemeClr val="accent4"/>
+            </a:fillRef>
+            <a:effectRef idx="0">
+              <a:schemeClr val="accent4"/>
+            </a:effectRef>
+            <a:fontRef idx="minor">
+              <a:schemeClr val="lt1"/>
+            </a:fontRef>
+          </p:style>
+          <p:txBody>
+            <a:bodyPr rtlCol="0" anchor="ctr"/>
+            <a:lstStyle/>
+            <a:p>
+              <a:pPr algn="ctr"/>
+              <a:endParaRPr lang="en-GB" sz="1200"/>
+            </a:p>
+          </p:txBody>
+        </p:sp>
+        <p:sp>
+          <p:nvSpPr>
+            <p:cNvPr id="16" name="TextBox 15"/>
+            <p:cNvSpPr txBox="1"/>
+            <p:nvPr/>
+          </p:nvSpPr>
+          <p:spPr>
+            <a:xfrm>
+              <a:off x="4309635" y="4994223"/>
+              <a:ext cx="1781083" cy="580542"/>
+            </a:xfrm>
+            <a:prstGeom prst="rect">
+              <a:avLst/>
+            </a:prstGeom>
             <a:noFill/>
-          </a:ln>
-          <a:effectLst>
-            <a:outerShdw blurRad="292100" dist="139700" dir="2700000" algn="tl" rotWithShape="0">
-              <a:srgbClr val="333333">
-                <a:alpha val="65000"/>
-              </a:srgbClr>
-            </a:outerShdw>
-          </a:effectLst>
-        </p:spPr>
-      </p:pic>
+          </p:spPr>
+          <p:txBody>
+            <a:bodyPr wrap="none" rtlCol="0">
+              <a:spAutoFit/>
+            </a:bodyPr>
+            <a:lstStyle/>
+            <a:p>
+              <a:pPr algn="ctr"/>
+              <a:r>
+                <a:rPr lang="en-GB" dirty="0" smtClean="0"/>
+                <a:t>with Isis persistence</a:t>
+              </a:r>
+              <a:br>
+                <a:rPr lang="en-GB" dirty="0" smtClean="0"/>
+              </a:br>
+              <a:r>
+                <a:rPr lang="en-GB" sz="1100" dirty="0" smtClean="0"/>
+                <a:t>     or</a:t>
+              </a:r>
+              <a:br>
+                <a:rPr lang="en-GB" sz="1100" dirty="0" smtClean="0"/>
+              </a:br>
+              <a:r>
+                <a:rPr lang="en-GB" dirty="0" smtClean="0"/>
+                <a:t>with custom persistence</a:t>
+              </a:r>
+            </a:p>
+          </p:txBody>
+        </p:sp>
+        <p:sp>
+          <p:nvSpPr>
+            <p:cNvPr id="18" name="TextBox 17"/>
+            <p:cNvSpPr txBox="1"/>
+            <p:nvPr/>
+          </p:nvSpPr>
+          <p:spPr>
+            <a:xfrm>
+              <a:off x="2505679" y="3861048"/>
+              <a:ext cx="1257709" cy="460052"/>
+            </a:xfrm>
+            <a:prstGeom prst="rect">
+              <a:avLst/>
+            </a:prstGeom>
+            <a:noFill/>
+          </p:spPr>
+          <p:txBody>
+            <a:bodyPr wrap="none" rtlCol="0">
+              <a:spAutoFit/>
+            </a:bodyPr>
+            <a:lstStyle/>
+            <a:p>
+              <a:pPr algn="ctr"/>
+              <a:r>
+                <a:rPr lang="en-GB" dirty="0" err="1" smtClean="0"/>
+                <a:t>JUnit</a:t>
+              </a:r>
+              <a:r>
+                <a:rPr lang="en-GB" dirty="0" smtClean="0"/>
+                <a:t> integration</a:t>
+              </a:r>
+            </a:p>
+            <a:p>
+              <a:pPr algn="ctr"/>
+              <a:r>
+                <a:rPr lang="en-GB" dirty="0" smtClean="0"/>
+                <a:t>BDD integration</a:t>
+              </a:r>
+            </a:p>
+          </p:txBody>
+        </p:sp>
+        <p:sp>
+          <p:nvSpPr>
+            <p:cNvPr id="19" name="TextBox 18"/>
+            <p:cNvSpPr txBox="1"/>
+            <p:nvPr/>
+          </p:nvSpPr>
+          <p:spPr>
+            <a:xfrm>
+              <a:off x="178770" y="3861048"/>
+              <a:ext cx="1767405" cy="598798"/>
+            </a:xfrm>
+            <a:prstGeom prst="rect">
+              <a:avLst/>
+            </a:prstGeom>
+            <a:noFill/>
+          </p:spPr>
+          <p:txBody>
+            <a:bodyPr wrap="none" rtlCol="0">
+              <a:spAutoFit/>
+            </a:bodyPr>
+            <a:lstStyle/>
+            <a:p>
+              <a:pPr algn="ctr"/>
+              <a:r>
+                <a:rPr lang="en-GB" dirty="0" err="1" smtClean="0"/>
+                <a:t>Isis’programming</a:t>
+              </a:r>
+              <a:r>
+                <a:rPr lang="en-GB" dirty="0" smtClean="0"/>
+                <a:t> model</a:t>
+              </a:r>
+            </a:p>
+            <a:p>
+              <a:pPr algn="ctr">
+                <a:spcBef>
+                  <a:spcPts val="200"/>
+                </a:spcBef>
+              </a:pPr>
+              <a:r>
+                <a:rPr lang="en-GB" sz="1100" dirty="0" smtClean="0"/>
+                <a:t>and optionally</a:t>
+              </a:r>
+            </a:p>
+            <a:p>
+              <a:pPr algn="ctr"/>
+              <a:r>
+                <a:rPr lang="en-GB" dirty="0" smtClean="0"/>
+                <a:t>custom extensions</a:t>
+              </a:r>
+            </a:p>
+          </p:txBody>
+        </p:sp>
+      </p:grpSp>
     </p:spTree>
     <p:extLst>
       <p:ext uri="{BB962C8B-B14F-4D97-AF65-F5344CB8AC3E}">
-        <p14:creationId xmlns:p14="http://schemas.microsoft.com/office/powerpoint/2010/main" val="591907915"/>
+        <p14:creationId xmlns:p14="http://schemas.microsoft.com/office/powerpoint/2010/main" val="3806189428"/>
       </p:ext>
     </p:extLst>
   </p:cSld>
@@ -21489,135 +23289,6 @@
       </p:grpSpPr>
       <p:sp>
         <p:nvSpPr>
-          <p:cNvPr id="4" name="Title 3"/>
-          <p:cNvSpPr>
-            <a:spLocks noGrp="1"/>
-          </p:cNvSpPr>
-          <p:nvPr>
-            <p:ph type="title"/>
-          </p:nvPr>
-        </p:nvSpPr>
-        <p:spPr/>
-        <p:txBody>
-          <a:bodyPr/>
-          <a:lstStyle/>
-          <a:p>
-            <a:r>
-              <a:rPr lang="en-GB" dirty="0" smtClean="0"/>
-              <a:t>What is Apache Isis ?</a:t>
-            </a:r>
-            <a:endParaRPr lang="en-GB" dirty="0"/>
-          </a:p>
-        </p:txBody>
-      </p:sp>
-      <p:sp>
-        <p:nvSpPr>
-          <p:cNvPr id="5" name="Content Placeholder 4"/>
-          <p:cNvSpPr>
-            <a:spLocks noGrp="1"/>
-          </p:cNvSpPr>
-          <p:nvPr>
-            <p:ph idx="1"/>
-          </p:nvPr>
-        </p:nvSpPr>
-        <p:spPr>
-          <a:xfrm>
-            <a:off x="457200" y="5805264"/>
-            <a:ext cx="8229600" cy="1040979"/>
-          </a:xfrm>
-        </p:spPr>
-        <p:txBody>
-          <a:bodyPr>
-            <a:normAutofit/>
-          </a:bodyPr>
-          <a:lstStyle/>
-          <a:p>
-            <a:pPr marL="0" indent="0" algn="ctr">
-              <a:buNone/>
-            </a:pPr>
-            <a:r>
-              <a:rPr lang="en-GB" sz="2400" dirty="0" smtClean="0"/>
-              <a:t>Apache Isis combines the naked objects pattern</a:t>
-            </a:r>
-            <a:br>
-              <a:rPr lang="en-GB" sz="2400" dirty="0" smtClean="0"/>
-            </a:br>
-            <a:r>
-              <a:rPr lang="en-GB" sz="2400" dirty="0" smtClean="0"/>
-              <a:t>with the hexagonal architecture</a:t>
-            </a:r>
-          </a:p>
-        </p:txBody>
-      </p:sp>
-      <p:pic>
-        <p:nvPicPr>
-          <p:cNvPr id="2" name="Picture 1"/>
-          <p:cNvPicPr>
-            <a:picLocks noChangeAspect="1"/>
-          </p:cNvPicPr>
-          <p:nvPr/>
-        </p:nvPicPr>
-        <p:blipFill>
-          <a:blip r:embed="rId3">
-            <a:extLst>
-              <a:ext uri="{28A0092B-C50C-407E-A947-70E740481C1C}">
-                <a14:useLocalDpi xmlns:a14="http://schemas.microsoft.com/office/drawing/2010/main" val="0"/>
-              </a:ext>
-            </a:extLst>
-          </a:blip>
-          <a:stretch>
-            <a:fillRect/>
-          </a:stretch>
-        </p:blipFill>
-        <p:spPr>
-          <a:xfrm>
-            <a:off x="1187624" y="980728"/>
-            <a:ext cx="6768752" cy="4834822"/>
-          </a:xfrm>
-          <a:prstGeom prst="rect">
-            <a:avLst/>
-          </a:prstGeom>
-        </p:spPr>
-      </p:pic>
-    </p:spTree>
-    <p:extLst>
-      <p:ext uri="{BB962C8B-B14F-4D97-AF65-F5344CB8AC3E}">
-        <p14:creationId xmlns:p14="http://schemas.microsoft.com/office/powerpoint/2010/main" val="2716819487"/>
-      </p:ext>
-    </p:extLst>
-  </p:cSld>
-  <p:clrMapOvr>
-    <a:masterClrMapping/>
-  </p:clrMapOvr>
-  <p:timing>
-    <p:tnLst>
-      <p:par>
-        <p:cTn id="1" dur="indefinite" restart="never" nodeType="tmRoot"/>
-      </p:par>
-    </p:tnLst>
-  </p:timing>
-</p:sld>
-</file>
-
-<file path=ppt/slides/slide6.xml><?xml version="1.0" encoding="utf-8"?>
-<p:sld xmlns:a="http://schemas.openxmlformats.org/drawingml/2006/main" xmlns:r="http://schemas.openxmlformats.org/officeDocument/2006/relationships" xmlns:p="http://schemas.openxmlformats.org/presentationml/2006/main">
-  <p:cSld>
-    <p:spTree>
-      <p:nvGrpSpPr>
-        <p:cNvPr id="1" name=""/>
-        <p:cNvGrpSpPr/>
-        <p:nvPr/>
-      </p:nvGrpSpPr>
-      <p:grpSpPr>
-        <a:xfrm>
-          <a:off x="0" y="0"/>
-          <a:ext cx="0" cy="0"/>
-          <a:chOff x="0" y="0"/>
-          <a:chExt cx="0" cy="0"/>
-        </a:xfrm>
-      </p:grpSpPr>
-      <p:sp>
-        <p:nvSpPr>
           <p:cNvPr id="2" name="Title 1"/>
           <p:cNvSpPr>
             <a:spLocks noGrp="1"/>
@@ -21662,7 +23333,7 @@
         </p:blipFill>
         <p:spPr bwMode="auto">
           <a:xfrm>
-            <a:off x="752476" y="1244304"/>
+            <a:off x="395536" y="1244304"/>
             <a:ext cx="4457700" cy="4895850"/>
           </a:xfrm>
           <a:prstGeom prst="rect">
@@ -21697,7 +23368,7 @@
         </p:blipFill>
         <p:spPr bwMode="auto">
           <a:xfrm>
-            <a:off x="3281364" y="1909494"/>
+            <a:off x="3638635" y="1909494"/>
             <a:ext cx="4965813" cy="1838861"/>
           </a:xfrm>
           <a:prstGeom prst="rect">
@@ -21734,7 +23405,7 @@
         </p:blipFill>
         <p:spPr bwMode="auto">
           <a:xfrm>
-            <a:off x="2309814" y="4633519"/>
+            <a:off x="2126828" y="4633519"/>
             <a:ext cx="6396038" cy="2016529"/>
           </a:xfrm>
           <a:prstGeom prst="rect">
@@ -21767,484 +23438,14 @@
   <p:timing>
     <p:tnLst>
       <p:par>
-        <p:cTn id="1" dur="indefinite" restart="never" nodeType="tmRoot">
-          <p:childTnLst>
-            <p:seq concurrent="1" nextAc="seek">
-              <p:cTn id="2" dur="indefinite" nodeType="mainSeq">
-                <p:childTnLst>
-                  <p:par>
-                    <p:cTn id="3" fill="hold">
-                      <p:stCondLst>
-                        <p:cond delay="indefinite"/>
-                        <p:cond evt="onBegin" delay="0">
-                          <p:tn val="2"/>
-                        </p:cond>
-                      </p:stCondLst>
-                      <p:childTnLst>
-                        <p:par>
-                          <p:cTn id="4" fill="hold">
-                            <p:stCondLst>
-                              <p:cond delay="0"/>
-                            </p:stCondLst>
-                            <p:childTnLst>
-                              <p:par>
-                                <p:cTn id="5" presetID="52" presetClass="entr" presetSubtype="0" fill="hold" nodeType="withEffect">
-                                  <p:stCondLst>
-                                    <p:cond delay="0"/>
-                                  </p:stCondLst>
-                                  <p:childTnLst>
-                                    <p:set>
-                                      <p:cBhvr>
-                                        <p:cTn id="6" dur="1" fill="hold">
-                                          <p:stCondLst>
-                                            <p:cond delay="0"/>
-                                          </p:stCondLst>
-                                        </p:cTn>
-                                        <p:tgtEl>
-                                          <p:spTgt spid="29"/>
-                                        </p:tgtEl>
-                                        <p:attrNameLst>
-                                          <p:attrName>style.visibility</p:attrName>
-                                        </p:attrNameLst>
-                                      </p:cBhvr>
-                                      <p:to>
-                                        <p:strVal val="visible"/>
-                                      </p:to>
-                                    </p:set>
-                                    <p:animScale>
-                                      <p:cBhvr>
-                                        <p:cTn id="7" dur="1000" decel="50000" fill="hold">
-                                          <p:stCondLst>
-                                            <p:cond delay="0"/>
-                                          </p:stCondLst>
-                                        </p:cTn>
-                                        <p:tgtEl>
-                                          <p:spTgt spid="29"/>
-                                        </p:tgtEl>
-                                      </p:cBhvr>
-                                      <p:from x="250000" y="250000"/>
-                                      <p:to x="100000" y="100000"/>
-                                    </p:animScale>
-                                    <p:animMotion origin="layout" path="M -0.46736 0.92887  C -0.37517 0.88508  -0.02552 0.75279  0.0908 0.66613  C  0.20747 0.57948  0.21649 0.50394  0.23177 0.40825  C 0.24705 0.31256  0.22118 0.15964   0.18264 0.09152  C 0.1441 0.02341  0.03802 0.0  0.0 0.0  " pathEditMode="relative" ptsTypes="">
-                                      <p:cBhvr>
-                                        <p:cTn id="8" dur="1000" decel="50000" fill="hold">
-                                          <p:stCondLst>
-                                            <p:cond delay="0"/>
-                                          </p:stCondLst>
-                                        </p:cTn>
-                                        <p:tgtEl>
-                                          <p:spTgt spid="29"/>
-                                        </p:tgtEl>
-                                        <p:attrNameLst>
-                                          <p:attrName>ppt_x</p:attrName>
-                                          <p:attrName>ppt_y</p:attrName>
-                                        </p:attrNameLst>
-                                      </p:cBhvr>
-                                    </p:animMotion>
-                                    <p:animEffect transition="in" filter="fade">
-                                      <p:cBhvr>
-                                        <p:cTn id="9" dur="1000"/>
-                                        <p:tgtEl>
-                                          <p:spTgt spid="29"/>
-                                        </p:tgtEl>
-                                      </p:cBhvr>
-                                    </p:animEffect>
-                                  </p:childTnLst>
-                                </p:cTn>
-                              </p:par>
-                            </p:childTnLst>
-                          </p:cTn>
-                        </p:par>
-                        <p:par>
-                          <p:cTn id="10" fill="hold">
-                            <p:stCondLst>
-                              <p:cond delay="1000"/>
-                            </p:stCondLst>
-                            <p:childTnLst>
-                              <p:par>
-                                <p:cTn id="11" presetID="25" presetClass="entr" presetSubtype="0" fill="hold" nodeType="afterEffect">
-                                  <p:stCondLst>
-                                    <p:cond delay="0"/>
-                                  </p:stCondLst>
-                                  <p:childTnLst>
-                                    <p:set>
-                                      <p:cBhvr>
-                                        <p:cTn id="12" dur="1" fill="hold">
-                                          <p:stCondLst>
-                                            <p:cond delay="0"/>
-                                          </p:stCondLst>
-                                        </p:cTn>
-                                        <p:tgtEl>
-                                          <p:spTgt spid="30"/>
-                                        </p:tgtEl>
-                                        <p:attrNameLst>
-                                          <p:attrName>style.visibility</p:attrName>
-                                        </p:attrNameLst>
-                                      </p:cBhvr>
-                                      <p:to>
-                                        <p:strVal val="visible"/>
-                                      </p:to>
-                                    </p:set>
-                                    <p:anim calcmode="lin" valueType="num">
-                                      <p:cBhvr>
-                                        <p:cTn id="13" dur="500" decel="50000" fill="hold">
-                                          <p:stCondLst>
-                                            <p:cond delay="0"/>
-                                          </p:stCondLst>
-                                        </p:cTn>
-                                        <p:tgtEl>
-                                          <p:spTgt spid="30"/>
-                                        </p:tgtEl>
-                                        <p:attrNameLst>
-                                          <p:attrName>style.rotation</p:attrName>
-                                        </p:attrNameLst>
-                                      </p:cBhvr>
-                                      <p:tavLst>
-                                        <p:tav tm="0">
-                                          <p:val>
-                                            <p:fltVal val="-90"/>
-                                          </p:val>
-                                        </p:tav>
-                                        <p:tav tm="100000">
-                                          <p:val>
-                                            <p:fltVal val="0"/>
-                                          </p:val>
-                                        </p:tav>
-                                      </p:tavLst>
-                                    </p:anim>
-                                    <p:anim calcmode="lin" valueType="num">
-                                      <p:cBhvr>
-                                        <p:cTn id="14" dur="500" decel="50000" fill="hold">
-                                          <p:stCondLst>
-                                            <p:cond delay="0"/>
-                                          </p:stCondLst>
-                                        </p:cTn>
-                                        <p:tgtEl>
-                                          <p:spTgt spid="30"/>
-                                        </p:tgtEl>
-                                        <p:attrNameLst>
-                                          <p:attrName>ppt_w</p:attrName>
-                                        </p:attrNameLst>
-                                      </p:cBhvr>
-                                      <p:tavLst>
-                                        <p:tav tm="0">
-                                          <p:val>
-                                            <p:strVal val="#ppt_w"/>
-                                          </p:val>
-                                        </p:tav>
-                                        <p:tav tm="100000">
-                                          <p:val>
-                                            <p:strVal val="#ppt_w*.05"/>
-                                          </p:val>
-                                        </p:tav>
-                                      </p:tavLst>
-                                    </p:anim>
-                                    <p:anim calcmode="lin" valueType="num">
-                                      <p:cBhvr>
-                                        <p:cTn id="15" dur="500" accel="50000" fill="hold">
-                                          <p:stCondLst>
-                                            <p:cond delay="500"/>
-                                          </p:stCondLst>
-                                        </p:cTn>
-                                        <p:tgtEl>
-                                          <p:spTgt spid="30"/>
-                                        </p:tgtEl>
-                                        <p:attrNameLst>
-                                          <p:attrName>ppt_w</p:attrName>
-                                        </p:attrNameLst>
-                                      </p:cBhvr>
-                                      <p:tavLst>
-                                        <p:tav tm="0">
-                                          <p:val>
-                                            <p:strVal val="#ppt_w*.05"/>
-                                          </p:val>
-                                        </p:tav>
-                                        <p:tav tm="100000">
-                                          <p:val>
-                                            <p:strVal val="#ppt_w"/>
-                                          </p:val>
-                                        </p:tav>
-                                      </p:tavLst>
-                                    </p:anim>
-                                    <p:anim calcmode="lin" valueType="num">
-                                      <p:cBhvr>
-                                        <p:cTn id="16" dur="1000" fill="hold"/>
-                                        <p:tgtEl>
-                                          <p:spTgt spid="30"/>
-                                        </p:tgtEl>
-                                        <p:attrNameLst>
-                                          <p:attrName>ppt_h</p:attrName>
-                                        </p:attrNameLst>
-                                      </p:cBhvr>
-                                      <p:tavLst>
-                                        <p:tav tm="0">
-                                          <p:val>
-                                            <p:strVal val="#ppt_h"/>
-                                          </p:val>
-                                        </p:tav>
-                                        <p:tav tm="100000">
-                                          <p:val>
-                                            <p:strVal val="#ppt_h"/>
-                                          </p:val>
-                                        </p:tav>
-                                      </p:tavLst>
-                                    </p:anim>
-                                    <p:anim calcmode="lin" valueType="num">
-                                      <p:cBhvr>
-                                        <p:cTn id="17" dur="500" decel="50000" fill="hold">
-                                          <p:stCondLst>
-                                            <p:cond delay="0"/>
-                                          </p:stCondLst>
-                                        </p:cTn>
-                                        <p:tgtEl>
-                                          <p:spTgt spid="30"/>
-                                        </p:tgtEl>
-                                        <p:attrNameLst>
-                                          <p:attrName>ppt_x</p:attrName>
-                                        </p:attrNameLst>
-                                      </p:cBhvr>
-                                      <p:tavLst>
-                                        <p:tav tm="0">
-                                          <p:val>
-                                            <p:strVal val="#ppt_x+.4"/>
-                                          </p:val>
-                                        </p:tav>
-                                        <p:tav tm="100000">
-                                          <p:val>
-                                            <p:strVal val="#ppt_x"/>
-                                          </p:val>
-                                        </p:tav>
-                                      </p:tavLst>
-                                    </p:anim>
-                                    <p:anim calcmode="lin" valueType="num">
-                                      <p:cBhvr>
-                                        <p:cTn id="18" dur="500" decel="50000" fill="hold">
-                                          <p:stCondLst>
-                                            <p:cond delay="0"/>
-                                          </p:stCondLst>
-                                        </p:cTn>
-                                        <p:tgtEl>
-                                          <p:spTgt spid="30"/>
-                                        </p:tgtEl>
-                                        <p:attrNameLst>
-                                          <p:attrName>ppt_y</p:attrName>
-                                        </p:attrNameLst>
-                                      </p:cBhvr>
-                                      <p:tavLst>
-                                        <p:tav tm="0">
-                                          <p:val>
-                                            <p:strVal val="#ppt_y-.2"/>
-                                          </p:val>
-                                        </p:tav>
-                                        <p:tav tm="100000">
-                                          <p:val>
-                                            <p:strVal val="#ppt_y+.1"/>
-                                          </p:val>
-                                        </p:tav>
-                                      </p:tavLst>
-                                    </p:anim>
-                                    <p:anim calcmode="lin" valueType="num">
-                                      <p:cBhvr>
-                                        <p:cTn id="19" dur="500" accel="50000" fill="hold">
-                                          <p:stCondLst>
-                                            <p:cond delay="500"/>
-                                          </p:stCondLst>
-                                        </p:cTn>
-                                        <p:tgtEl>
-                                          <p:spTgt spid="30"/>
-                                        </p:tgtEl>
-                                        <p:attrNameLst>
-                                          <p:attrName>ppt_y</p:attrName>
-                                        </p:attrNameLst>
-                                      </p:cBhvr>
-                                      <p:tavLst>
-                                        <p:tav tm="0">
-                                          <p:val>
-                                            <p:strVal val="#ppt_y+.1"/>
-                                          </p:val>
-                                        </p:tav>
-                                        <p:tav tm="100000">
-                                          <p:val>
-                                            <p:strVal val="#ppt_y"/>
-                                          </p:val>
-                                        </p:tav>
-                                      </p:tavLst>
-                                    </p:anim>
-                                    <p:animEffect transition="in" filter="fade">
-                                      <p:cBhvr>
-                                        <p:cTn id="20" dur="1000" decel="50000">
-                                          <p:stCondLst>
-                                            <p:cond delay="0"/>
-                                          </p:stCondLst>
-                                        </p:cTn>
-                                        <p:tgtEl>
-                                          <p:spTgt spid="30"/>
-                                        </p:tgtEl>
-                                      </p:cBhvr>
-                                    </p:animEffect>
-                                  </p:childTnLst>
-                                </p:cTn>
-                              </p:par>
-                            </p:childTnLst>
-                          </p:cTn>
-                        </p:par>
-                        <p:par>
-                          <p:cTn id="21" fill="hold">
-                            <p:stCondLst>
-                              <p:cond delay="2000"/>
-                            </p:stCondLst>
-                            <p:childTnLst>
-                              <p:par>
-                                <p:cTn id="22" presetID="15" presetClass="entr" presetSubtype="0" fill="hold" nodeType="afterEffect">
-                                  <p:stCondLst>
-                                    <p:cond delay="0"/>
-                                  </p:stCondLst>
-                                  <p:childTnLst>
-                                    <p:set>
-                                      <p:cBhvr>
-                                        <p:cTn id="23" dur="1" fill="hold">
-                                          <p:stCondLst>
-                                            <p:cond delay="0"/>
-                                          </p:stCondLst>
-                                        </p:cTn>
-                                        <p:tgtEl>
-                                          <p:spTgt spid="31"/>
-                                        </p:tgtEl>
-                                        <p:attrNameLst>
-                                          <p:attrName>style.visibility</p:attrName>
-                                        </p:attrNameLst>
-                                      </p:cBhvr>
-                                      <p:to>
-                                        <p:strVal val="visible"/>
-                                      </p:to>
-                                    </p:set>
-                                    <p:anim calcmode="lin" valueType="num">
-                                      <p:cBhvr>
-                                        <p:cTn id="24" dur="1000" fill="hold"/>
-                                        <p:tgtEl>
-                                          <p:spTgt spid="31"/>
-                                        </p:tgtEl>
-                                        <p:attrNameLst>
-                                          <p:attrName>ppt_w</p:attrName>
-                                        </p:attrNameLst>
-                                      </p:cBhvr>
-                                      <p:tavLst>
-                                        <p:tav tm="0">
-                                          <p:val>
-                                            <p:fltVal val="0"/>
-                                          </p:val>
-                                        </p:tav>
-                                        <p:tav tm="100000">
-                                          <p:val>
-                                            <p:strVal val="#ppt_w"/>
-                                          </p:val>
-                                        </p:tav>
-                                      </p:tavLst>
-                                    </p:anim>
-                                    <p:anim calcmode="lin" valueType="num">
-                                      <p:cBhvr>
-                                        <p:cTn id="25" dur="1000" fill="hold"/>
-                                        <p:tgtEl>
-                                          <p:spTgt spid="31"/>
-                                        </p:tgtEl>
-                                        <p:attrNameLst>
-                                          <p:attrName>ppt_h</p:attrName>
-                                        </p:attrNameLst>
-                                      </p:cBhvr>
-                                      <p:tavLst>
-                                        <p:tav tm="0">
-                                          <p:val>
-                                            <p:fltVal val="0"/>
-                                          </p:val>
-                                        </p:tav>
-                                        <p:tav tm="100000">
-                                          <p:val>
-                                            <p:strVal val="#ppt_h"/>
-                                          </p:val>
-                                        </p:tav>
-                                      </p:tavLst>
-                                    </p:anim>
-                                    <p:anim calcmode="lin" valueType="num">
-                                      <p:cBhvr>
-                                        <p:cTn id="26" dur="1000" fill="hold"/>
-                                        <p:tgtEl>
-                                          <p:spTgt spid="31"/>
-                                        </p:tgtEl>
-                                        <p:attrNameLst>
-                                          <p:attrName>ppt_x</p:attrName>
-                                        </p:attrNameLst>
-                                      </p:cBhvr>
-                                      <p:tavLst>
-                                        <p:tav tm="0" fmla="#ppt_x+(cos(-2*pi*(1-$))*-#ppt_x-sin(-2*pi*(1-$))*(1-#ppt_y))*(1-$)">
-                                          <p:val>
-                                            <p:fltVal val="0"/>
-                                          </p:val>
-                                        </p:tav>
-                                        <p:tav tm="100000">
-                                          <p:val>
-                                            <p:fltVal val="1"/>
-                                          </p:val>
-                                        </p:tav>
-                                      </p:tavLst>
-                                    </p:anim>
-                                    <p:anim calcmode="lin" valueType="num">
-                                      <p:cBhvr>
-                                        <p:cTn id="27" dur="1000" fill="hold"/>
-                                        <p:tgtEl>
-                                          <p:spTgt spid="31"/>
-                                        </p:tgtEl>
-                                        <p:attrNameLst>
-                                          <p:attrName>ppt_y</p:attrName>
-                                        </p:attrNameLst>
-                                      </p:cBhvr>
-                                      <p:tavLst>
-                                        <p:tav tm="0" fmla="#ppt_y+(sin(-2*pi*(1-$))*-#ppt_x+cos(-2*pi*(1-$))*(1-#ppt_y))*(1-$)">
-                                          <p:val>
-                                            <p:fltVal val="0"/>
-                                          </p:val>
-                                        </p:tav>
-                                        <p:tav tm="100000">
-                                          <p:val>
-                                            <p:fltVal val="1"/>
-                                          </p:val>
-                                        </p:tav>
-                                      </p:tavLst>
-                                    </p:anim>
-                                  </p:childTnLst>
-                                </p:cTn>
-                              </p:par>
-                            </p:childTnLst>
-                          </p:cTn>
-                        </p:par>
-                      </p:childTnLst>
-                    </p:cTn>
-                  </p:par>
-                </p:childTnLst>
-              </p:cTn>
-              <p:prevCondLst>
-                <p:cond evt="onPrev" delay="0">
-                  <p:tgtEl>
-                    <p:sldTgt/>
-                  </p:tgtEl>
-                </p:cond>
-              </p:prevCondLst>
-              <p:nextCondLst>
-                <p:cond evt="onNext" delay="0">
-                  <p:tgtEl>
-                    <p:sldTgt/>
-                  </p:tgtEl>
-                </p:cond>
-              </p:nextCondLst>
-            </p:seq>
-          </p:childTnLst>
-        </p:cTn>
+        <p:cTn id="1" dur="indefinite" restart="never" nodeType="tmRoot"/>
       </p:par>
     </p:tnLst>
   </p:timing>
 </p:sld>
 </file>
 
-<file path=ppt/slides/slide7.xml><?xml version="1.0" encoding="utf-8"?>
+<file path=ppt/slides/slide6.xml><?xml version="1.0" encoding="utf-8"?>
 <p:sld xmlns:a="http://schemas.openxmlformats.org/drawingml/2006/main" xmlns:r="http://schemas.openxmlformats.org/officeDocument/2006/relationships" xmlns:p="http://schemas.openxmlformats.org/presentationml/2006/main">
   <p:cSld>
     <p:spTree>
@@ -22326,7 +23527,7 @@
 </p:sld>
 </file>
 
-<file path=ppt/slides/slide8.xml><?xml version="1.0" encoding="utf-8"?>
+<file path=ppt/slides/slide7.xml><?xml version="1.0" encoding="utf-8"?>
 <p:sld xmlns:a="http://schemas.openxmlformats.org/drawingml/2006/main" xmlns:r="http://schemas.openxmlformats.org/officeDocument/2006/relationships" xmlns:p="http://schemas.openxmlformats.org/presentationml/2006/main">
   <p:cSld>
     <p:spTree>
@@ -22360,7 +23561,7 @@
           <a:p>
             <a:r>
               <a:rPr lang="en-GB" sz="3600" dirty="0" smtClean="0"/>
-              <a:t>So what does the app look like?</a:t>
+              <a:t>So, what does the app look like?</a:t>
             </a:r>
           </a:p>
         </p:txBody>
@@ -22384,13 +23585,38 @@
           </a:p>
           <a:p>
             <a:r>
+              <a:rPr lang="en-GB" dirty="0" smtClean="0">
+                <a:hlinkClick r:id="rId3"/>
+              </a:rPr>
+              <a:t>Isis Online Demo</a:t>
+            </a:r>
+            <a:endParaRPr lang="en-GB" dirty="0" smtClean="0"/>
+          </a:p>
+          <a:p>
+            <a:pPr lvl="2"/>
+            <a:endParaRPr lang="en-GB" dirty="0" smtClean="0"/>
+          </a:p>
+          <a:p>
+            <a:pPr lvl="2"/>
+            <a:endParaRPr lang="en-GB" dirty="0" smtClean="0"/>
+          </a:p>
+          <a:p>
+            <a:pPr lvl="2"/>
+            <a:endParaRPr lang="en-GB" dirty="0"/>
+          </a:p>
+          <a:p>
+            <a:pPr lvl="2"/>
+            <a:endParaRPr lang="en-GB" dirty="0" smtClean="0"/>
+          </a:p>
+          <a:p>
+            <a:pPr lvl="2"/>
+            <a:endParaRPr lang="en-GB" dirty="0"/>
+          </a:p>
+          <a:p>
+            <a:r>
               <a:rPr lang="en-GB" dirty="0" smtClean="0"/>
-              <a:t>Let's see...</a:t>
-            </a:r>
-          </a:p>
-          <a:p>
-            <a:pPr lvl="1"/>
-            <a:endParaRPr lang="en-GB" dirty="0" smtClean="0"/>
+              <a:t>Maven archetype</a:t>
+            </a:r>
           </a:p>
         </p:txBody>
       </p:sp>
@@ -22403,7 +23629,7 @@
           <p:nvPr/>
         </p:nvPicPr>
         <p:blipFill>
-          <a:blip r:embed="rId3" cstate="print"/>
+          <a:blip r:embed="rId4" cstate="print"/>
           <a:stretch>
             <a:fillRect/>
           </a:stretch>
@@ -22436,7 +23662,7 @@
         </p:nvSpPr>
         <p:spPr>
           <a:xfrm>
-            <a:off x="1043608" y="5406315"/>
+            <a:off x="827584" y="5229200"/>
             <a:ext cx="7297190" cy="923330"/>
           </a:xfrm>
           <a:prstGeom prst="rect">
@@ -22478,13 +23704,7 @@
               <a:rPr lang="en-GB" dirty="0" smtClean="0">
                 <a:latin typeface="Lucida Console" pitchFamily="49" charset="0"/>
               </a:rPr>
-              <a:t>                          </a:t>
-            </a:r>
-            <a:r>
-              <a:rPr lang="en-GB" dirty="0" smtClean="0">
-                <a:latin typeface="Lucida Console" pitchFamily="49" charset="0"/>
-              </a:rPr>
-              <a:t>\</a:t>
+              <a:t>                          \</a:t>
             </a:r>
             <a:endParaRPr lang="en-GB" dirty="0">
               <a:latin typeface="Lucida Console" pitchFamily="49" charset="0"/>
@@ -22531,13 +23751,7 @@
               <a:rPr lang="en-GB" dirty="0" smtClean="0">
                 <a:latin typeface="Lucida Console" pitchFamily="49" charset="0"/>
               </a:rPr>
-              <a:t>  </a:t>
-            </a:r>
-            <a:r>
-              <a:rPr lang="en-GB" dirty="0" smtClean="0">
-                <a:latin typeface="Lucida Console" pitchFamily="49" charset="0"/>
-              </a:rPr>
-              <a:t>\</a:t>
+              <a:t>  \</a:t>
             </a:r>
             <a:endParaRPr lang="en-GB" dirty="0">
               <a:latin typeface="Lucida Console" pitchFamily="49" charset="0"/>
@@ -22593,99 +23807,99 @@
   <p:timing>
     <p:tnLst>
       <p:par>
-        <p:cTn id="1" dur="indefinite" restart="never" nodeType="tmRoot">
-          <p:childTnLst>
-            <p:seq concurrent="1" nextAc="seek">
-              <p:cTn id="2" dur="indefinite" nodeType="mainSeq">
-                <p:childTnLst>
-                  <p:par>
-                    <p:cTn id="3" fill="hold">
-                      <p:stCondLst>
-                        <p:cond delay="indefinite"/>
-                        <p:cond evt="onBegin" delay="0">
-                          <p:tn val="2"/>
-                        </p:cond>
-                      </p:stCondLst>
-                      <p:childTnLst>
-                        <p:par>
-                          <p:cTn id="4" fill="hold">
-                            <p:stCondLst>
-                              <p:cond delay="0"/>
-                            </p:stCondLst>
-                            <p:childTnLst>
-                              <p:par>
-                                <p:cTn id="5" presetID="10" presetClass="entr" presetSubtype="0" fill="hold" grpId="0" nodeType="afterEffect">
-                                  <p:stCondLst>
-                                    <p:cond delay="0"/>
-                                  </p:stCondLst>
-                                  <p:childTnLst>
-                                    <p:set>
-                                      <p:cBhvr>
-                                        <p:cTn id="6" dur="1" fill="hold">
-                                          <p:stCondLst>
-                                            <p:cond delay="0"/>
-                                          </p:stCondLst>
-                                        </p:cTn>
-                                        <p:tgtEl>
-                                          <p:spTgt spid="3">
-                                            <p:txEl>
-                                              <p:pRg st="1" end="1"/>
-                                            </p:txEl>
-                                          </p:spTgt>
-                                        </p:tgtEl>
-                                        <p:attrNameLst>
-                                          <p:attrName>style.visibility</p:attrName>
-                                        </p:attrNameLst>
-                                      </p:cBhvr>
-                                      <p:to>
-                                        <p:strVal val="visible"/>
-                                      </p:to>
-                                    </p:set>
-                                    <p:animEffect transition="in" filter="fade">
-                                      <p:cBhvr>
-                                        <p:cTn id="7" dur="2000"/>
-                                        <p:tgtEl>
-                                          <p:spTgt spid="3">
-                                            <p:txEl>
-                                              <p:pRg st="1" end="1"/>
-                                            </p:txEl>
-                                          </p:spTgt>
-                                        </p:tgtEl>
-                                      </p:cBhvr>
-                                    </p:animEffect>
-                                  </p:childTnLst>
-                                </p:cTn>
-                              </p:par>
-                            </p:childTnLst>
-                          </p:cTn>
-                        </p:par>
-                      </p:childTnLst>
-                    </p:cTn>
-                  </p:par>
-                </p:childTnLst>
-              </p:cTn>
-              <p:prevCondLst>
-                <p:cond evt="onPrev" delay="0">
-                  <p:tgtEl>
-                    <p:sldTgt/>
-                  </p:tgtEl>
-                </p:cond>
-              </p:prevCondLst>
-              <p:nextCondLst>
-                <p:cond evt="onNext" delay="0">
-                  <p:tgtEl>
-                    <p:sldTgt/>
-                  </p:tgtEl>
-                </p:cond>
-              </p:nextCondLst>
-            </p:seq>
-          </p:childTnLst>
-        </p:cTn>
+        <p:cTn id="1" dur="indefinite" restart="never" nodeType="tmRoot"/>
       </p:par>
     </p:tnLst>
-    <p:bldLst>
-      <p:bldP spid="3" grpId="0" build="p" advAuto="0"/>
-    </p:bldLst>
+  </p:timing>
+</p:sld>
+</file>
+
+<file path=ppt/slides/slide8.xml><?xml version="1.0" encoding="utf-8"?>
+<p:sld xmlns:a="http://schemas.openxmlformats.org/drawingml/2006/main" xmlns:r="http://schemas.openxmlformats.org/officeDocument/2006/relationships" xmlns:p="http://schemas.openxmlformats.org/presentationml/2006/main">
+  <p:cSld>
+    <p:spTree>
+      <p:nvGrpSpPr>
+        <p:cNvPr id="1" name=""/>
+        <p:cNvGrpSpPr/>
+        <p:nvPr/>
+      </p:nvGrpSpPr>
+      <p:grpSpPr>
+        <a:xfrm>
+          <a:off x="0" y="0"/>
+          <a:ext cx="0" cy="0"/>
+          <a:chOff x="0" y="0"/>
+          <a:chExt cx="0" cy="0"/>
+        </a:xfrm>
+      </p:grpSpPr>
+      <p:sp>
+        <p:nvSpPr>
+          <p:cNvPr id="4" name="Title 3"/>
+          <p:cNvSpPr>
+            <a:spLocks noGrp="1"/>
+          </p:cNvSpPr>
+          <p:nvPr>
+            <p:ph type="title"/>
+          </p:nvPr>
+        </p:nvSpPr>
+        <p:spPr/>
+        <p:txBody>
+          <a:bodyPr/>
+          <a:lstStyle/>
+          <a:p>
+            <a:r>
+              <a:rPr lang="en-GB" dirty="0" smtClean="0"/>
+              <a:t>Apache Isis’ Architecture</a:t>
+            </a:r>
+            <a:endParaRPr lang="en-GB" dirty="0"/>
+          </a:p>
+        </p:txBody>
+      </p:sp>
+      <p:pic>
+        <p:nvPicPr>
+          <p:cNvPr id="6" name="Picture 5"/>
+          <p:cNvPicPr>
+            <a:picLocks noChangeAspect="1"/>
+          </p:cNvPicPr>
+          <p:nvPr/>
+        </p:nvPicPr>
+        <p:blipFill>
+          <a:blip r:embed="rId3">
+            <a:extLst>
+              <a:ext uri="{28A0092B-C50C-407E-A947-70E740481C1C}">
+                <a14:useLocalDpi xmlns:a14="http://schemas.microsoft.com/office/drawing/2010/main" val="0"/>
+              </a:ext>
+            </a:extLst>
+          </a:blip>
+          <a:stretch>
+            <a:fillRect/>
+          </a:stretch>
+        </p:blipFill>
+        <p:spPr>
+          <a:xfrm>
+            <a:off x="833832" y="980728"/>
+            <a:ext cx="7770616" cy="5544616"/>
+          </a:xfrm>
+          <a:prstGeom prst="rect">
+            <a:avLst/>
+          </a:prstGeom>
+        </p:spPr>
+      </p:pic>
+    </p:spTree>
+    <p:extLst>
+      <p:ext uri="{BB962C8B-B14F-4D97-AF65-F5344CB8AC3E}">
+        <p14:creationId xmlns:p14="http://schemas.microsoft.com/office/powerpoint/2010/main" val="2716819487"/>
+      </p:ext>
+    </p:extLst>
+  </p:cSld>
+  <p:clrMapOvr>
+    <a:masterClrMapping/>
+  </p:clrMapOvr>
+  <p:timing>
+    <p:tnLst>
+      <p:par>
+        <p:cTn id="1" dur="indefinite" restart="never" nodeType="tmRoot"/>
+      </p:par>
+    </p:tnLst>
   </p:timing>
 </p:sld>
 </file>
@@ -22723,7 +23937,7 @@
           <a:lstStyle/>
           <a:p>
             <a:r>
-              <a:rPr lang="en-GB" dirty="0" smtClean="0"/>
+              <a:rPr lang="en-GB" smtClean="0"/>
               <a:t>Resources</a:t>
             </a:r>
             <a:endParaRPr lang="en-GB" dirty="0"/>
@@ -22748,225 +23962,113 @@
           <a:lstStyle/>
           <a:p>
             <a:r>
-              <a:rPr lang="en-GB" dirty="0" smtClean="0"/>
+              <a:rPr lang="en-GB" smtClean="0"/>
               <a:t>Apache Isis Incubator website</a:t>
             </a:r>
           </a:p>
           <a:p>
             <a:pPr lvl="1"/>
             <a:r>
-              <a:rPr lang="en-GB" sz="2400" dirty="0" smtClean="0"/>
-              <a:t>links to </a:t>
-            </a:r>
-            <a:r>
-              <a:rPr lang="en-GB" sz="2400" dirty="0"/>
-              <a:t>the mailing list (</a:t>
-            </a:r>
-            <a:r>
-              <a:rPr lang="en-GB" sz="2400" dirty="0" err="1"/>
-              <a:t>isis-dev</a:t>
-            </a:r>
-            <a:r>
-              <a:rPr lang="en-GB" sz="2400" dirty="0" smtClean="0"/>
-              <a:t>), IRC (#apache-</a:t>
-            </a:r>
-            <a:r>
-              <a:rPr lang="en-GB" sz="2400" dirty="0" err="1" smtClean="0"/>
-              <a:t>isis</a:t>
-            </a:r>
-            <a:r>
-              <a:rPr lang="en-GB" sz="2400" dirty="0" smtClean="0"/>
-              <a:t>)</a:t>
-            </a:r>
-          </a:p>
-          <a:p>
-            <a:pPr lvl="1"/>
-            <a:r>
-              <a:rPr lang="en-GB" sz="2400" dirty="0" smtClean="0"/>
-              <a:t>links the </a:t>
-            </a:r>
-            <a:r>
-              <a:rPr lang="en-GB" sz="2400" dirty="0"/>
-              <a:t>wiki, </a:t>
-            </a:r>
-            <a:r>
-              <a:rPr lang="en-GB" sz="2400" dirty="0" smtClean="0"/>
-              <a:t>JIRA</a:t>
-            </a:r>
-          </a:p>
-          <a:p>
-            <a:pPr lvl="1"/>
-            <a:r>
-              <a:rPr lang="en-GB" sz="2400" dirty="0" smtClean="0">
+              <a:rPr lang="en-GB" smtClean="0">
                 <a:hlinkClick r:id="rId3"/>
               </a:rPr>
-              <a:t>http</a:t>
-            </a:r>
-            <a:r>
-              <a:rPr lang="en-GB" sz="2400" dirty="0">
-                <a:hlinkClick r:id="rId3"/>
-              </a:rPr>
-              <a:t>://</a:t>
-            </a:r>
-            <a:r>
-              <a:rPr lang="en-GB" sz="2400" dirty="0" smtClean="0">
-                <a:hlinkClick r:id="rId3"/>
-              </a:rPr>
-              <a:t>incubator.apache.org/isis</a:t>
-            </a:r>
-            <a:endParaRPr lang="en-GB" sz="2400" dirty="0" smtClean="0"/>
+              <a:t>http://incubator.apache.org/isis</a:t>
+            </a:r>
+            <a:endParaRPr lang="en-GB" smtClean="0"/>
           </a:p>
           <a:p>
             <a:pPr lvl="1"/>
             <a:r>
-              <a:rPr lang="en-GB" sz="2400" dirty="0" smtClean="0"/>
-              <a:t>how to use Isis’ </a:t>
-            </a:r>
-            <a:r>
-              <a:rPr lang="en-GB" sz="2400" dirty="0" err="1"/>
-              <a:t>quickstart</a:t>
-            </a:r>
-            <a:r>
-              <a:rPr lang="en-GB" sz="2400" dirty="0"/>
-              <a:t> </a:t>
-            </a:r>
-            <a:r>
-              <a:rPr lang="en-GB" sz="2400" dirty="0" smtClean="0"/>
-              <a:t>archetype</a:t>
-            </a:r>
-            <a:endParaRPr lang="en-GB" sz="2400" dirty="0"/>
-          </a:p>
-          <a:p>
-            <a:pPr lvl="1"/>
-            <a:endParaRPr lang="en-GB" dirty="0" smtClean="0"/>
-          </a:p>
-          <a:p>
-            <a:r>
-              <a:rPr lang="en-GB" dirty="0" smtClean="0"/>
-              <a:t>Richard </a:t>
-            </a:r>
-            <a:r>
-              <a:rPr lang="en-GB" dirty="0" err="1" smtClean="0"/>
-              <a:t>Pawson’s</a:t>
-            </a:r>
-            <a:r>
-              <a:rPr lang="en-GB" dirty="0" smtClean="0"/>
-              <a:t> original thesis on Naked Objects</a:t>
-            </a:r>
-          </a:p>
-          <a:p>
-            <a:pPr lvl="1"/>
-            <a:r>
-              <a:rPr lang="en-GB" sz="2400" dirty="0" smtClean="0">
+              <a:rPr lang="en-GB" smtClean="0"/>
+              <a:t>links to the mailing list</a:t>
+            </a:r>
+          </a:p>
+          <a:p>
+            <a:pPr lvl="2"/>
+            <a:r>
+              <a:rPr lang="en-GB" smtClean="0">
                 <a:hlinkClick r:id="rId4"/>
               </a:rPr>
-              <a:t>http</a:t>
-            </a:r>
-            <a:r>
-              <a:rPr lang="en-GB" sz="2400" dirty="0">
-                <a:hlinkClick r:id="rId4"/>
-              </a:rPr>
-              <a:t>://</a:t>
-            </a:r>
-            <a:r>
-              <a:rPr lang="en-GB" sz="2400" dirty="0" smtClean="0">
-                <a:hlinkClick r:id="rId4"/>
-              </a:rPr>
-              <a:t>incubator.apache.org/isis/Pawson-Naked-Objects-thesis.pdf</a:t>
-            </a:r>
-            <a:r>
-              <a:rPr lang="en-GB" sz="2400" dirty="0" smtClean="0"/>
+              <a:t>mailto:isis-users@incubator.apache.org</a:t>
+            </a:r>
+            <a:r>
+              <a:rPr lang="en-GB" smtClean="0"/>
               <a:t> </a:t>
             </a:r>
+            <a:endParaRPr lang="en-GB" smtClean="0"/>
           </a:p>
           <a:p>
             <a:pPr lvl="1"/>
-            <a:endParaRPr lang="en-GB" dirty="0" smtClean="0"/>
-          </a:p>
-          <a:p>
-            <a:r>
-              <a:rPr lang="en-GB" dirty="0" smtClean="0"/>
-              <a:t>Dan Haywood’s book</a:t>
+            <a:r>
+              <a:rPr lang="en-GB" smtClean="0"/>
+              <a:t>links to the wiki and to JIRA</a:t>
             </a:r>
           </a:p>
           <a:p>
             <a:pPr lvl="1"/>
             <a:r>
-              <a:rPr lang="en-GB" sz="2400" dirty="0" smtClean="0">
+              <a:rPr lang="en-GB" smtClean="0"/>
+              <a:t>describes how to use Isis’ quickstart archetype</a:t>
+            </a:r>
+          </a:p>
+          <a:p>
+            <a:pPr lvl="3"/>
+            <a:endParaRPr lang="en-GB" smtClean="0"/>
+          </a:p>
+          <a:p>
+            <a:r>
+              <a:rPr lang="en-GB" smtClean="0"/>
+              <a:t>Isis Online Demo</a:t>
+            </a:r>
+          </a:p>
+          <a:p>
+            <a:pPr lvl="1"/>
+            <a:r>
+              <a:rPr lang="en-GB" smtClean="0">
                 <a:hlinkClick r:id="rId5"/>
               </a:rPr>
-              <a:t>http://www.pragprog.com/titles/dhnako</a:t>
-            </a:r>
-            <a:r>
-              <a:rPr lang="en-GB" sz="2400" dirty="0" smtClean="0"/>
+              <a:t>http://mmyco.co.uk:8180/isis-onlinedemo</a:t>
+            </a:r>
+            <a:r>
+              <a:rPr lang="en-GB" smtClean="0"/>
               <a:t> </a:t>
             </a:r>
           </a:p>
           <a:p>
-            <a:endParaRPr lang="en-GB" dirty="0" smtClean="0"/>
-          </a:p>
-          <a:p>
-            <a:r>
-              <a:rPr lang="en-GB" sz="2900" dirty="0" smtClean="0"/>
-              <a:t>Naked Objects on .NET</a:t>
+            <a:pPr lvl="3"/>
+            <a:endParaRPr lang="en-GB" smtClean="0"/>
+          </a:p>
+          <a:p>
+            <a:r>
+              <a:rPr lang="en-GB" smtClean="0"/>
+              <a:t>Restful Objects spec</a:t>
             </a:r>
           </a:p>
           <a:p>
             <a:pPr lvl="1"/>
             <a:r>
-              <a:rPr lang="en-GB" sz="2400" dirty="0" smtClean="0">
+              <a:rPr lang="en-GB" smtClean="0">
                 <a:hlinkClick r:id="rId6"/>
               </a:rPr>
-              <a:t>http://nakedobjects.net</a:t>
-            </a:r>
-            <a:r>
-              <a:rPr lang="en-GB" sz="2400" dirty="0" smtClean="0"/>
+              <a:t>http://restfulobjects.org</a:t>
+            </a:r>
+            <a:r>
+              <a:rPr lang="en-GB" smtClean="0"/>
               <a:t> </a:t>
             </a:r>
           </a:p>
           <a:p>
-            <a:pPr lvl="2"/>
+            <a:pPr lvl="1"/>
+            <a:r>
+              <a:rPr lang="en-GB" smtClean="0"/>
+              <a:t>as implemented by the json (REST) viewer</a:t>
+            </a:r>
+          </a:p>
+          <a:p>
             <a:endParaRPr lang="en-GB" dirty="0" smtClean="0"/>
-          </a:p>
-          <a:p>
-            <a:endParaRPr lang="en-GB" dirty="0"/>
           </a:p>
         </p:txBody>
       </p:sp>
-      <p:pic>
-        <p:nvPicPr>
-          <p:cNvPr id="11" name="Picture 2"/>
-          <p:cNvPicPr>
-            <a:picLocks noChangeAspect="1" noChangeArrowheads="1"/>
-          </p:cNvPicPr>
-          <p:nvPr/>
-        </p:nvPicPr>
-        <p:blipFill>
-          <a:blip r:embed="rId7" cstate="print"/>
-          <a:stretch>
-            <a:fillRect/>
-          </a:stretch>
-        </p:blipFill>
-        <p:spPr bwMode="auto">
-          <a:xfrm>
-            <a:off x="6908874" y="4077072"/>
-            <a:ext cx="1623566" cy="1948280"/>
-          </a:xfrm>
-          <a:prstGeom prst="rect">
-            <a:avLst/>
-          </a:prstGeom>
-          <a:ln>
-            <a:noFill/>
-          </a:ln>
-          <a:effectLst>
-            <a:outerShdw blurRad="190500" algn="tl" rotWithShape="0">
-              <a:srgbClr val="000000">
-                <a:alpha val="70000"/>
-              </a:srgbClr>
-            </a:outerShdw>
-          </a:effectLst>
-        </p:spPr>
-      </p:pic>
     </p:spTree>
     <p:extLst>
       <p:ext uri="{BB962C8B-B14F-4D97-AF65-F5344CB8AC3E}">
